--- a/ppt/blockchain-dex.pptx
+++ b/ppt/blockchain-dex.pptx
@@ -1,36 +1,36 @@
 
 <file path=ppt/presentation.xml><?xml version="1.0" encoding="utf-8"?>
-<p:presentation xmlns:a="http://schemas.openxmlformats.org/drawingml/2006/main" xmlns:r="http://schemas.openxmlformats.org/officeDocument/2006/relationships" xmlns:p="http://schemas.openxmlformats.org/presentationml/2006/main" saveSubsetFonts="1">
+<p:presentation xmlns:a="http://schemas.openxmlformats.org/drawingml/2006/main" xmlns:r="http://schemas.openxmlformats.org/officeDocument/2006/relationships" xmlns:p="http://schemas.openxmlformats.org/presentationml/2006/main">
   <p:sldMasterIdLst>
     <p:sldMasterId id="2147483648" r:id="rId1"/>
   </p:sldMasterIdLst>
   <p:notesMasterIdLst>
-    <p:notesMasterId r:id="rId22"/>
+    <p:notesMasterId r:id="rId4"/>
   </p:notesMasterIdLst>
   <p:sldIdLst>
-    <p:sldId id="257" r:id="rId2"/>
-    <p:sldId id="269" r:id="rId3"/>
-    <p:sldId id="281" r:id="rId4"/>
-    <p:sldId id="298" r:id="rId5"/>
-    <p:sldId id="297" r:id="rId6"/>
-    <p:sldId id="295" r:id="rId7"/>
-    <p:sldId id="296" r:id="rId8"/>
-    <p:sldId id="294" r:id="rId9"/>
-    <p:sldId id="258" r:id="rId10"/>
-    <p:sldId id="259" r:id="rId11"/>
-    <p:sldId id="260" r:id="rId12"/>
-    <p:sldId id="280" r:id="rId13"/>
-    <p:sldId id="261" r:id="rId14"/>
-    <p:sldId id="262" r:id="rId15"/>
-    <p:sldId id="263" r:id="rId16"/>
-    <p:sldId id="264" r:id="rId17"/>
-    <p:sldId id="265" r:id="rId18"/>
-    <p:sldId id="266" r:id="rId19"/>
-    <p:sldId id="267" r:id="rId20"/>
-    <p:sldId id="283" r:id="rId21"/>
+    <p:sldId id="257" r:id="rId3"/>
+    <p:sldId id="269" r:id="rId5"/>
+    <p:sldId id="281" r:id="rId6"/>
+    <p:sldId id="298" r:id="rId7"/>
+    <p:sldId id="297" r:id="rId8"/>
+    <p:sldId id="295" r:id="rId9"/>
+    <p:sldId id="296" r:id="rId10"/>
+    <p:sldId id="294" r:id="rId11"/>
+    <p:sldId id="258" r:id="rId12"/>
+    <p:sldId id="259" r:id="rId13"/>
+    <p:sldId id="260" r:id="rId14"/>
+    <p:sldId id="280" r:id="rId15"/>
+    <p:sldId id="261" r:id="rId16"/>
+    <p:sldId id="262" r:id="rId17"/>
+    <p:sldId id="263" r:id="rId18"/>
+    <p:sldId id="264" r:id="rId19"/>
+    <p:sldId id="265" r:id="rId20"/>
+    <p:sldId id="266" r:id="rId21"/>
+    <p:sldId id="267" r:id="rId22"/>
+    <p:sldId id="283" r:id="rId23"/>
   </p:sldIdLst>
   <p:sldSz cx="12192000" cy="6858000"/>
-  <p:notesSz cx="7104063" cy="10234613"/>
+  <p:notesSz cx="7103745" cy="10234295"/>
   <p:defaultTextStyle>
     <a:defPPr>
       <a:defRPr lang="en-US"/>
@@ -126,26 +126,12 @@
       </a:defRPr>
     </a:lvl9pPr>
   </p:defaultTextStyle>
-  <p:extLst>
-    <p:ext uri="{EFAFB233-063F-42B5-8137-9DF3F51BA10A}">
-      <p15:sldGuideLst xmlns:p15="http://schemas.microsoft.com/office/powerpoint/2012/main"/>
-    </p:ext>
-    <p:ext uri="{2D200454-40CA-4A62-9FC3-DE9A4176ACB9}">
-      <p15:notesGuideLst xmlns:p15="http://schemas.microsoft.com/office/powerpoint/2012/main"/>
-    </p:ext>
-  </p:extLst>
 </p:presentation>
 </file>
 
 <file path=ppt/commentAuthors.xml><?xml version="1.0" encoding="utf-8"?>
 <p:cmAuthorLst xmlns:a="http://schemas.openxmlformats.org/drawingml/2006/main" xmlns:r="http://schemas.openxmlformats.org/officeDocument/2006/relationships" xmlns:p="http://schemas.openxmlformats.org/presentationml/2006/main">
-  <p:cmAuthor id="1" name="Microsoft Office User" initials="Office" lastIdx="1" clrIdx="0">
-    <p:extLst>
-      <p:ext uri="{19B8F6BF-5375-455C-9EA6-DF929625EA0E}">
-        <p15:presenceInfo xmlns:p15="http://schemas.microsoft.com/office/powerpoint/2012/main" userId="" providerId=""/>
-      </p:ext>
-    </p:extLst>
-  </p:cmAuthor>
+  <p:cmAuthor id="1" name="Microsoft Office User" initials="Office" lastIdx="1" clrIdx="0"/>
 </p:cmAuthorLst>
 </file>
 
@@ -154,11 +140,6 @@
   <p:cm authorId="1" dt="2019-11-08T06:35:17.387" idx="1">
     <p:pos x="10" y="10"/>
     <p:text/>
-    <p:extLst>
-      <p:ext uri="{C676402C-5697-4E1C-873F-D02D1690AC5C}">
-        <p15:threadingInfo xmlns:p15="http://schemas.microsoft.com/office/powerpoint/2012/main" timeZoneBias="-480"/>
-      </p:ext>
-    </p:extLst>
   </p:cm>
 </p:cmLst>
 </file>
@@ -245,7 +226,6 @@
           <a:p>
             <a:fld id="{3EFD42F7-718C-4B98-AAEC-167E6DDD60A7}" type="datetimeFigureOut">
               <a:rPr lang="en-US" smtClean="0"/>
-              <a:t>11/8/19</a:t>
             </a:fld>
             <a:endParaRPr lang="en-US"/>
           </a:p>
@@ -312,6 +292,7 @@
               <a:rPr lang="en-US" smtClean="0"/>
               <a:t>Click to edit Master text styles</a:t>
             </a:r>
+            <a:endParaRPr lang="en-US" smtClean="0"/>
           </a:p>
           <a:p>
             <a:pPr lvl="1"/>
@@ -319,6 +300,7 @@
               <a:rPr lang="en-US" smtClean="0"/>
               <a:t>Second level</a:t>
             </a:r>
+            <a:endParaRPr lang="en-US" smtClean="0"/>
           </a:p>
           <a:p>
             <a:pPr lvl="2"/>
@@ -326,6 +308,7 @@
               <a:rPr lang="en-US" smtClean="0"/>
               <a:t>Third level</a:t>
             </a:r>
+            <a:endParaRPr lang="en-US" smtClean="0"/>
           </a:p>
           <a:p>
             <a:pPr lvl="3"/>
@@ -333,6 +316,7 @@
               <a:rPr lang="en-US" smtClean="0"/>
               <a:t>Fourth level</a:t>
             </a:r>
+            <a:endParaRPr lang="en-US" smtClean="0"/>
           </a:p>
           <a:p>
             <a:pPr lvl="4"/>
@@ -404,7 +388,6 @@
           <a:p>
             <a:fld id="{21B2AA4F-B828-4D7C-AFD3-893933DAFCB4}" type="slidenum">
               <a:rPr lang="en-US" smtClean="0"/>
-              <a:t>‹#›</a:t>
             </a:fld>
             <a:endParaRPr lang="en-US"/>
           </a:p>
@@ -617,7 +600,6 @@
               <a:rPr lang="en-US" altLang="zh-CN" dirty="0">
                 <a:ea typeface="SimSun" pitchFamily="2" charset="-122"/>
               </a:rPr>
-              <a:t>1</a:t>
             </a:fld>
             <a:endParaRPr lang="en-US" altLang="zh-CN" dirty="0">
               <a:ea typeface="SimSun" pitchFamily="2" charset="-122"/>
@@ -738,7 +720,6 @@
               <a:rPr lang="en-US" altLang="zh-CN" dirty="0">
                 <a:ea typeface="SimSun" pitchFamily="2" charset="-122"/>
               </a:rPr>
-              <a:t>12</a:t>
             </a:fld>
             <a:endParaRPr lang="en-US" altLang="zh-CN" dirty="0">
               <a:ea typeface="SimSun" pitchFamily="2" charset="-122"/>
@@ -859,7 +840,6 @@
               <a:rPr lang="en-US" altLang="zh-CN" dirty="0">
                 <a:ea typeface="SimSun" pitchFamily="2" charset="-122"/>
               </a:rPr>
-              <a:t>13</a:t>
             </a:fld>
             <a:endParaRPr lang="en-US" altLang="zh-CN" dirty="0">
               <a:ea typeface="SimSun" pitchFamily="2" charset="-122"/>
@@ -980,7 +960,6 @@
               <a:rPr lang="en-US" altLang="zh-CN" dirty="0">
                 <a:ea typeface="SimSun" pitchFamily="2" charset="-122"/>
               </a:rPr>
-              <a:t>14</a:t>
             </a:fld>
             <a:endParaRPr lang="en-US" altLang="zh-CN" dirty="0">
               <a:ea typeface="SimSun" pitchFamily="2" charset="-122"/>
@@ -1101,7 +1080,6 @@
               <a:rPr lang="en-US" altLang="zh-CN" dirty="0">
                 <a:ea typeface="SimSun" pitchFamily="2" charset="-122"/>
               </a:rPr>
-              <a:t>15</a:t>
             </a:fld>
             <a:endParaRPr lang="en-US" altLang="zh-CN" dirty="0">
               <a:ea typeface="SimSun" pitchFamily="2" charset="-122"/>
@@ -1222,7 +1200,6 @@
               <a:rPr lang="en-US" altLang="zh-CN" dirty="0">
                 <a:ea typeface="SimSun" pitchFamily="2" charset="-122"/>
               </a:rPr>
-              <a:t>16</a:t>
             </a:fld>
             <a:endParaRPr lang="en-US" altLang="zh-CN" dirty="0">
               <a:ea typeface="SimSun" pitchFamily="2" charset="-122"/>
@@ -1343,7 +1320,6 @@
               <a:rPr lang="en-US" altLang="zh-CN" dirty="0">
                 <a:ea typeface="SimSun" pitchFamily="2" charset="-122"/>
               </a:rPr>
-              <a:t>17</a:t>
             </a:fld>
             <a:endParaRPr lang="en-US" altLang="zh-CN" dirty="0">
               <a:ea typeface="SimSun" pitchFamily="2" charset="-122"/>
@@ -1464,7 +1440,6 @@
               <a:rPr lang="en-US" altLang="zh-CN" dirty="0">
                 <a:ea typeface="SimSun" pitchFamily="2" charset="-122"/>
               </a:rPr>
-              <a:t>18</a:t>
             </a:fld>
             <a:endParaRPr lang="en-US" altLang="zh-CN" dirty="0">
               <a:ea typeface="SimSun" pitchFamily="2" charset="-122"/>
@@ -1585,7 +1560,6 @@
               <a:rPr lang="en-US" altLang="zh-CN" dirty="0">
                 <a:ea typeface="SimSun" pitchFamily="2" charset="-122"/>
               </a:rPr>
-              <a:t>19</a:t>
             </a:fld>
             <a:endParaRPr lang="en-US" altLang="zh-CN" dirty="0">
               <a:ea typeface="SimSun" pitchFamily="2" charset="-122"/>
@@ -1706,7 +1680,6 @@
               <a:rPr lang="en-US" altLang="zh-CN" dirty="0">
                 <a:ea typeface="SimSun" pitchFamily="2" charset="-122"/>
               </a:rPr>
-              <a:t>20</a:t>
             </a:fld>
             <a:endParaRPr lang="en-US" altLang="zh-CN" dirty="0">
               <a:ea typeface="SimSun" pitchFamily="2" charset="-122"/>
@@ -1831,7 +1804,6 @@
               <a:rPr lang="en-US" altLang="zh-CN" dirty="0">
                 <a:ea typeface="SimSun" pitchFamily="2" charset="-122"/>
               </a:rPr>
-              <a:t>2</a:t>
             </a:fld>
             <a:endParaRPr lang="en-US" altLang="zh-CN" dirty="0">
               <a:ea typeface="SimSun" pitchFamily="2" charset="-122"/>
@@ -1960,7 +1932,6 @@
               <a:rPr lang="en-US" altLang="zh-CN" dirty="0">
                 <a:ea typeface="SimSun" pitchFamily="2" charset="-122"/>
               </a:rPr>
-              <a:t>3</a:t>
             </a:fld>
             <a:endParaRPr lang="en-US" altLang="zh-CN" dirty="0">
               <a:ea typeface="SimSun" pitchFamily="2" charset="-122"/>
@@ -2085,7 +2056,6 @@
               <a:rPr lang="en-US" altLang="zh-CN" dirty="0">
                 <a:ea typeface="SimSun" pitchFamily="2" charset="-122"/>
               </a:rPr>
-              <a:t>4</a:t>
             </a:fld>
             <a:endParaRPr lang="en-US" altLang="zh-CN" dirty="0">
               <a:ea typeface="SimSun" pitchFamily="2" charset="-122"/>
@@ -2094,11 +2064,6 @@
         </p:txBody>
       </p:sp>
     </p:spTree>
-    <p:extLst>
-      <p:ext uri="{BB962C8B-B14F-4D97-AF65-F5344CB8AC3E}">
-        <p14:creationId xmlns:p14="http://schemas.microsoft.com/office/powerpoint/2010/main" val="638393072"/>
-      </p:ext>
-    </p:extLst>
   </p:cSld>
   <p:clrMapOvr>
     <a:masterClrMapping/>
@@ -2215,7 +2180,6 @@
               <a:rPr lang="en-US" altLang="zh-CN" dirty="0">
                 <a:ea typeface="SimSun" pitchFamily="2" charset="-122"/>
               </a:rPr>
-              <a:t>5</a:t>
             </a:fld>
             <a:endParaRPr lang="en-US" altLang="zh-CN" dirty="0">
               <a:ea typeface="SimSun" pitchFamily="2" charset="-122"/>
@@ -2224,11 +2188,6 @@
         </p:txBody>
       </p:sp>
     </p:spTree>
-    <p:extLst>
-      <p:ext uri="{BB962C8B-B14F-4D97-AF65-F5344CB8AC3E}">
-        <p14:creationId xmlns:p14="http://schemas.microsoft.com/office/powerpoint/2010/main" val="966192748"/>
-      </p:ext>
-    </p:extLst>
   </p:cSld>
   <p:clrMapOvr>
     <a:masterClrMapping/>
@@ -2345,7 +2304,6 @@
               <a:rPr lang="en-US" altLang="zh-CN" dirty="0">
                 <a:ea typeface="SimSun" pitchFamily="2" charset="-122"/>
               </a:rPr>
-              <a:t>8</a:t>
             </a:fld>
             <a:endParaRPr lang="en-US" altLang="zh-CN" dirty="0">
               <a:ea typeface="SimSun" pitchFamily="2" charset="-122"/>
@@ -2466,7 +2424,6 @@
               <a:rPr lang="en-US" altLang="zh-CN" dirty="0">
                 <a:ea typeface="SimSun" pitchFamily="2" charset="-122"/>
               </a:rPr>
-              <a:t>9</a:t>
             </a:fld>
             <a:endParaRPr lang="en-US" altLang="zh-CN" dirty="0">
               <a:ea typeface="SimSun" pitchFamily="2" charset="-122"/>
@@ -2587,7 +2544,6 @@
               <a:rPr lang="en-US" altLang="zh-CN" dirty="0">
                 <a:ea typeface="SimSun" pitchFamily="2" charset="-122"/>
               </a:rPr>
-              <a:t>10</a:t>
             </a:fld>
             <a:endParaRPr lang="en-US" altLang="zh-CN" dirty="0">
               <a:ea typeface="SimSun" pitchFamily="2" charset="-122"/>
@@ -2708,7 +2664,6 @@
               <a:rPr lang="en-US" altLang="zh-CN" dirty="0">
                 <a:ea typeface="SimSun" pitchFamily="2" charset="-122"/>
               </a:rPr>
-              <a:t>11</a:t>
             </a:fld>
             <a:endParaRPr lang="en-US" altLang="zh-CN" dirty="0">
               <a:ea typeface="SimSun" pitchFamily="2" charset="-122"/>
@@ -2855,7 +2810,6 @@
           <a:p>
             <a:fld id="{FDE934FF-F4E1-47C5-9CA5-30A81DDE2BE4}" type="datetimeFigureOut">
               <a:rPr lang="en-US" smtClean="0"/>
-              <a:t>11/8/19</a:t>
             </a:fld>
             <a:endParaRPr lang="en-US"/>
           </a:p>
@@ -2897,7 +2851,6 @@
           <a:p>
             <a:fld id="{B3561BA9-CDCF-4958-B8AB-66F3BF063E13}" type="slidenum">
               <a:rPr lang="en-US" smtClean="0"/>
-              <a:t>‹#›</a:t>
             </a:fld>
             <a:endParaRPr lang="en-US"/>
           </a:p>
@@ -2953,6 +2906,7 @@
               <a:rPr lang="en-US" smtClean="0"/>
               <a:t>Click to edit Master text styles</a:t>
             </a:r>
+            <a:endParaRPr lang="en-US" smtClean="0"/>
           </a:p>
           <a:p>
             <a:pPr lvl="1"/>
@@ -2960,6 +2914,7 @@
               <a:rPr lang="en-US" smtClean="0"/>
               <a:t>Second level</a:t>
             </a:r>
+            <a:endParaRPr lang="en-US" smtClean="0"/>
           </a:p>
           <a:p>
             <a:pPr lvl="2"/>
@@ -2967,6 +2922,7 @@
               <a:rPr lang="en-US" smtClean="0"/>
               <a:t>Third level</a:t>
             </a:r>
+            <a:endParaRPr lang="en-US" smtClean="0"/>
           </a:p>
           <a:p>
             <a:pPr lvl="3"/>
@@ -2974,6 +2930,7 @@
               <a:rPr lang="en-US" smtClean="0"/>
               <a:t>Fourth level</a:t>
             </a:r>
+            <a:endParaRPr lang="en-US" smtClean="0"/>
           </a:p>
           <a:p>
             <a:pPr lvl="4"/>
@@ -3002,7 +2959,6 @@
           <a:p>
             <a:fld id="{FDE934FF-F4E1-47C5-9CA5-30A81DDE2BE4}" type="datetimeFigureOut">
               <a:rPr lang="en-US" smtClean="0"/>
-              <a:t>11/8/19</a:t>
             </a:fld>
             <a:endParaRPr lang="en-US"/>
           </a:p>
@@ -3044,7 +3000,6 @@
           <a:p>
             <a:fld id="{B3561BA9-CDCF-4958-B8AB-66F3BF063E13}" type="slidenum">
               <a:rPr lang="en-US" smtClean="0"/>
-              <a:t>‹#›</a:t>
             </a:fld>
             <a:endParaRPr lang="en-US"/>
           </a:p>
@@ -3118,6 +3073,7 @@
               <a:rPr lang="en-US" smtClean="0"/>
               <a:t>Click to edit Master text styles</a:t>
             </a:r>
+            <a:endParaRPr lang="en-US" smtClean="0"/>
           </a:p>
           <a:p>
             <a:pPr lvl="1"/>
@@ -3125,6 +3081,7 @@
               <a:rPr lang="en-US" smtClean="0"/>
               <a:t>Second level</a:t>
             </a:r>
+            <a:endParaRPr lang="en-US" smtClean="0"/>
           </a:p>
           <a:p>
             <a:pPr lvl="2"/>
@@ -3132,6 +3089,7 @@
               <a:rPr lang="en-US" smtClean="0"/>
               <a:t>Third level</a:t>
             </a:r>
+            <a:endParaRPr lang="en-US" smtClean="0"/>
           </a:p>
           <a:p>
             <a:pPr lvl="3"/>
@@ -3139,6 +3097,7 @@
               <a:rPr lang="en-US" smtClean="0"/>
               <a:t>Fourth level</a:t>
             </a:r>
+            <a:endParaRPr lang="en-US" smtClean="0"/>
           </a:p>
           <a:p>
             <a:pPr lvl="4"/>
@@ -3167,7 +3126,6 @@
           <a:p>
             <a:fld id="{FDE934FF-F4E1-47C5-9CA5-30A81DDE2BE4}" type="datetimeFigureOut">
               <a:rPr lang="en-US" smtClean="0"/>
-              <a:t>11/8/19</a:t>
             </a:fld>
             <a:endParaRPr lang="en-US"/>
           </a:p>
@@ -3209,7 +3167,6 @@
           <a:p>
             <a:fld id="{B3561BA9-CDCF-4958-B8AB-66F3BF063E13}" type="slidenum">
               <a:rPr lang="en-US" smtClean="0"/>
-              <a:t>‹#›</a:t>
             </a:fld>
             <a:endParaRPr lang="en-US"/>
           </a:p>
@@ -3388,6 +3345,7 @@
               <a:rPr lang="en-US" smtClean="0"/>
               <a:t>Click to edit Master text styles</a:t>
             </a:r>
+            <a:endParaRPr lang="en-US" smtClean="0"/>
           </a:p>
         </p:txBody>
       </p:sp>
@@ -3408,7 +3366,6 @@
           <a:p>
             <a:fld id="{FDE934FF-F4E1-47C5-9CA5-30A81DDE2BE4}" type="datetimeFigureOut">
               <a:rPr lang="en-US" smtClean="0"/>
-              <a:t>11/8/19</a:t>
             </a:fld>
             <a:endParaRPr lang="en-US"/>
           </a:p>
@@ -3450,7 +3407,6 @@
           <a:p>
             <a:fld id="{B3561BA9-CDCF-4958-B8AB-66F3BF063E13}" type="slidenum">
               <a:rPr lang="en-US" smtClean="0"/>
-              <a:t>‹#›</a:t>
             </a:fld>
             <a:endParaRPr lang="en-US"/>
           </a:p>
@@ -3529,6 +3485,7 @@
               <a:rPr lang="en-US" smtClean="0"/>
               <a:t>Click to edit Master text styles</a:t>
             </a:r>
+            <a:endParaRPr lang="en-US" smtClean="0"/>
           </a:p>
           <a:p>
             <a:pPr lvl="1"/>
@@ -3536,6 +3493,7 @@
               <a:rPr lang="en-US" smtClean="0"/>
               <a:t>Second level</a:t>
             </a:r>
+            <a:endParaRPr lang="en-US" smtClean="0"/>
           </a:p>
           <a:p>
             <a:pPr lvl="2"/>
@@ -3543,6 +3501,7 @@
               <a:rPr lang="en-US" smtClean="0"/>
               <a:t>Third level</a:t>
             </a:r>
+            <a:endParaRPr lang="en-US" smtClean="0"/>
           </a:p>
           <a:p>
             <a:pPr lvl="3"/>
@@ -3550,6 +3509,7 @@
               <a:rPr lang="en-US" smtClean="0"/>
               <a:t>Fourth level</a:t>
             </a:r>
+            <a:endParaRPr lang="en-US" smtClean="0"/>
           </a:p>
           <a:p>
             <a:pPr lvl="4"/>
@@ -3586,6 +3546,7 @@
               <a:rPr lang="en-US" smtClean="0"/>
               <a:t>Click to edit Master text styles</a:t>
             </a:r>
+            <a:endParaRPr lang="en-US" smtClean="0"/>
           </a:p>
           <a:p>
             <a:pPr lvl="1"/>
@@ -3593,6 +3554,7 @@
               <a:rPr lang="en-US" smtClean="0"/>
               <a:t>Second level</a:t>
             </a:r>
+            <a:endParaRPr lang="en-US" smtClean="0"/>
           </a:p>
           <a:p>
             <a:pPr lvl="2"/>
@@ -3600,6 +3562,7 @@
               <a:rPr lang="en-US" smtClean="0"/>
               <a:t>Third level</a:t>
             </a:r>
+            <a:endParaRPr lang="en-US" smtClean="0"/>
           </a:p>
           <a:p>
             <a:pPr lvl="3"/>
@@ -3607,6 +3570,7 @@
               <a:rPr lang="en-US" smtClean="0"/>
               <a:t>Fourth level</a:t>
             </a:r>
+            <a:endParaRPr lang="en-US" smtClean="0"/>
           </a:p>
           <a:p>
             <a:pPr lvl="4"/>
@@ -3635,7 +3599,6 @@
           <a:p>
             <a:fld id="{FDE934FF-F4E1-47C5-9CA5-30A81DDE2BE4}" type="datetimeFigureOut">
               <a:rPr lang="en-US" smtClean="0"/>
-              <a:t>11/8/19</a:t>
             </a:fld>
             <a:endParaRPr lang="en-US"/>
           </a:p>
@@ -3677,7 +3640,6 @@
           <a:p>
             <a:fld id="{B3561BA9-CDCF-4958-B8AB-66F3BF063E13}" type="slidenum">
               <a:rPr lang="en-US" smtClean="0"/>
-              <a:t>‹#›</a:t>
             </a:fld>
             <a:endParaRPr lang="en-US"/>
           </a:p>
@@ -3798,6 +3760,7 @@
               <a:rPr lang="en-US" smtClean="0"/>
               <a:t>Click to edit Master text styles</a:t>
             </a:r>
+            <a:endParaRPr lang="en-US" smtClean="0"/>
           </a:p>
         </p:txBody>
       </p:sp>
@@ -3826,6 +3789,7 @@
               <a:rPr lang="en-US" smtClean="0"/>
               <a:t>Click to edit Master text styles</a:t>
             </a:r>
+            <a:endParaRPr lang="en-US" smtClean="0"/>
           </a:p>
           <a:p>
             <a:pPr lvl="1"/>
@@ -3833,6 +3797,7 @@
               <a:rPr lang="en-US" smtClean="0"/>
               <a:t>Second level</a:t>
             </a:r>
+            <a:endParaRPr lang="en-US" smtClean="0"/>
           </a:p>
           <a:p>
             <a:pPr lvl="2"/>
@@ -3840,6 +3805,7 @@
               <a:rPr lang="en-US" smtClean="0"/>
               <a:t>Third level</a:t>
             </a:r>
+            <a:endParaRPr lang="en-US" smtClean="0"/>
           </a:p>
           <a:p>
             <a:pPr lvl="3"/>
@@ -3847,6 +3813,7 @@
               <a:rPr lang="en-US" smtClean="0"/>
               <a:t>Fourth level</a:t>
             </a:r>
+            <a:endParaRPr lang="en-US" smtClean="0"/>
           </a:p>
           <a:p>
             <a:pPr lvl="4"/>
@@ -3920,6 +3887,7 @@
               <a:rPr lang="en-US" smtClean="0"/>
               <a:t>Click to edit Master text styles</a:t>
             </a:r>
+            <a:endParaRPr lang="en-US" smtClean="0"/>
           </a:p>
         </p:txBody>
       </p:sp>
@@ -3948,6 +3916,7 @@
               <a:rPr lang="en-US" smtClean="0"/>
               <a:t>Click to edit Master text styles</a:t>
             </a:r>
+            <a:endParaRPr lang="en-US" smtClean="0"/>
           </a:p>
           <a:p>
             <a:pPr lvl="1"/>
@@ -3955,6 +3924,7 @@
               <a:rPr lang="en-US" smtClean="0"/>
               <a:t>Second level</a:t>
             </a:r>
+            <a:endParaRPr lang="en-US" smtClean="0"/>
           </a:p>
           <a:p>
             <a:pPr lvl="2"/>
@@ -3962,6 +3932,7 @@
               <a:rPr lang="en-US" smtClean="0"/>
               <a:t>Third level</a:t>
             </a:r>
+            <a:endParaRPr lang="en-US" smtClean="0"/>
           </a:p>
           <a:p>
             <a:pPr lvl="3"/>
@@ -3969,6 +3940,7 @@
               <a:rPr lang="en-US" smtClean="0"/>
               <a:t>Fourth level</a:t>
             </a:r>
+            <a:endParaRPr lang="en-US" smtClean="0"/>
           </a:p>
           <a:p>
             <a:pPr lvl="4"/>
@@ -3997,7 +3969,6 @@
           <a:p>
             <a:fld id="{FDE934FF-F4E1-47C5-9CA5-30A81DDE2BE4}" type="datetimeFigureOut">
               <a:rPr lang="en-US" smtClean="0"/>
-              <a:t>11/8/19</a:t>
             </a:fld>
             <a:endParaRPr lang="en-US"/>
           </a:p>
@@ -4039,7 +4010,6 @@
           <a:p>
             <a:fld id="{B3561BA9-CDCF-4958-B8AB-66F3BF063E13}" type="slidenum">
               <a:rPr lang="en-US" smtClean="0"/>
-              <a:t>‹#›</a:t>
             </a:fld>
             <a:endParaRPr lang="en-US"/>
           </a:p>
@@ -4110,7 +4080,6 @@
           <a:p>
             <a:fld id="{FDE934FF-F4E1-47C5-9CA5-30A81DDE2BE4}" type="datetimeFigureOut">
               <a:rPr lang="en-US" smtClean="0"/>
-              <a:t>11/8/19</a:t>
             </a:fld>
             <a:endParaRPr lang="en-US"/>
           </a:p>
@@ -4152,7 +4121,6 @@
           <a:p>
             <a:fld id="{B3561BA9-CDCF-4958-B8AB-66F3BF063E13}" type="slidenum">
               <a:rPr lang="en-US" smtClean="0"/>
-              <a:t>‹#›</a:t>
             </a:fld>
             <a:endParaRPr lang="en-US"/>
           </a:p>
@@ -4200,7 +4168,6 @@
           <a:p>
             <a:fld id="{FDE934FF-F4E1-47C5-9CA5-30A81DDE2BE4}" type="datetimeFigureOut">
               <a:rPr lang="en-US" smtClean="0"/>
-              <a:t>11/8/19</a:t>
             </a:fld>
             <a:endParaRPr lang="en-US"/>
           </a:p>
@@ -4242,7 +4209,6 @@
           <a:p>
             <a:fld id="{B3561BA9-CDCF-4958-B8AB-66F3BF063E13}" type="slidenum">
               <a:rPr lang="en-US" smtClean="0"/>
-              <a:t>‹#›</a:t>
             </a:fld>
             <a:endParaRPr lang="en-US"/>
           </a:p>
@@ -4428,6 +4394,7 @@
               <a:rPr lang="en-US" smtClean="0"/>
               <a:t>Click to edit Master text styles</a:t>
             </a:r>
+            <a:endParaRPr lang="en-US" smtClean="0"/>
           </a:p>
         </p:txBody>
       </p:sp>
@@ -4448,7 +4415,6 @@
           <a:p>
             <a:fld id="{FDE934FF-F4E1-47C5-9CA5-30A81DDE2BE4}" type="datetimeFigureOut">
               <a:rPr lang="en-US" smtClean="0"/>
-              <a:t>11/8/19</a:t>
             </a:fld>
             <a:endParaRPr lang="en-US"/>
           </a:p>
@@ -4490,7 +4456,6 @@
           <a:p>
             <a:fld id="{B3561BA9-CDCF-4958-B8AB-66F3BF063E13}" type="slidenum">
               <a:rPr lang="en-US" smtClean="0"/>
-              <a:t>‹#›</a:t>
             </a:fld>
             <a:endParaRPr lang="en-US"/>
           </a:p>
@@ -4581,6 +4546,7 @@
               <a:rPr lang="en-US" smtClean="0"/>
               <a:t>Click to edit Master text styles</a:t>
             </a:r>
+            <a:endParaRPr lang="en-US" smtClean="0"/>
           </a:p>
           <a:p>
             <a:pPr lvl="1"/>
@@ -4588,6 +4554,7 @@
               <a:rPr lang="en-US" smtClean="0"/>
               <a:t>Second level</a:t>
             </a:r>
+            <a:endParaRPr lang="en-US" smtClean="0"/>
           </a:p>
           <a:p>
             <a:pPr lvl="2"/>
@@ -4595,6 +4562,7 @@
               <a:rPr lang="en-US" smtClean="0"/>
               <a:t>Third level</a:t>
             </a:r>
+            <a:endParaRPr lang="en-US" smtClean="0"/>
           </a:p>
           <a:p>
             <a:pPr lvl="3"/>
@@ -4602,6 +4570,7 @@
               <a:rPr lang="en-US" smtClean="0"/>
               <a:t>Fourth level</a:t>
             </a:r>
+            <a:endParaRPr lang="en-US" smtClean="0"/>
           </a:p>
           <a:p>
             <a:pPr lvl="4"/>
@@ -4630,7 +4599,6 @@
           <a:p>
             <a:fld id="{FDE934FF-F4E1-47C5-9CA5-30A81DDE2BE4}" type="datetimeFigureOut">
               <a:rPr lang="en-US" smtClean="0"/>
-              <a:t>11/8/19</a:t>
             </a:fld>
             <a:endParaRPr lang="en-US"/>
           </a:p>
@@ -4672,7 +4640,6 @@
           <a:p>
             <a:fld id="{B3561BA9-CDCF-4958-B8AB-66F3BF063E13}" type="slidenum">
               <a:rPr lang="en-US" smtClean="0"/>
-              <a:t>‹#›</a:t>
             </a:fld>
             <a:endParaRPr lang="en-US"/>
           </a:p>
@@ -4771,6 +4738,7 @@
               <a:rPr lang="en-US" smtClean="0"/>
               <a:t>Click to edit Master text styles</a:t>
             </a:r>
+            <a:endParaRPr lang="en-US" smtClean="0"/>
           </a:p>
           <a:p>
             <a:pPr lvl="1"/>
@@ -4778,6 +4746,7 @@
               <a:rPr lang="en-US" smtClean="0"/>
               <a:t>Second level</a:t>
             </a:r>
+            <a:endParaRPr lang="en-US" smtClean="0"/>
           </a:p>
           <a:p>
             <a:pPr lvl="2"/>
@@ -4785,6 +4754,7 @@
               <a:rPr lang="en-US" smtClean="0"/>
               <a:t>Third level</a:t>
             </a:r>
+            <a:endParaRPr lang="en-US" smtClean="0"/>
           </a:p>
           <a:p>
             <a:pPr lvl="3"/>
@@ -4792,6 +4762,7 @@
               <a:rPr lang="en-US" smtClean="0"/>
               <a:t>Fourth level</a:t>
             </a:r>
+            <a:endParaRPr lang="en-US" smtClean="0"/>
           </a:p>
           <a:p>
             <a:pPr lvl="4"/>
@@ -4838,7 +4809,6 @@
           <a:p>
             <a:fld id="{FDE934FF-F4E1-47C5-9CA5-30A81DDE2BE4}" type="datetimeFigureOut">
               <a:rPr lang="en-US" smtClean="0"/>
-              <a:t>11/8/19</a:t>
             </a:fld>
             <a:endParaRPr lang="en-US"/>
           </a:p>
@@ -4916,7 +4886,6 @@
           <a:p>
             <a:fld id="{B3561BA9-CDCF-4958-B8AB-66F3BF063E13}" type="slidenum">
               <a:rPr lang="en-US" smtClean="0"/>
-              <a:t>‹#›</a:t>
             </a:fld>
             <a:endParaRPr lang="en-US"/>
           </a:p>
@@ -5246,7 +5215,7 @@
           <p:nvPr/>
         </p:nvPicPr>
         <p:blipFill>
-          <a:blip r:embed="rId3"/>
+          <a:blip r:embed="rId1"/>
           <a:stretch>
             <a:fillRect/>
           </a:stretch>
@@ -5760,8 +5729,8 @@
         </p:nvSpPr>
         <p:spPr>
           <a:xfrm>
-            <a:off x="537882" y="1833561"/>
-            <a:ext cx="10192871" cy="1117601"/>
+            <a:off x="537845" y="1833245"/>
+            <a:ext cx="11208385" cy="1117600"/>
           </a:xfrm>
         </p:spPr>
         <p:txBody>
@@ -5836,8 +5805,8 @@
         </p:nvSpPr>
         <p:spPr>
           <a:xfrm>
-            <a:off x="4963123" y="5087470"/>
-            <a:ext cx="1625936" cy="461665"/>
+            <a:off x="4963160" y="5087620"/>
+            <a:ext cx="2120900" cy="460375"/>
           </a:xfrm>
           <a:prstGeom prst="rect">
             <a:avLst/>
@@ -5892,7 +5861,7 @@
           <p:nvPr/>
         </p:nvPicPr>
         <p:blipFill>
-          <a:blip r:embed="rId3"/>
+          <a:blip r:embed="rId1"/>
           <a:stretch>
             <a:fillRect/>
           </a:stretch>
@@ -6437,7 +6406,7 @@
           <p:nvPr/>
         </p:nvPicPr>
         <p:blipFill>
-          <a:blip r:embed="rId4"/>
+          <a:blip r:embed="rId2"/>
           <a:stretch>
             <a:fillRect/>
           </a:stretch>
@@ -6490,7 +6459,7 @@
           <p:nvPr/>
         </p:nvPicPr>
         <p:blipFill>
-          <a:blip r:embed="rId3"/>
+          <a:blip r:embed="rId1"/>
           <a:stretch>
             <a:fillRect/>
           </a:stretch>
@@ -7379,7 +7348,7 @@
           <p:nvPr/>
         </p:nvPicPr>
         <p:blipFill>
-          <a:blip r:embed="rId3"/>
+          <a:blip r:embed="rId1"/>
           <a:stretch>
             <a:fillRect/>
           </a:stretch>
@@ -7926,7 +7895,7 @@
           </p:nvPr>
         </p:nvPicPr>
         <p:blipFill>
-          <a:blip r:embed="rId4"/>
+          <a:blip r:embed="rId2"/>
           <a:stretch>
             <a:fillRect/>
           </a:stretch>
@@ -7975,7 +7944,7 @@
           <p:nvPr/>
         </p:nvPicPr>
         <p:blipFill>
-          <a:blip r:embed="rId3"/>
+          <a:blip r:embed="rId1"/>
           <a:stretch>
             <a:fillRect/>
           </a:stretch>
@@ -8585,6 +8554,20 @@
               </a:rPr>
               <a:t>Sender</a:t>
             </a:r>
+            <a:endParaRPr kumimoji="0" lang="en-US" altLang="zh-CN" sz="2400" b="0" i="1" u="none" strike="noStrike" kern="1200" cap="none" spc="0" normalizeH="0" baseline="0" noProof="0" dirty="0">
+              <a:ln>
+                <a:noFill/>
+              </a:ln>
+              <a:solidFill>
+                <a:schemeClr val="tx1"/>
+              </a:solidFill>
+              <a:effectLst/>
+              <a:uLnTx/>
+              <a:uFillTx/>
+              <a:latin typeface="+mn-lt"/>
+              <a:ea typeface="+mn-ea"/>
+              <a:cs typeface="+mn-cs"/>
+            </a:endParaRPr>
           </a:p>
           <a:p>
             <a:pPr marL="0" marR="0" lvl="0" indent="0" algn="ctr" defTabSz="914400" rtl="0" eaLnBrk="1" fontAlgn="base" latinLnBrk="0" hangingPunct="1">
@@ -8854,6 +8837,20 @@
               </a:rPr>
               <a:t>Receiver</a:t>
             </a:r>
+            <a:endParaRPr kumimoji="0" lang="en-US" altLang="zh-CN" sz="2400" b="0" i="1" u="none" strike="noStrike" kern="1200" cap="none" spc="0" normalizeH="0" baseline="0" noProof="0" dirty="0">
+              <a:ln>
+                <a:noFill/>
+              </a:ln>
+              <a:solidFill>
+                <a:schemeClr val="tx1"/>
+              </a:solidFill>
+              <a:effectLst/>
+              <a:uLnTx/>
+              <a:uFillTx/>
+              <a:latin typeface="+mn-lt"/>
+              <a:ea typeface="+mn-ea"/>
+              <a:cs typeface="+mn-cs"/>
+            </a:endParaRPr>
           </a:p>
           <a:p>
             <a:pPr marL="0" marR="0" lvl="0" indent="0" algn="ctr" defTabSz="914400" rtl="0" eaLnBrk="1" fontAlgn="base" latinLnBrk="0" hangingPunct="1">
@@ -8889,6 +8886,20 @@
               </a:rPr>
               <a:t>Private key: (a, b)</a:t>
             </a:r>
+            <a:endParaRPr kumimoji="0" lang="en-US" altLang="zh-CN" sz="2400" b="0" i="1" u="none" strike="noStrike" kern="1200" cap="none" spc="0" normalizeH="0" baseline="0" noProof="0" dirty="0">
+              <a:ln>
+                <a:noFill/>
+              </a:ln>
+              <a:solidFill>
+                <a:srgbClr val="FF0000"/>
+              </a:solidFill>
+              <a:effectLst/>
+              <a:uLnTx/>
+              <a:uFillTx/>
+              <a:latin typeface="+mn-lt"/>
+              <a:ea typeface="+mn-ea"/>
+              <a:cs typeface="+mn-cs"/>
+            </a:endParaRPr>
           </a:p>
           <a:p>
             <a:pPr marL="0" marR="0" lvl="0" indent="0" algn="ctr" defTabSz="914400" rtl="0" eaLnBrk="1" fontAlgn="base" latinLnBrk="0" hangingPunct="1">
@@ -8924,6 +8935,20 @@
               </a:rPr>
               <a:t>Public key :  (A, B)</a:t>
             </a:r>
+            <a:endParaRPr kumimoji="0" lang="en-US" altLang="zh-CN" sz="2400" b="0" i="1" u="none" strike="noStrike" kern="1200" cap="none" spc="0" normalizeH="0" baseline="0" noProof="0" dirty="0">
+              <a:ln>
+                <a:noFill/>
+              </a:ln>
+              <a:solidFill>
+                <a:srgbClr val="FF0000"/>
+              </a:solidFill>
+              <a:effectLst/>
+              <a:uLnTx/>
+              <a:uFillTx/>
+              <a:latin typeface="+mn-lt"/>
+              <a:ea typeface="+mn-ea"/>
+              <a:cs typeface="+mn-cs"/>
+            </a:endParaRPr>
           </a:p>
           <a:p>
             <a:pPr marL="0" marR="0" lvl="0" indent="0" algn="ctr" defTabSz="914400" rtl="0" eaLnBrk="1" fontAlgn="base" latinLnBrk="0" hangingPunct="1">
@@ -9401,6 +9426,20 @@
               </a:rPr>
               <a:t> r</a:t>
             </a:r>
+            <a:endParaRPr kumimoji="0" lang="en-US" altLang="zh-CN" sz="2400" b="0" i="0" u="none" strike="noStrike" kern="1200" cap="none" spc="0" normalizeH="0" baseline="0" noProof="0" dirty="0">
+              <a:ln>
+                <a:noFill/>
+              </a:ln>
+              <a:solidFill>
+                <a:schemeClr val="tx1"/>
+              </a:solidFill>
+              <a:effectLst/>
+              <a:uLnTx/>
+              <a:uFillTx/>
+              <a:latin typeface="+mn-lt"/>
+              <a:ea typeface="+mn-ea"/>
+              <a:cs typeface="+mn-cs"/>
+            </a:endParaRPr>
           </a:p>
           <a:p>
             <a:pPr marL="0" marR="0" lvl="0" indent="0" algn="ctr" defTabSz="914400" rtl="0" eaLnBrk="1" fontAlgn="base" latinLnBrk="0" hangingPunct="1">
@@ -9453,6 +9492,20 @@
               </a:rPr>
               <a:t> R</a:t>
             </a:r>
+            <a:endParaRPr kumimoji="0" lang="en-US" altLang="zh-CN" sz="2400" b="0" i="0" u="none" strike="noStrike" kern="1200" cap="none" spc="0" normalizeH="0" baseline="0" noProof="0" dirty="0">
+              <a:ln>
+                <a:noFill/>
+              </a:ln>
+              <a:solidFill>
+                <a:schemeClr val="tx1"/>
+              </a:solidFill>
+              <a:effectLst/>
+              <a:uLnTx/>
+              <a:uFillTx/>
+              <a:latin typeface="+mn-lt"/>
+              <a:ea typeface="+mn-ea"/>
+              <a:cs typeface="+mn-cs"/>
+            </a:endParaRPr>
           </a:p>
           <a:p>
             <a:pPr marL="0" marR="0" lvl="0" indent="0" algn="ctr" defTabSz="914400" rtl="0" eaLnBrk="1" fontAlgn="base" latinLnBrk="0" hangingPunct="1">
@@ -9887,6 +9940,20 @@
               </a:rPr>
               <a:t>(P = P’) ?</a:t>
             </a:r>
+            <a:endParaRPr kumimoji="0" lang="en-US" altLang="zh-CN" sz="2400" b="0" i="0" u="none" strike="noStrike" kern="1200" cap="none" spc="0" normalizeH="0" baseline="0" noProof="0" dirty="0">
+              <a:ln>
+                <a:noFill/>
+              </a:ln>
+              <a:solidFill>
+                <a:schemeClr val="tx1"/>
+              </a:solidFill>
+              <a:effectLst/>
+              <a:uLnTx/>
+              <a:uFillTx/>
+              <a:latin typeface="+mn-lt"/>
+              <a:ea typeface="+mn-ea"/>
+              <a:cs typeface="+mn-cs"/>
+            </a:endParaRPr>
           </a:p>
           <a:p>
             <a:pPr marL="0" marR="0" lvl="0" indent="0" algn="ctr" defTabSz="914400" rtl="0" eaLnBrk="1" fontAlgn="base" latinLnBrk="0" hangingPunct="1">
@@ -10253,7 +10320,7 @@
           <p:nvPr/>
         </p:nvPicPr>
         <p:blipFill>
-          <a:blip r:embed="rId3"/>
+          <a:blip r:embed="rId1"/>
           <a:stretch>
             <a:fillRect/>
           </a:stretch>
@@ -10798,7 +10865,7 @@
           <p:nvPr/>
         </p:nvPicPr>
         <p:blipFill>
-          <a:blip r:embed="rId4"/>
+          <a:blip r:embed="rId2"/>
           <a:stretch>
             <a:fillRect/>
           </a:stretch>
@@ -11191,7 +11258,7 @@
           <p:nvPr/>
         </p:nvPicPr>
         <p:blipFill>
-          <a:blip r:embed="rId3"/>
+          <a:blip r:embed="rId1"/>
           <a:stretch>
             <a:fillRect/>
           </a:stretch>
@@ -12296,13 +12363,6 @@
                 <a:ea typeface="SimSun" pitchFamily="2" charset="-122"/>
               </a:rPr>
               <a:t>and outputs “true” or “false”.</a:t>
-            </a:r>
-            <a:r>
-              <a:rPr lang="en-US" altLang="zh-CN" dirty="0">
-                <a:latin typeface="Arial" panose="020B0604020202090204" pitchFamily="34" charset="0"/>
-                <a:ea typeface="SimSun" pitchFamily="2" charset="-122"/>
-              </a:rPr>
-              <a:t/>
             </a:r>
             <a:br>
               <a:rPr lang="en-US" altLang="zh-CN" dirty="0">
@@ -12414,7 +12474,7 @@
           <p:nvPr/>
         </p:nvPicPr>
         <p:blipFill>
-          <a:blip r:embed="rId3"/>
+          <a:blip r:embed="rId1"/>
           <a:stretch>
             <a:fillRect/>
           </a:stretch>
@@ -12519,6 +12579,20 @@
               </a:rPr>
               <a:t> - GEN</a:t>
             </a:r>
+            <a:endParaRPr kumimoji="0" lang="en-US" altLang="zh-CN" sz="3735" b="0" i="0" u="none" strike="noStrike" kern="1200" cap="none" spc="0" normalizeH="0" baseline="0" noProof="0" dirty="0">
+              <a:ln>
+                <a:noFill/>
+              </a:ln>
+              <a:solidFill>
+                <a:schemeClr val="lt1"/>
+              </a:solidFill>
+              <a:effectLst/>
+              <a:uLnTx/>
+              <a:uFillTx/>
+              <a:latin typeface="+mn-lt"/>
+              <a:ea typeface="+mn-ea"/>
+              <a:cs typeface="+mn-cs"/>
+            </a:endParaRPr>
           </a:p>
         </p:txBody>
       </p:sp>
@@ -12953,7 +13027,7 @@
             <a:avLst/>
           </a:prstGeom>
           <a:blipFill rotWithShape="1">
-            <a:blip r:embed="rId4"/>
+            <a:blip r:embed="rId2"/>
             <a:stretch>
               <a:fillRect l="-590" b="-1736"/>
             </a:stretch>
@@ -12979,6 +13053,12 @@
               </a:rPr>
               <a:t> </a:t>
             </a:r>
+            <a:endParaRPr kumimoji="0" lang="zh-CN" altLang="en-US" sz="2400" kern="1200" cap="none" spc="0" normalizeH="0" baseline="0" noProof="0">
+              <a:noFill/>
+              <a:latin typeface="Arial" panose="020B0604020202090204" pitchFamily="34" charset="0"/>
+              <a:ea typeface="SimSun" pitchFamily="2" charset="-122"/>
+              <a:cs typeface="+mn-cs"/>
+            </a:endParaRPr>
           </a:p>
         </p:txBody>
       </p:sp>
@@ -13016,7 +13096,7 @@
           <p:nvPr/>
         </p:nvPicPr>
         <p:blipFill>
-          <a:blip r:embed="rId3"/>
+          <a:blip r:embed="rId1"/>
           <a:stretch>
             <a:fillRect/>
           </a:stretch>
@@ -13121,6 +13201,20 @@
               </a:rPr>
               <a:t> - SIG</a:t>
             </a:r>
+            <a:endParaRPr kumimoji="0" lang="en-US" altLang="zh-CN" sz="3735" b="0" i="0" u="none" strike="noStrike" kern="1200" cap="none" spc="0" normalizeH="0" baseline="0" noProof="0" dirty="0">
+              <a:ln>
+                <a:noFill/>
+              </a:ln>
+              <a:solidFill>
+                <a:schemeClr val="lt1"/>
+              </a:solidFill>
+              <a:effectLst/>
+              <a:uLnTx/>
+              <a:uFillTx/>
+              <a:latin typeface="+mn-lt"/>
+              <a:ea typeface="+mn-ea"/>
+              <a:cs typeface="+mn-cs"/>
+            </a:endParaRPr>
           </a:p>
         </p:txBody>
       </p:sp>
@@ -13555,7 +13649,7 @@
             <a:avLst/>
           </a:prstGeom>
           <a:blipFill rotWithShape="1">
-            <a:blip r:embed="rId4"/>
+            <a:blip r:embed="rId2"/>
             <a:stretch>
               <a:fillRect l="-690"/>
             </a:stretch>
@@ -13581,6 +13675,12 @@
               </a:rPr>
               <a:t> </a:t>
             </a:r>
+            <a:endParaRPr kumimoji="0" lang="zh-CN" altLang="en-US" sz="2400" kern="1200" cap="none" spc="0" normalizeH="0" baseline="0" noProof="0">
+              <a:noFill/>
+              <a:latin typeface="Arial" panose="020B0604020202090204" pitchFamily="34" charset="0"/>
+              <a:ea typeface="SimSun" pitchFamily="2" charset="-122"/>
+              <a:cs typeface="+mn-cs"/>
+            </a:endParaRPr>
           </a:p>
         </p:txBody>
       </p:sp>
@@ -13618,7 +13718,7 @@
           <p:nvPr/>
         </p:nvPicPr>
         <p:blipFill>
-          <a:blip r:embed="rId3"/>
+          <a:blip r:embed="rId1"/>
           <a:stretch>
             <a:fillRect/>
           </a:stretch>
@@ -13723,6 +13823,20 @@
               </a:rPr>
               <a:t> - SIG</a:t>
             </a:r>
+            <a:endParaRPr kumimoji="0" lang="en-US" altLang="zh-CN" sz="3735" b="0" i="0" u="none" strike="noStrike" kern="1200" cap="none" spc="0" normalizeH="0" baseline="0" noProof="0" dirty="0">
+              <a:ln>
+                <a:noFill/>
+              </a:ln>
+              <a:solidFill>
+                <a:schemeClr val="lt1"/>
+              </a:solidFill>
+              <a:effectLst/>
+              <a:uLnTx/>
+              <a:uFillTx/>
+              <a:latin typeface="+mn-lt"/>
+              <a:ea typeface="+mn-ea"/>
+              <a:cs typeface="+mn-cs"/>
+            </a:endParaRPr>
           </a:p>
         </p:txBody>
       </p:sp>
@@ -14157,7 +14271,7 @@
             <a:avLst/>
           </a:prstGeom>
           <a:blipFill rotWithShape="1">
-            <a:blip r:embed="rId4"/>
+            <a:blip r:embed="rId2"/>
             <a:stretch>
               <a:fillRect l="-552" b="-39711"/>
             </a:stretch>
@@ -14183,6 +14297,12 @@
               </a:rPr>
               <a:t> </a:t>
             </a:r>
+            <a:endParaRPr kumimoji="0" lang="zh-CN" altLang="en-US" sz="2400" kern="1200" cap="none" spc="0" normalizeH="0" baseline="0" noProof="0">
+              <a:noFill/>
+              <a:latin typeface="Arial" panose="020B0604020202090204" pitchFamily="34" charset="0"/>
+              <a:ea typeface="SimSun" pitchFamily="2" charset="-122"/>
+              <a:cs typeface="+mn-cs"/>
+            </a:endParaRPr>
           </a:p>
         </p:txBody>
       </p:sp>
@@ -14220,7 +14340,7 @@
           <p:nvPr/>
         </p:nvPicPr>
         <p:blipFill>
-          <a:blip r:embed="rId3"/>
+          <a:blip r:embed="rId1"/>
           <a:stretch>
             <a:fillRect/>
           </a:stretch>
@@ -14325,6 +14445,20 @@
               </a:rPr>
               <a:t> - LNK</a:t>
             </a:r>
+            <a:endParaRPr kumimoji="0" lang="en-US" altLang="zh-CN" sz="3735" b="0" i="0" u="none" strike="noStrike" kern="1200" cap="none" spc="0" normalizeH="0" baseline="0" noProof="0" dirty="0">
+              <a:ln>
+                <a:noFill/>
+              </a:ln>
+              <a:solidFill>
+                <a:schemeClr val="lt1"/>
+              </a:solidFill>
+              <a:effectLst/>
+              <a:uLnTx/>
+              <a:uFillTx/>
+              <a:latin typeface="+mn-lt"/>
+              <a:ea typeface="+mn-ea"/>
+              <a:cs typeface="+mn-cs"/>
+            </a:endParaRPr>
           </a:p>
         </p:txBody>
       </p:sp>
@@ -14782,6 +14916,11 @@
               </a:rPr>
               <a:t>LNK:</a:t>
             </a:r>
+            <a:endParaRPr kumimoji="0" lang="en-US" altLang="zh-CN" sz="2400" b="1" kern="1200" cap="none" spc="0" normalizeH="0" baseline="0" noProof="0" dirty="0">
+              <a:latin typeface="Arial" panose="020B0604020202090204" pitchFamily="34" charset="0"/>
+              <a:ea typeface="SimSun" pitchFamily="2" charset="-122"/>
+              <a:cs typeface="+mn-cs"/>
+            </a:endParaRPr>
           </a:p>
           <a:p>
             <a:pPr marL="342900" marR="0" indent="-342900" defTabSz="914400">
@@ -14847,6 +14986,11 @@
               </a:rPr>
               <a:t>). Multiple uses imply that two signatures were produced under the same secret key.</a:t>
             </a:r>
+            <a:endParaRPr kumimoji="0" lang="en-US" altLang="zh-CN" sz="2400" kern="1200" cap="none" spc="0" normalizeH="0" baseline="0" noProof="0" dirty="0">
+              <a:latin typeface="Arial" panose="020B0604020202090204" pitchFamily="34" charset="0"/>
+              <a:ea typeface="SimSun" pitchFamily="2" charset="-122"/>
+              <a:cs typeface="+mn-cs"/>
+            </a:endParaRPr>
           </a:p>
         </p:txBody>
       </p:sp>
@@ -14859,7 +15003,7 @@
           <p:nvPr/>
         </p:nvPicPr>
         <p:blipFill>
-          <a:blip r:embed="rId4"/>
+          <a:blip r:embed="rId2"/>
           <a:stretch>
             <a:fillRect/>
           </a:stretch>
@@ -14912,7 +15056,7 @@
           <p:nvPr/>
         </p:nvPicPr>
         <p:blipFill>
-          <a:blip r:embed="rId3"/>
+          <a:blip r:embed="rId1"/>
           <a:stretch>
             <a:fillRect/>
           </a:stretch>
@@ -15709,7 +15853,7 @@
           <p:nvPr/>
         </p:nvPicPr>
         <p:blipFill>
-          <a:blip r:embed="rId3"/>
+          <a:blip r:embed="rId1"/>
           <a:stretch>
             <a:fillRect/>
           </a:stretch>
@@ -15797,6 +15941,20 @@
               </a:rPr>
               <a:t>Monero Crypto</a:t>
             </a:r>
+            <a:endParaRPr kumimoji="0" lang="en-US" altLang="zh-CN" sz="3735" b="0" i="0" u="none" strike="noStrike" kern="1200" cap="none" spc="0" normalizeH="0" baseline="0" noProof="0" dirty="0">
+              <a:ln>
+                <a:noFill/>
+              </a:ln>
+              <a:solidFill>
+                <a:schemeClr val="lt1"/>
+              </a:solidFill>
+              <a:effectLst/>
+              <a:uLnTx/>
+              <a:uFillTx/>
+              <a:latin typeface="+mn-lt"/>
+              <a:ea typeface="+mn-ea"/>
+              <a:cs typeface="+mn-cs"/>
+            </a:endParaRPr>
           </a:p>
         </p:txBody>
       </p:sp>
@@ -16247,7 +16405,7 @@
           <p:nvPr/>
         </p:nvPicPr>
         <p:blipFill>
-          <a:blip r:embed="rId3"/>
+          <a:blip r:embed="rId1"/>
           <a:stretch>
             <a:fillRect/>
           </a:stretch>
@@ -16831,6 +16989,9 @@
               </a:rPr>
               <a:t> Sign</a:t>
             </a:r>
+            <a:endParaRPr lang="en-US" i="1">
+              <a:sym typeface="+mn-ea"/>
+            </a:endParaRPr>
           </a:p>
           <a:p>
             <a:pPr lvl="0" algn="l" eaLnBrk="1" hangingPunct="1">
@@ -16850,6 +17011,10 @@
               </a:rPr>
               <a:t>Verify</a:t>
             </a:r>
+            <a:endParaRPr lang="en-US" altLang="zh-CN" dirty="0">
+              <a:latin typeface="Arial" panose="020B0604020202090204" pitchFamily="34" charset="0"/>
+              <a:ea typeface="SimSun" pitchFamily="2" charset="-122"/>
+            </a:endParaRPr>
           </a:p>
           <a:p>
             <a:pPr lvl="0" algn="l" eaLnBrk="1" hangingPunct="1">
@@ -16869,6 +17034,10 @@
               </a:rPr>
               <a:t>M</a:t>
             </a:r>
+            <a:endParaRPr lang="en-US" altLang="zh-CN" i="1" dirty="0">
+              <a:latin typeface="Arial" panose="020B0604020202090204" pitchFamily="34" charset="0"/>
+              <a:ea typeface="SimSun" pitchFamily="2" charset="-122"/>
+            </a:endParaRPr>
           </a:p>
         </p:txBody>
       </p:sp>
@@ -16906,7 +17075,7 @@
           <p:nvPr/>
         </p:nvPicPr>
         <p:blipFill>
-          <a:blip r:embed="rId3"/>
+          <a:blip r:embed="rId1"/>
           <a:stretch>
             <a:fillRect/>
           </a:stretch>
@@ -17750,7 +17919,7 @@
               <a:t> </a:t>
             </a:r>
             <a:r>
-              <a:rPr lang="mr-IN" altLang="zh-CN" sz="1400" dirty="0" smtClean="0"/>
+              <a:rPr lang="en-US" altLang="zh-CN" sz="1400" dirty="0" smtClean="0"/>
               <a:t>–</a:t>
             </a:r>
             <a:r>
@@ -18010,7 +18179,7 @@
               <a:t> </a:t>
             </a:r>
             <a:r>
-              <a:rPr lang="mr-IN" altLang="zh-CN" sz="1400" dirty="0" smtClean="0"/>
+              <a:rPr lang="en-US" altLang="zh-CN" sz="1400" dirty="0" smtClean="0"/>
               <a:t>–</a:t>
             </a:r>
             <a:r>
@@ -18056,7 +18225,7 @@
               <a:t> </a:t>
             </a:r>
             <a:r>
-              <a:rPr lang="mr-IN" altLang="zh-CN" sz="1400" dirty="0" smtClean="0"/>
+              <a:rPr lang="en-US" altLang="zh-CN" sz="1400" dirty="0" smtClean="0"/>
               <a:t>–</a:t>
             </a:r>
             <a:r>
@@ -18105,7 +18274,7 @@
           <p:nvPr/>
         </p:nvPicPr>
         <p:blipFill>
-          <a:blip r:embed="rId3"/>
+          <a:blip r:embed="rId1"/>
           <a:stretch>
             <a:fillRect/>
           </a:stretch>
@@ -18603,8 +18772,8 @@
         </p:nvSpPr>
         <p:spPr>
           <a:xfrm>
-            <a:off x="613833" y="1142698"/>
-            <a:ext cx="4191871" cy="5509200"/>
+            <a:off x="614045" y="1143000"/>
+            <a:ext cx="5027295" cy="5015865"/>
           </a:xfrm>
           <a:prstGeom prst="rect">
             <a:avLst/>
@@ -18757,6 +18926,9 @@
               </a:rPr>
               <a:t> </a:t>
             </a:r>
+            <a:endParaRPr lang="en-US" sz="1600" i="1" dirty="0" smtClean="0">
+              <a:sym typeface="+mn-ea"/>
+            </a:endParaRPr>
           </a:p>
           <a:p>
             <a:pPr lvl="0" algn="l" eaLnBrk="1" hangingPunct="1">
@@ -18770,10 +18942,40 @@
               <a:buChar char="•"/>
             </a:pPr>
             <a:r>
+              <a:rPr lang="zh-CN" altLang="en-US" sz="1600" i="1" dirty="0">
+                <a:sym typeface="+mn-ea"/>
+              </a:rPr>
+              <a:t>由</a:t>
+            </a:r>
+            <a:r>
+              <a:rPr lang="zh-CN" altLang="en-US" sz="1600" i="1" dirty="0">
+                <a:sym typeface="+mn-ea"/>
+              </a:rPr>
+              <a:t>全球各地的组织</a:t>
+            </a:r>
+            <a:r>
+              <a:rPr lang="en-US" altLang="zh-CN" sz="1600" i="1" dirty="0">
+                <a:sym typeface="+mn-ea"/>
+              </a:rPr>
+              <a:t>&amp;</a:t>
+            </a:r>
+            <a:r>
+              <a:rPr lang="zh-CN" altLang="en-US" sz="1600" i="1" dirty="0">
+                <a:sym typeface="+mn-ea"/>
+              </a:rPr>
+              <a:t>个人维护</a:t>
+            </a:r>
+            <a:r>
+              <a:rPr lang="zh-CN" altLang="en-US" sz="1600" i="1" dirty="0">
+                <a:sym typeface="+mn-ea"/>
+              </a:rPr>
+              <a:t>的</a:t>
+            </a:r>
+            <a:r>
               <a:rPr lang="zh-CN" altLang="en-US" sz="1600" i="1" dirty="0" smtClean="0">
                 <a:sym typeface="+mn-ea"/>
               </a:rPr>
-              <a:t>节点</a:t>
+              <a:t>节点组成</a:t>
             </a:r>
             <a:endParaRPr lang="en-US" altLang="zh-CN" sz="1600" i="1" dirty="0">
               <a:sym typeface="+mn-ea"/>
@@ -18794,9 +18996,9 @@
               <a:rPr lang="zh-CN" altLang="en-US" sz="1600" i="1" dirty="0" smtClean="0">
                 <a:sym typeface="+mn-ea"/>
               </a:rPr>
-              <a:t>有完全一样状态</a:t>
-            </a:r>
-            <a:endParaRPr lang="en-US" altLang="zh-CN" sz="1600" i="1" dirty="0" smtClean="0">
+              <a:t>有完全一样状态，运行一样的代码</a:t>
+            </a:r>
+            <a:endParaRPr lang="zh-CN" altLang="en-US" sz="1600" i="1" dirty="0">
               <a:sym typeface="+mn-ea"/>
             </a:endParaRPr>
           </a:p>
@@ -18853,6 +19055,9 @@
               </a:rPr>
               <a:t>)</a:t>
             </a:r>
+            <a:endParaRPr lang="en-US" altLang="zh-CN" sz="1600" i="1" dirty="0" smtClean="0">
+              <a:sym typeface="+mn-ea"/>
+            </a:endParaRPr>
           </a:p>
           <a:p>
             <a:pPr lvl="1" eaLnBrk="1" hangingPunct="1">
@@ -18916,6 +19121,9 @@
               </a:rPr>
               <a:t>transactions(block)</a:t>
             </a:r>
+            <a:endParaRPr lang="en-US" altLang="zh-CN" sz="1600" i="1" dirty="0" smtClean="0">
+              <a:sym typeface="+mn-ea"/>
+            </a:endParaRPr>
           </a:p>
           <a:p>
             <a:pPr lvl="1" eaLnBrk="1" hangingPunct="1">
@@ -19001,13 +19209,1756 @@
               <a:rPr lang="zh-CN" altLang="en-US" sz="1600" i="1" dirty="0" smtClean="0">
                 <a:sym typeface="+mn-ea"/>
               </a:rPr>
-              <a:t>保障数据的</a:t>
+              <a:t>保障数据的一致性</a:t>
+            </a:r>
+            <a:endParaRPr lang="en-US" altLang="en-US" sz="1600" i="1" dirty="0">
+              <a:latin typeface="Arial" panose="020B0604020202090204" pitchFamily="34" charset="0"/>
+              <a:ea typeface="SimSun" pitchFamily="2" charset="-122"/>
+              <a:sym typeface="+mn-ea"/>
+            </a:endParaRPr>
+          </a:p>
+        </p:txBody>
+      </p:sp>
+      <p:cxnSp>
+        <p:nvCxnSpPr>
+          <p:cNvPr id="14" name="Straight Arrow Connector 13"/>
+          <p:cNvCxnSpPr>
+            <a:endCxn id="23" idx="0"/>
+          </p:cNvCxnSpPr>
+          <p:nvPr/>
+        </p:nvCxnSpPr>
+        <p:spPr>
+          <a:xfrm>
+            <a:off x="9268784" y="3794742"/>
+            <a:ext cx="1697392" cy="913363"/>
+          </a:xfrm>
+          <a:prstGeom prst="straightConnector1">
+            <a:avLst/>
+          </a:prstGeom>
+          <a:ln>
+            <a:headEnd type="arrow"/>
+            <a:tailEnd type="arrow"/>
+          </a:ln>
+        </p:spPr>
+        <p:style>
+          <a:lnRef idx="1">
+            <a:schemeClr val="accent1"/>
+          </a:lnRef>
+          <a:fillRef idx="0">
+            <a:schemeClr val="accent1"/>
+          </a:fillRef>
+          <a:effectRef idx="0">
+            <a:schemeClr val="accent1"/>
+          </a:effectRef>
+          <a:fontRef idx="minor">
+            <a:schemeClr val="tx1"/>
+          </a:fontRef>
+        </p:style>
+      </p:cxnSp>
+      <p:cxnSp>
+        <p:nvCxnSpPr>
+          <p:cNvPr id="15" name="Straight Arrow Connector 14"/>
+          <p:cNvCxnSpPr>
+            <a:endCxn id="20" idx="0"/>
+          </p:cNvCxnSpPr>
+          <p:nvPr/>
+        </p:nvCxnSpPr>
+        <p:spPr>
+          <a:xfrm>
+            <a:off x="6436086" y="5449319"/>
+            <a:ext cx="1255395" cy="1080601"/>
+          </a:xfrm>
+          <a:prstGeom prst="straightConnector1">
+            <a:avLst/>
+          </a:prstGeom>
+          <a:ln>
+            <a:headEnd type="arrow"/>
+            <a:tailEnd type="arrow"/>
+          </a:ln>
+        </p:spPr>
+        <p:style>
+          <a:lnRef idx="1">
+            <a:schemeClr val="accent1"/>
+          </a:lnRef>
+          <a:fillRef idx="0">
+            <a:schemeClr val="accent1"/>
+          </a:fillRef>
+          <a:effectRef idx="0">
+            <a:schemeClr val="accent1"/>
+          </a:effectRef>
+          <a:fontRef idx="minor">
+            <a:schemeClr val="tx1"/>
+          </a:fontRef>
+        </p:style>
+      </p:cxnSp>
+      <p:cxnSp>
+        <p:nvCxnSpPr>
+          <p:cNvPr id="17" name="Straight Arrow Connector 16"/>
+          <p:cNvCxnSpPr>
+            <a:stCxn id="23" idx="2"/>
+          </p:cNvCxnSpPr>
+          <p:nvPr/>
+        </p:nvCxnSpPr>
+        <p:spPr>
+          <a:xfrm flipH="1">
+            <a:off x="9792696" y="5449319"/>
+            <a:ext cx="1173480" cy="1080601"/>
+          </a:xfrm>
+          <a:prstGeom prst="straightConnector1">
+            <a:avLst/>
+          </a:prstGeom>
+          <a:ln>
+            <a:headEnd type="arrow"/>
+            <a:tailEnd type="arrow"/>
+          </a:ln>
+        </p:spPr>
+        <p:style>
+          <a:lnRef idx="1">
+            <a:schemeClr val="accent1"/>
+          </a:lnRef>
+          <a:fillRef idx="0">
+            <a:schemeClr val="accent1"/>
+          </a:fillRef>
+          <a:effectRef idx="0">
+            <a:schemeClr val="accent1"/>
+          </a:effectRef>
+          <a:fontRef idx="minor">
+            <a:schemeClr val="tx1"/>
+          </a:fontRef>
+        </p:style>
+      </p:cxnSp>
+      <p:cxnSp>
+        <p:nvCxnSpPr>
+          <p:cNvPr id="19" name="Straight Arrow Connector 18"/>
+          <p:cNvCxnSpPr>
+            <a:stCxn id="23" idx="1"/>
+          </p:cNvCxnSpPr>
+          <p:nvPr/>
+        </p:nvCxnSpPr>
+        <p:spPr>
+          <a:xfrm flipH="1">
+            <a:off x="6935159" y="5078712"/>
+            <a:ext cx="3531943" cy="0"/>
+          </a:xfrm>
+          <a:prstGeom prst="straightConnector1">
+            <a:avLst/>
+          </a:prstGeom>
+          <a:ln>
+            <a:headEnd type="arrow"/>
+            <a:tailEnd type="arrow"/>
+          </a:ln>
+        </p:spPr>
+        <p:style>
+          <a:lnRef idx="1">
+            <a:schemeClr val="accent1"/>
+          </a:lnRef>
+          <a:fillRef idx="0">
+            <a:schemeClr val="accent1"/>
+          </a:fillRef>
+          <a:effectRef idx="0">
+            <a:schemeClr val="accent1"/>
+          </a:effectRef>
+          <a:fontRef idx="minor">
+            <a:schemeClr val="tx1"/>
+          </a:fontRef>
+        </p:style>
+      </p:cxnSp>
+      <p:cxnSp>
+        <p:nvCxnSpPr>
+          <p:cNvPr id="20" name="Straight Arrow Connector 19"/>
+          <p:cNvCxnSpPr>
+            <a:stCxn id="23" idx="1"/>
+            <a:endCxn id="20" idx="0"/>
+          </p:cNvCxnSpPr>
+          <p:nvPr/>
+        </p:nvCxnSpPr>
+        <p:spPr>
+          <a:xfrm flipH="1">
+            <a:off x="7691481" y="5078712"/>
+            <a:ext cx="2775621" cy="1451208"/>
+          </a:xfrm>
+          <a:prstGeom prst="straightConnector1">
+            <a:avLst/>
+          </a:prstGeom>
+          <a:ln>
+            <a:headEnd type="arrow"/>
+            <a:tailEnd type="arrow"/>
+          </a:ln>
+        </p:spPr>
+        <p:style>
+          <a:lnRef idx="1">
+            <a:schemeClr val="accent1"/>
+          </a:lnRef>
+          <a:fillRef idx="0">
+            <a:schemeClr val="accent1"/>
+          </a:fillRef>
+          <a:effectRef idx="0">
+            <a:schemeClr val="accent1"/>
+          </a:effectRef>
+          <a:fontRef idx="minor">
+            <a:schemeClr val="tx1"/>
+          </a:fontRef>
+        </p:style>
+      </p:cxnSp>
+      <p:cxnSp>
+        <p:nvCxnSpPr>
+          <p:cNvPr id="23" name="Straight Arrow Connector 22"/>
+          <p:cNvCxnSpPr/>
+          <p:nvPr/>
+        </p:nvCxnSpPr>
+        <p:spPr>
+          <a:xfrm>
+            <a:off x="6935159" y="5078712"/>
+            <a:ext cx="2857537" cy="1451208"/>
+          </a:xfrm>
+          <a:prstGeom prst="straightConnector1">
+            <a:avLst/>
+          </a:prstGeom>
+          <a:ln>
+            <a:headEnd type="arrow"/>
+            <a:tailEnd type="arrow"/>
+          </a:ln>
+        </p:spPr>
+        <p:style>
+          <a:lnRef idx="1">
+            <a:schemeClr val="accent1"/>
+          </a:lnRef>
+          <a:fillRef idx="0">
+            <a:schemeClr val="accent1"/>
+          </a:fillRef>
+          <a:effectRef idx="0">
+            <a:schemeClr val="accent1"/>
+          </a:effectRef>
+          <a:fontRef idx="minor">
+            <a:schemeClr val="tx1"/>
+          </a:fontRef>
+        </p:style>
+      </p:cxnSp>
+      <p:grpSp>
+        <p:nvGrpSpPr>
+          <p:cNvPr id="58" name="Group 57"/>
+          <p:cNvGrpSpPr/>
+          <p:nvPr/>
+        </p:nvGrpSpPr>
+        <p:grpSpPr>
+          <a:xfrm>
+            <a:off x="7501659" y="1272208"/>
+            <a:ext cx="1767125" cy="1323672"/>
+            <a:chOff x="4230903" y="984099"/>
+            <a:chExt cx="1767125" cy="1323672"/>
+          </a:xfrm>
+        </p:grpSpPr>
+        <p:sp>
+          <p:nvSpPr>
+            <p:cNvPr id="12" name="圆角矩形 10"/>
+            <p:cNvSpPr/>
+            <p:nvPr/>
+          </p:nvSpPr>
+          <p:spPr>
+            <a:xfrm>
+              <a:off x="4230903" y="984099"/>
+              <a:ext cx="1767125" cy="1323672"/>
+            </a:xfrm>
+            <a:prstGeom prst="roundRect">
+              <a:avLst/>
+            </a:prstGeom>
+            <a:solidFill>
+              <a:schemeClr val="accent1">
+                <a:lumMod val="20000"/>
+                <a:lumOff val="80000"/>
+              </a:schemeClr>
+            </a:solidFill>
+            <a:ln>
+              <a:noFill/>
+            </a:ln>
+          </p:spPr>
+          <p:style>
+            <a:lnRef idx="2">
+              <a:schemeClr val="accent1">
+                <a:shade val="50000"/>
+              </a:schemeClr>
+            </a:lnRef>
+            <a:fillRef idx="1">
+              <a:schemeClr val="accent1"/>
+            </a:fillRef>
+            <a:effectRef idx="0">
+              <a:schemeClr val="accent1"/>
+            </a:effectRef>
+            <a:fontRef idx="minor">
+              <a:schemeClr val="lt1"/>
+            </a:fontRef>
+          </p:style>
+          <p:txBody>
+            <a:bodyPr rtlCol="0" anchor="ctr"/>
+            <a:lstStyle/>
+            <a:p>
+              <a:pPr algn="ctr"/>
+              <a:endParaRPr kumimoji="1" lang="en-US" altLang="zh-CN" sz="1100" dirty="0">
+                <a:latin typeface="Microsoft YaHei" charset="-122"/>
+                <a:ea typeface="Microsoft YaHei" charset="-122"/>
+                <a:cs typeface="Microsoft YaHei" charset="-122"/>
+              </a:endParaRPr>
+            </a:p>
+          </p:txBody>
+        </p:sp>
+        <p:sp>
+          <p:nvSpPr>
+            <p:cNvPr id="51" name="圆角矩形 10"/>
+            <p:cNvSpPr/>
+            <p:nvPr/>
+          </p:nvSpPr>
+          <p:spPr>
+            <a:xfrm>
+              <a:off x="5159166" y="1898752"/>
+              <a:ext cx="721996" cy="233214"/>
+            </a:xfrm>
+            <a:prstGeom prst="roundRect">
+              <a:avLst/>
+            </a:prstGeom>
+            <a:solidFill>
+              <a:schemeClr val="accent1">
+                <a:lumMod val="60000"/>
+                <a:lumOff val="40000"/>
+              </a:schemeClr>
+            </a:solidFill>
+            <a:ln>
+              <a:noFill/>
+            </a:ln>
+          </p:spPr>
+          <p:style>
+            <a:lnRef idx="2">
+              <a:schemeClr val="accent1">
+                <a:shade val="50000"/>
+              </a:schemeClr>
+            </a:lnRef>
+            <a:fillRef idx="1">
+              <a:schemeClr val="accent1"/>
+            </a:fillRef>
+            <a:effectRef idx="0">
+              <a:schemeClr val="accent1"/>
+            </a:effectRef>
+            <a:fontRef idx="minor">
+              <a:schemeClr val="lt1"/>
+            </a:fontRef>
+          </p:style>
+          <p:txBody>
+            <a:bodyPr rtlCol="0" anchor="ctr"/>
+            <a:lstStyle/>
+            <a:p>
+              <a:pPr algn="ctr"/>
+              <a:r>
+                <a:rPr kumimoji="1" lang="en-US" altLang="zh-CN" sz="1000" dirty="0" smtClean="0">
+                  <a:latin typeface="Microsoft YaHei" charset="-122"/>
+                  <a:ea typeface="Microsoft YaHei" charset="-122"/>
+                  <a:cs typeface="Microsoft YaHei" charset="-122"/>
+                </a:rPr>
+                <a:t>State</a:t>
+              </a:r>
+              <a:r>
+                <a:rPr kumimoji="1" lang="zh-CN" altLang="en-US" sz="1000" dirty="0" smtClean="0">
+                  <a:latin typeface="Microsoft YaHei" charset="-122"/>
+                  <a:ea typeface="Microsoft YaHei" charset="-122"/>
+                  <a:cs typeface="Microsoft YaHei" charset="-122"/>
+                </a:rPr>
+                <a:t> </a:t>
+              </a:r>
+              <a:r>
+                <a:rPr kumimoji="1" lang="en-US" altLang="zh-CN" sz="1000" dirty="0" smtClean="0">
+                  <a:latin typeface="Microsoft YaHei" charset="-122"/>
+                  <a:ea typeface="Microsoft YaHei" charset="-122"/>
+                  <a:cs typeface="Microsoft YaHei" charset="-122"/>
+                </a:rPr>
+                <a:t>0</a:t>
+              </a:r>
+              <a:endParaRPr kumimoji="1" lang="en-US" altLang="zh-CN" sz="1000" dirty="0" smtClean="0">
+                <a:latin typeface="Microsoft YaHei" charset="-122"/>
+                <a:ea typeface="Microsoft YaHei" charset="-122"/>
+                <a:cs typeface="Microsoft YaHei" charset="-122"/>
+              </a:endParaRPr>
+            </a:p>
+          </p:txBody>
+        </p:sp>
+        <p:sp>
+          <p:nvSpPr>
+            <p:cNvPr id="52" name="圆角矩形 10"/>
+            <p:cNvSpPr/>
+            <p:nvPr/>
+          </p:nvSpPr>
+          <p:spPr>
+            <a:xfrm>
+              <a:off x="5159514" y="1639409"/>
+              <a:ext cx="721996" cy="233214"/>
+            </a:xfrm>
+            <a:prstGeom prst="roundRect">
+              <a:avLst/>
+            </a:prstGeom>
+            <a:solidFill>
+              <a:schemeClr val="accent1">
+                <a:lumMod val="60000"/>
+                <a:lumOff val="40000"/>
+              </a:schemeClr>
+            </a:solidFill>
+            <a:ln>
+              <a:noFill/>
+            </a:ln>
+          </p:spPr>
+          <p:style>
+            <a:lnRef idx="2">
+              <a:schemeClr val="accent1">
+                <a:shade val="50000"/>
+              </a:schemeClr>
+            </a:lnRef>
+            <a:fillRef idx="1">
+              <a:schemeClr val="accent1"/>
+            </a:fillRef>
+            <a:effectRef idx="0">
+              <a:schemeClr val="accent1"/>
+            </a:effectRef>
+            <a:fontRef idx="minor">
+              <a:schemeClr val="lt1"/>
+            </a:fontRef>
+          </p:style>
+          <p:txBody>
+            <a:bodyPr rtlCol="0" anchor="ctr"/>
+            <a:lstStyle/>
+            <a:p>
+              <a:pPr algn="ctr"/>
+              <a:r>
+                <a:rPr kumimoji="1" lang="en-US" altLang="zh-CN" sz="1000" dirty="0" smtClean="0">
+                  <a:latin typeface="Microsoft YaHei" charset="-122"/>
+                  <a:ea typeface="Microsoft YaHei" charset="-122"/>
+                  <a:cs typeface="Microsoft YaHei" charset="-122"/>
+                </a:rPr>
+                <a:t>State</a:t>
+              </a:r>
+              <a:r>
+                <a:rPr kumimoji="1" lang="zh-CN" altLang="en-US" sz="1000" dirty="0" smtClean="0">
+                  <a:latin typeface="Microsoft YaHei" charset="-122"/>
+                  <a:ea typeface="Microsoft YaHei" charset="-122"/>
+                  <a:cs typeface="Microsoft YaHei" charset="-122"/>
+                </a:rPr>
+                <a:t> </a:t>
+              </a:r>
+              <a:r>
+                <a:rPr kumimoji="1" lang="en-US" altLang="zh-CN" sz="1000" dirty="0">
+                  <a:latin typeface="Microsoft YaHei" charset="-122"/>
+                  <a:ea typeface="Microsoft YaHei" charset="-122"/>
+                  <a:cs typeface="Microsoft YaHei" charset="-122"/>
+                </a:rPr>
+                <a:t>1</a:t>
+              </a:r>
+              <a:endParaRPr kumimoji="1" lang="en-US" altLang="zh-CN" sz="1000" dirty="0">
+                <a:latin typeface="Microsoft YaHei" charset="-122"/>
+                <a:ea typeface="Microsoft YaHei" charset="-122"/>
+                <a:cs typeface="Microsoft YaHei" charset="-122"/>
+              </a:endParaRPr>
+            </a:p>
+          </p:txBody>
+        </p:sp>
+        <p:sp>
+          <p:nvSpPr>
+            <p:cNvPr id="53" name="圆角矩形 10"/>
+            <p:cNvSpPr/>
+            <p:nvPr/>
+          </p:nvSpPr>
+          <p:spPr>
+            <a:xfrm>
+              <a:off x="5159166" y="1197405"/>
+              <a:ext cx="721996" cy="233214"/>
+            </a:xfrm>
+            <a:prstGeom prst="roundRect">
+              <a:avLst/>
+            </a:prstGeom>
+            <a:solidFill>
+              <a:srgbClr val="00B0F0"/>
+            </a:solidFill>
+            <a:ln>
+              <a:noFill/>
+            </a:ln>
+          </p:spPr>
+          <p:style>
+            <a:lnRef idx="2">
+              <a:schemeClr val="accent1">
+                <a:shade val="50000"/>
+              </a:schemeClr>
+            </a:lnRef>
+            <a:fillRef idx="1">
+              <a:schemeClr val="accent1"/>
+            </a:fillRef>
+            <a:effectRef idx="0">
+              <a:schemeClr val="accent1"/>
+            </a:effectRef>
+            <a:fontRef idx="minor">
+              <a:schemeClr val="lt1"/>
+            </a:fontRef>
+          </p:style>
+          <p:txBody>
+            <a:bodyPr rtlCol="0" anchor="ctr"/>
+            <a:lstStyle/>
+            <a:p>
+              <a:pPr algn="ctr"/>
+              <a:r>
+                <a:rPr kumimoji="1" lang="en-US" altLang="zh-CN" sz="1000" dirty="0" smtClean="0">
+                  <a:latin typeface="Microsoft YaHei" charset="-122"/>
+                  <a:ea typeface="Microsoft YaHei" charset="-122"/>
+                  <a:cs typeface="Microsoft YaHei" charset="-122"/>
+                </a:rPr>
+                <a:t>State</a:t>
+              </a:r>
+              <a:r>
+                <a:rPr kumimoji="1" lang="zh-CN" altLang="en-US" sz="1000" dirty="0" smtClean="0">
+                  <a:latin typeface="Microsoft YaHei" charset="-122"/>
+                  <a:ea typeface="Microsoft YaHei" charset="-122"/>
+                  <a:cs typeface="Microsoft YaHei" charset="-122"/>
+                </a:rPr>
+                <a:t> </a:t>
+              </a:r>
+              <a:r>
+                <a:rPr kumimoji="1" lang="en-US" altLang="zh-CN" sz="1000" dirty="0">
+                  <a:latin typeface="Microsoft YaHei" charset="-122"/>
+                  <a:ea typeface="Microsoft YaHei" charset="-122"/>
+                  <a:cs typeface="Microsoft YaHei" charset="-122"/>
+                </a:rPr>
+                <a:t>n</a:t>
+              </a:r>
+              <a:endParaRPr kumimoji="1" lang="en-US" altLang="zh-CN" sz="1000" dirty="0">
+                <a:latin typeface="Microsoft YaHei" charset="-122"/>
+                <a:ea typeface="Microsoft YaHei" charset="-122"/>
+                <a:cs typeface="Microsoft YaHei" charset="-122"/>
+              </a:endParaRPr>
+            </a:p>
+          </p:txBody>
+        </p:sp>
+        <p:sp>
+          <p:nvSpPr>
+            <p:cNvPr id="57" name="TextBox 56"/>
+            <p:cNvSpPr txBox="1"/>
+            <p:nvPr/>
+          </p:nvSpPr>
+          <p:spPr>
+            <a:xfrm>
+              <a:off x="5333999" y="1295398"/>
+              <a:ext cx="343364" cy="369332"/>
+            </a:xfrm>
+            <a:prstGeom prst="rect">
+              <a:avLst/>
+            </a:prstGeom>
+            <a:noFill/>
+          </p:spPr>
+          <p:txBody>
+            <a:bodyPr wrap="none" rtlCol="0">
+              <a:spAutoFit/>
+            </a:bodyPr>
+            <a:lstStyle/>
+            <a:p>
+              <a:r>
+                <a:rPr lang="en-US" altLang="zh-CN" smtClean="0"/>
+                <a:t>…</a:t>
+              </a:r>
+              <a:endParaRPr lang="en-US" dirty="0"/>
+            </a:p>
+          </p:txBody>
+        </p:sp>
+        <p:sp>
+          <p:nvSpPr>
+            <p:cNvPr id="64" name="圆角矩形 10"/>
+            <p:cNvSpPr/>
+            <p:nvPr/>
+          </p:nvSpPr>
+          <p:spPr>
+            <a:xfrm>
+              <a:off x="4380446" y="1898752"/>
+              <a:ext cx="721996" cy="233214"/>
+            </a:xfrm>
+            <a:prstGeom prst="roundRect">
+              <a:avLst/>
+            </a:prstGeom>
+            <a:solidFill>
+              <a:srgbClr val="00B0F0"/>
+            </a:solidFill>
+            <a:ln>
+              <a:noFill/>
+            </a:ln>
+          </p:spPr>
+          <p:style>
+            <a:lnRef idx="2">
+              <a:schemeClr val="accent1">
+                <a:shade val="50000"/>
+              </a:schemeClr>
+            </a:lnRef>
+            <a:fillRef idx="1">
+              <a:schemeClr val="accent1"/>
+            </a:fillRef>
+            <a:effectRef idx="0">
+              <a:schemeClr val="accent1"/>
+            </a:effectRef>
+            <a:fontRef idx="minor">
+              <a:schemeClr val="lt1"/>
+            </a:fontRef>
+          </p:style>
+          <p:txBody>
+            <a:bodyPr rtlCol="0" anchor="ctr"/>
+            <a:lstStyle/>
+            <a:p>
+              <a:pPr algn="ctr"/>
+              <a:r>
+                <a:rPr kumimoji="1" lang="en-US" altLang="zh-CN" sz="1100" dirty="0" smtClean="0">
+                  <a:latin typeface="Microsoft YaHei" charset="-122"/>
+                  <a:ea typeface="Microsoft YaHei" charset="-122"/>
+                  <a:cs typeface="Microsoft YaHei" charset="-122"/>
+                </a:rPr>
+                <a:t>Block</a:t>
+              </a:r>
+              <a:r>
+                <a:rPr kumimoji="1" lang="zh-CN" altLang="en-US" sz="1100" dirty="0" smtClean="0">
+                  <a:latin typeface="Microsoft YaHei" charset="-122"/>
+                  <a:ea typeface="Microsoft YaHei" charset="-122"/>
+                  <a:cs typeface="Microsoft YaHei" charset="-122"/>
+                </a:rPr>
+                <a:t> </a:t>
+              </a:r>
+              <a:r>
+                <a:rPr kumimoji="1" lang="en-US" altLang="zh-CN" sz="1100" dirty="0" smtClean="0">
+                  <a:latin typeface="Microsoft YaHei" charset="-122"/>
+                  <a:ea typeface="Microsoft YaHei" charset="-122"/>
+                  <a:cs typeface="Microsoft YaHei" charset="-122"/>
+                </a:rPr>
+                <a:t>0</a:t>
+              </a:r>
+              <a:endParaRPr kumimoji="1" lang="en-US" altLang="zh-CN" sz="1100" dirty="0">
+                <a:latin typeface="Microsoft YaHei" charset="-122"/>
+                <a:ea typeface="Microsoft YaHei" charset="-122"/>
+                <a:cs typeface="Microsoft YaHei" charset="-122"/>
+              </a:endParaRPr>
+            </a:p>
+          </p:txBody>
+        </p:sp>
+        <p:sp>
+          <p:nvSpPr>
+            <p:cNvPr id="65" name="圆角矩形 10"/>
+            <p:cNvSpPr/>
+            <p:nvPr/>
+          </p:nvSpPr>
+          <p:spPr>
+            <a:xfrm>
+              <a:off x="4380794" y="1639409"/>
+              <a:ext cx="721996" cy="233214"/>
+            </a:xfrm>
+            <a:prstGeom prst="roundRect">
+              <a:avLst/>
+            </a:prstGeom>
+            <a:solidFill>
+              <a:srgbClr val="00B0F0"/>
+            </a:solidFill>
+            <a:ln>
+              <a:noFill/>
+            </a:ln>
+          </p:spPr>
+          <p:style>
+            <a:lnRef idx="2">
+              <a:schemeClr val="accent1">
+                <a:shade val="50000"/>
+              </a:schemeClr>
+            </a:lnRef>
+            <a:fillRef idx="1">
+              <a:schemeClr val="accent1"/>
+            </a:fillRef>
+            <a:effectRef idx="0">
+              <a:schemeClr val="accent1"/>
+            </a:effectRef>
+            <a:fontRef idx="minor">
+              <a:schemeClr val="lt1"/>
+            </a:fontRef>
+          </p:style>
+          <p:txBody>
+            <a:bodyPr rtlCol="0" anchor="ctr"/>
+            <a:lstStyle/>
+            <a:p>
+              <a:pPr algn="ctr"/>
+              <a:r>
+                <a:rPr kumimoji="1" lang="en-US" altLang="zh-CN" sz="1100" dirty="0" smtClean="0">
+                  <a:latin typeface="Microsoft YaHei" charset="-122"/>
+                  <a:ea typeface="Microsoft YaHei" charset="-122"/>
+                  <a:cs typeface="Microsoft YaHei" charset="-122"/>
+                </a:rPr>
+                <a:t>Block</a:t>
+              </a:r>
+              <a:r>
+                <a:rPr kumimoji="1" lang="zh-CN" altLang="en-US" sz="1100" dirty="0" smtClean="0">
+                  <a:latin typeface="Microsoft YaHei" charset="-122"/>
+                  <a:ea typeface="Microsoft YaHei" charset="-122"/>
+                  <a:cs typeface="Microsoft YaHei" charset="-122"/>
+                </a:rPr>
+                <a:t> </a:t>
+              </a:r>
+              <a:r>
+                <a:rPr kumimoji="1" lang="en-US" altLang="zh-CN" sz="1100" dirty="0" smtClean="0">
+                  <a:latin typeface="Microsoft YaHei" charset="-122"/>
+                  <a:ea typeface="Microsoft YaHei" charset="-122"/>
+                  <a:cs typeface="Microsoft YaHei" charset="-122"/>
+                </a:rPr>
+                <a:t>1</a:t>
+              </a:r>
+              <a:endParaRPr kumimoji="1" lang="en-US" altLang="zh-CN" sz="1100" dirty="0">
+                <a:latin typeface="Microsoft YaHei" charset="-122"/>
+                <a:ea typeface="Microsoft YaHei" charset="-122"/>
+                <a:cs typeface="Microsoft YaHei" charset="-122"/>
+              </a:endParaRPr>
+            </a:p>
+          </p:txBody>
+        </p:sp>
+        <p:sp>
+          <p:nvSpPr>
+            <p:cNvPr id="66" name="圆角矩形 10"/>
+            <p:cNvSpPr/>
+            <p:nvPr/>
+          </p:nvSpPr>
+          <p:spPr>
+            <a:xfrm>
+              <a:off x="4380446" y="1197405"/>
+              <a:ext cx="721996" cy="233214"/>
+            </a:xfrm>
+            <a:prstGeom prst="roundRect">
+              <a:avLst/>
+            </a:prstGeom>
+            <a:solidFill>
+              <a:srgbClr val="00B0F0"/>
+            </a:solidFill>
+            <a:ln>
+              <a:noFill/>
+            </a:ln>
+          </p:spPr>
+          <p:style>
+            <a:lnRef idx="2">
+              <a:schemeClr val="accent1">
+                <a:shade val="50000"/>
+              </a:schemeClr>
+            </a:lnRef>
+            <a:fillRef idx="1">
+              <a:schemeClr val="accent1"/>
+            </a:fillRef>
+            <a:effectRef idx="0">
+              <a:schemeClr val="accent1"/>
+            </a:effectRef>
+            <a:fontRef idx="minor">
+              <a:schemeClr val="lt1"/>
+            </a:fontRef>
+          </p:style>
+          <p:txBody>
+            <a:bodyPr rtlCol="0" anchor="ctr"/>
+            <a:lstStyle/>
+            <a:p>
+              <a:pPr algn="ctr"/>
+              <a:r>
+                <a:rPr kumimoji="1" lang="en-US" altLang="zh-CN" sz="1100" dirty="0" smtClean="0">
+                  <a:latin typeface="Microsoft YaHei" charset="-122"/>
+                  <a:ea typeface="Microsoft YaHei" charset="-122"/>
+                  <a:cs typeface="Microsoft YaHei" charset="-122"/>
+                </a:rPr>
+                <a:t>Block</a:t>
+              </a:r>
+              <a:r>
+                <a:rPr kumimoji="1" lang="zh-CN" altLang="en-US" sz="1100" dirty="0" smtClean="0">
+                  <a:latin typeface="Microsoft YaHei" charset="-122"/>
+                  <a:ea typeface="Microsoft YaHei" charset="-122"/>
+                  <a:cs typeface="Microsoft YaHei" charset="-122"/>
+                </a:rPr>
+                <a:t> </a:t>
+              </a:r>
+              <a:r>
+                <a:rPr kumimoji="1" lang="en-US" altLang="zh-CN" sz="1100" dirty="0" smtClean="0">
+                  <a:latin typeface="Microsoft YaHei" charset="-122"/>
+                  <a:ea typeface="Microsoft YaHei" charset="-122"/>
+                  <a:cs typeface="Microsoft YaHei" charset="-122"/>
+                </a:rPr>
+                <a:t>n</a:t>
+              </a:r>
+              <a:endParaRPr kumimoji="1" lang="en-US" altLang="zh-CN" sz="1100" dirty="0">
+                <a:latin typeface="Microsoft YaHei" charset="-122"/>
+                <a:ea typeface="Microsoft YaHei" charset="-122"/>
+                <a:cs typeface="Microsoft YaHei" charset="-122"/>
+              </a:endParaRPr>
+            </a:p>
+          </p:txBody>
+        </p:sp>
+        <p:sp>
+          <p:nvSpPr>
+            <p:cNvPr id="67" name="TextBox 66"/>
+            <p:cNvSpPr txBox="1"/>
+            <p:nvPr/>
+          </p:nvSpPr>
+          <p:spPr>
+            <a:xfrm>
+              <a:off x="4555279" y="1295398"/>
+              <a:ext cx="343364" cy="369332"/>
+            </a:xfrm>
+            <a:prstGeom prst="rect">
+              <a:avLst/>
+            </a:prstGeom>
+            <a:noFill/>
+          </p:spPr>
+          <p:txBody>
+            <a:bodyPr wrap="none" rtlCol="0">
+              <a:spAutoFit/>
+            </a:bodyPr>
+            <a:lstStyle/>
+            <a:p>
+              <a:r>
+                <a:rPr lang="en-US" altLang="zh-CN" smtClean="0"/>
+                <a:t>…</a:t>
+              </a:r>
+              <a:endParaRPr lang="en-US" dirty="0"/>
+            </a:p>
+          </p:txBody>
+        </p:sp>
+      </p:grpSp>
+    </p:spTree>
+  </p:cSld>
+  <p:clrMapOvr>
+    <a:masterClrMapping/>
+  </p:clrMapOvr>
+</p:sld>
+</file>
+
+<file path=ppt/slides/slide5.xml><?xml version="1.0" encoding="utf-8"?>
+<p:sld xmlns:a="http://schemas.openxmlformats.org/drawingml/2006/main" xmlns:r="http://schemas.openxmlformats.org/officeDocument/2006/relationships" xmlns:p="http://schemas.openxmlformats.org/presentationml/2006/main">
+  <p:cSld>
+    <p:spTree>
+      <p:nvGrpSpPr>
+        <p:cNvPr id="1" name=""/>
+        <p:cNvGrpSpPr/>
+        <p:nvPr/>
+      </p:nvGrpSpPr>
+      <p:grpSpPr>
+        <a:xfrm>
+          <a:off x="0" y="0"/>
+          <a:ext cx="0" cy="0"/>
+          <a:chOff x="0" y="0"/>
+          <a:chExt cx="0" cy="0"/>
+        </a:xfrm>
+      </p:grpSpPr>
+      <p:pic>
+        <p:nvPicPr>
+          <p:cNvPr id="39938" name="Ink 1"/>
+          <p:cNvPicPr>
+            <a:picLocks noChangeAspect="1"/>
+          </p:cNvPicPr>
+          <p:nvPr/>
+        </p:nvPicPr>
+        <p:blipFill>
+          <a:blip r:embed="rId1"/>
+          <a:stretch>
+            <a:fillRect/>
+          </a:stretch>
+        </p:blipFill>
+        <p:spPr>
+          <a:xfrm>
+            <a:off x="2254251" y="711200"/>
+            <a:ext cx="25400" cy="25400"/>
+          </a:xfrm>
+          <a:prstGeom prst="rect">
+            <a:avLst/>
+          </a:prstGeom>
+          <a:noFill/>
+          <a:ln w="9525">
+            <a:noFill/>
+          </a:ln>
+        </p:spPr>
+      </p:pic>
+      <p:sp>
+        <p:nvSpPr>
+          <p:cNvPr id="9" name="Rectangle 8"/>
+          <p:cNvSpPr/>
+          <p:nvPr/>
+        </p:nvSpPr>
+        <p:spPr>
+          <a:xfrm>
+            <a:off x="0" y="0"/>
+            <a:ext cx="12192000" cy="889000"/>
+          </a:xfrm>
+          <a:prstGeom prst="rect">
+            <a:avLst/>
+          </a:prstGeom>
+          <a:ln>
+            <a:noFill/>
+          </a:ln>
+        </p:spPr>
+        <p:style>
+          <a:lnRef idx="1">
+            <a:schemeClr val="accent1"/>
+          </a:lnRef>
+          <a:fillRef idx="3">
+            <a:schemeClr val="accent1"/>
+          </a:fillRef>
+          <a:effectRef idx="2">
+            <a:schemeClr val="accent1"/>
+          </a:effectRef>
+          <a:fontRef idx="minor">
+            <a:schemeClr val="lt1"/>
+          </a:fontRef>
+        </p:style>
+        <p:txBody>
+          <a:bodyPr anchor="ctr"/>
+          <a:lstStyle/>
+          <a:p>
+            <a:pPr marL="285750" marR="0" lvl="0" indent="0" algn="l" defTabSz="914400" rtl="0" eaLnBrk="1" fontAlgn="base" latinLnBrk="0" hangingPunct="1">
+              <a:lnSpc>
+                <a:spcPct val="100000"/>
+              </a:lnSpc>
+              <a:spcBef>
+                <a:spcPct val="0"/>
+              </a:spcBef>
+              <a:spcAft>
+                <a:spcPct val="0"/>
+              </a:spcAft>
+              <a:buClrTx/>
+              <a:buSzTx/>
+              <a:buFontTx/>
+              <a:buNone/>
+              <a:defRPr/>
+            </a:pPr>
+            <a:r>
+              <a:rPr lang="zh-CN" altLang="en-US" sz="3735" noProof="0" dirty="0" smtClean="0"/>
+              <a:t>共识</a:t>
+            </a:r>
+            <a:endParaRPr kumimoji="0" lang="en-US" altLang="zh-CN" sz="3735" b="0" i="0" u="none" strike="noStrike" kern="1200" cap="none" spc="0" normalizeH="0" baseline="0" noProof="0" dirty="0">
+              <a:ln>
+                <a:noFill/>
+              </a:ln>
+              <a:solidFill>
+                <a:schemeClr val="lt1"/>
+              </a:solidFill>
+              <a:effectLst/>
+              <a:uLnTx/>
+              <a:uFillTx/>
+              <a:latin typeface="+mn-lt"/>
+              <a:ea typeface="+mn-ea"/>
+              <a:cs typeface="+mn-cs"/>
+            </a:endParaRPr>
+          </a:p>
+        </p:txBody>
+      </p:sp>
+      <p:sp>
+        <p:nvSpPr>
+          <p:cNvPr id="39940" name="AutoShape 2" descr="Micropayment Channel Example"/>
+          <p:cNvSpPr>
+            <a:spLocks noChangeAspect="1"/>
+          </p:cNvSpPr>
+          <p:nvPr/>
+        </p:nvSpPr>
+        <p:spPr>
+          <a:xfrm>
+            <a:off x="207433" y="-192616"/>
+            <a:ext cx="406400" cy="406400"/>
+          </a:xfrm>
+          <a:prstGeom prst="rect">
+            <a:avLst/>
+          </a:prstGeom>
+          <a:noFill/>
+          <a:ln w="9525">
+            <a:noFill/>
+          </a:ln>
+        </p:spPr>
+        <p:txBody>
+          <a:bodyPr/>
+          <a:lstStyle>
+            <a:lvl1pPr marL="342900" indent="-342900" algn="l" rtl="0" eaLnBrk="0" fontAlgn="base" hangingPunct="0">
+              <a:spcBef>
+                <a:spcPct val="20000"/>
+              </a:spcBef>
+              <a:spcAft>
+                <a:spcPct val="0"/>
+              </a:spcAft>
+              <a:buFont typeface="Arial" panose="020B0604020202090204" pitchFamily="34" charset="0"/>
+              <a:buChar char="•"/>
+              <a:defRPr sz="2400" kern="1200">
+                <a:solidFill>
+                  <a:schemeClr val="tx1"/>
+                </a:solidFill>
+                <a:latin typeface="+mn-lt"/>
+                <a:ea typeface="+mn-ea"/>
+                <a:cs typeface="+mn-cs"/>
+              </a:defRPr>
+            </a:lvl1pPr>
+            <a:lvl2pPr marL="742950" indent="-285750" algn="l" rtl="0" eaLnBrk="0" fontAlgn="base" hangingPunct="0">
+              <a:spcBef>
+                <a:spcPct val="20000"/>
+              </a:spcBef>
+              <a:spcAft>
+                <a:spcPct val="0"/>
+              </a:spcAft>
+              <a:buFont typeface="Arial" panose="020B0604020202090204" pitchFamily="34" charset="0"/>
+              <a:buChar char="–"/>
+              <a:defRPr sz="2400" kern="1200">
+                <a:solidFill>
+                  <a:schemeClr val="tx1"/>
+                </a:solidFill>
+                <a:latin typeface="+mn-lt"/>
+                <a:ea typeface="+mn-ea"/>
+                <a:cs typeface="+mn-cs"/>
+              </a:defRPr>
+            </a:lvl2pPr>
+            <a:lvl3pPr marL="1143000" indent="-228600" algn="l" rtl="0" eaLnBrk="0" fontAlgn="base" hangingPunct="0">
+              <a:spcBef>
+                <a:spcPct val="20000"/>
+              </a:spcBef>
+              <a:spcAft>
+                <a:spcPct val="0"/>
+              </a:spcAft>
+              <a:buFont typeface="Arial" panose="020B0604020202090204" pitchFamily="34" charset="0"/>
+              <a:buChar char="•"/>
+              <a:defRPr sz="2400" kern="1200">
+                <a:solidFill>
+                  <a:schemeClr val="tx1"/>
+                </a:solidFill>
+                <a:latin typeface="+mn-lt"/>
+                <a:ea typeface="+mn-ea"/>
+                <a:cs typeface="+mn-cs"/>
+              </a:defRPr>
+            </a:lvl3pPr>
+            <a:lvl4pPr marL="1600200" indent="-228600" algn="l" rtl="0" eaLnBrk="0" fontAlgn="base" hangingPunct="0">
+              <a:spcBef>
+                <a:spcPct val="20000"/>
+              </a:spcBef>
+              <a:spcAft>
+                <a:spcPct val="0"/>
+              </a:spcAft>
+              <a:buFont typeface="Arial" panose="020B0604020202090204" pitchFamily="34" charset="0"/>
+              <a:buChar char="–"/>
+              <a:defRPr sz="2000" kern="1200">
+                <a:solidFill>
+                  <a:schemeClr val="tx1"/>
+                </a:solidFill>
+                <a:latin typeface="+mn-lt"/>
+                <a:ea typeface="+mn-ea"/>
+                <a:cs typeface="+mn-cs"/>
+              </a:defRPr>
+            </a:lvl4pPr>
+            <a:lvl5pPr marL="2057400" indent="-228600" algn="l" rtl="0" eaLnBrk="0" fontAlgn="base" hangingPunct="0">
+              <a:spcBef>
+                <a:spcPct val="20000"/>
+              </a:spcBef>
+              <a:spcAft>
+                <a:spcPct val="0"/>
+              </a:spcAft>
+              <a:buFont typeface="Arial" panose="020B0604020202090204" pitchFamily="34" charset="0"/>
+              <a:buChar char="»"/>
+              <a:defRPr sz="2000" kern="1200">
+                <a:solidFill>
+                  <a:schemeClr val="tx1"/>
+                </a:solidFill>
+                <a:latin typeface="+mn-lt"/>
+                <a:ea typeface="+mn-ea"/>
+                <a:cs typeface="+mn-cs"/>
+              </a:defRPr>
+            </a:lvl5pPr>
+          </a:lstStyle>
+          <a:p>
+            <a:pPr marL="0" lvl="0" indent="0" eaLnBrk="1" hangingPunct="1">
+              <a:spcBef>
+                <a:spcPct val="0"/>
+              </a:spcBef>
+              <a:buNone/>
+            </a:pPr>
+            <a:endParaRPr lang="zh-CN" altLang="en-US" dirty="0">
+              <a:latin typeface="Arial" panose="020B0604020202090204" pitchFamily="34" charset="0"/>
+              <a:ea typeface="SimSun" pitchFamily="2" charset="-122"/>
+            </a:endParaRPr>
+          </a:p>
+        </p:txBody>
+      </p:sp>
+      <p:sp>
+        <p:nvSpPr>
+          <p:cNvPr id="39941" name="AutoShape 4" descr="Micropayment Channel Example"/>
+          <p:cNvSpPr>
+            <a:spLocks noChangeAspect="1"/>
+          </p:cNvSpPr>
+          <p:nvPr/>
+        </p:nvSpPr>
+        <p:spPr>
+          <a:xfrm>
+            <a:off x="410633" y="10584"/>
+            <a:ext cx="406400" cy="406400"/>
+          </a:xfrm>
+          <a:prstGeom prst="rect">
+            <a:avLst/>
+          </a:prstGeom>
+          <a:noFill/>
+          <a:ln w="9525">
+            <a:noFill/>
+          </a:ln>
+        </p:spPr>
+        <p:txBody>
+          <a:bodyPr/>
+          <a:lstStyle>
+            <a:lvl1pPr marL="342900" indent="-342900" algn="l" rtl="0" eaLnBrk="0" fontAlgn="base" hangingPunct="0">
+              <a:spcBef>
+                <a:spcPct val="20000"/>
+              </a:spcBef>
+              <a:spcAft>
+                <a:spcPct val="0"/>
+              </a:spcAft>
+              <a:buFont typeface="Arial" panose="020B0604020202090204" pitchFamily="34" charset="0"/>
+              <a:buChar char="•"/>
+              <a:defRPr sz="2400" kern="1200">
+                <a:solidFill>
+                  <a:schemeClr val="tx1"/>
+                </a:solidFill>
+                <a:latin typeface="+mn-lt"/>
+                <a:ea typeface="+mn-ea"/>
+                <a:cs typeface="+mn-cs"/>
+              </a:defRPr>
+            </a:lvl1pPr>
+            <a:lvl2pPr marL="742950" indent="-285750" algn="l" rtl="0" eaLnBrk="0" fontAlgn="base" hangingPunct="0">
+              <a:spcBef>
+                <a:spcPct val="20000"/>
+              </a:spcBef>
+              <a:spcAft>
+                <a:spcPct val="0"/>
+              </a:spcAft>
+              <a:buFont typeface="Arial" panose="020B0604020202090204" pitchFamily="34" charset="0"/>
+              <a:buChar char="–"/>
+              <a:defRPr sz="2400" kern="1200">
+                <a:solidFill>
+                  <a:schemeClr val="tx1"/>
+                </a:solidFill>
+                <a:latin typeface="+mn-lt"/>
+                <a:ea typeface="+mn-ea"/>
+                <a:cs typeface="+mn-cs"/>
+              </a:defRPr>
+            </a:lvl2pPr>
+            <a:lvl3pPr marL="1143000" indent="-228600" algn="l" rtl="0" eaLnBrk="0" fontAlgn="base" hangingPunct="0">
+              <a:spcBef>
+                <a:spcPct val="20000"/>
+              </a:spcBef>
+              <a:spcAft>
+                <a:spcPct val="0"/>
+              </a:spcAft>
+              <a:buFont typeface="Arial" panose="020B0604020202090204" pitchFamily="34" charset="0"/>
+              <a:buChar char="•"/>
+              <a:defRPr sz="2400" kern="1200">
+                <a:solidFill>
+                  <a:schemeClr val="tx1"/>
+                </a:solidFill>
+                <a:latin typeface="+mn-lt"/>
+                <a:ea typeface="+mn-ea"/>
+                <a:cs typeface="+mn-cs"/>
+              </a:defRPr>
+            </a:lvl3pPr>
+            <a:lvl4pPr marL="1600200" indent="-228600" algn="l" rtl="0" eaLnBrk="0" fontAlgn="base" hangingPunct="0">
+              <a:spcBef>
+                <a:spcPct val="20000"/>
+              </a:spcBef>
+              <a:spcAft>
+                <a:spcPct val="0"/>
+              </a:spcAft>
+              <a:buFont typeface="Arial" panose="020B0604020202090204" pitchFamily="34" charset="0"/>
+              <a:buChar char="–"/>
+              <a:defRPr sz="2000" kern="1200">
+                <a:solidFill>
+                  <a:schemeClr val="tx1"/>
+                </a:solidFill>
+                <a:latin typeface="+mn-lt"/>
+                <a:ea typeface="+mn-ea"/>
+                <a:cs typeface="+mn-cs"/>
+              </a:defRPr>
+            </a:lvl4pPr>
+            <a:lvl5pPr marL="2057400" indent="-228600" algn="l" rtl="0" eaLnBrk="0" fontAlgn="base" hangingPunct="0">
+              <a:spcBef>
+                <a:spcPct val="20000"/>
+              </a:spcBef>
+              <a:spcAft>
+                <a:spcPct val="0"/>
+              </a:spcAft>
+              <a:buFont typeface="Arial" panose="020B0604020202090204" pitchFamily="34" charset="0"/>
+              <a:buChar char="»"/>
+              <a:defRPr sz="2000" kern="1200">
+                <a:solidFill>
+                  <a:schemeClr val="tx1"/>
+                </a:solidFill>
+                <a:latin typeface="+mn-lt"/>
+                <a:ea typeface="+mn-ea"/>
+                <a:cs typeface="+mn-cs"/>
+              </a:defRPr>
+            </a:lvl5pPr>
+          </a:lstStyle>
+          <a:p>
+            <a:pPr marL="0" lvl="0" indent="0" eaLnBrk="1" hangingPunct="1">
+              <a:spcBef>
+                <a:spcPct val="0"/>
+              </a:spcBef>
+              <a:buNone/>
+            </a:pPr>
+            <a:endParaRPr lang="zh-CN" altLang="en-US" dirty="0">
+              <a:latin typeface="Arial" panose="020B0604020202090204" pitchFamily="34" charset="0"/>
+              <a:ea typeface="SimSun" pitchFamily="2" charset="-122"/>
+            </a:endParaRPr>
+          </a:p>
+        </p:txBody>
+      </p:sp>
+      <p:sp>
+        <p:nvSpPr>
+          <p:cNvPr id="39942" name="TextBox 1"/>
+          <p:cNvSpPr txBox="1"/>
+          <p:nvPr/>
+        </p:nvSpPr>
+        <p:spPr>
+          <a:xfrm>
+            <a:off x="450851" y="1397000"/>
+            <a:ext cx="468630" cy="1198880"/>
+          </a:xfrm>
+          <a:prstGeom prst="rect">
+            <a:avLst/>
+          </a:prstGeom>
+          <a:noFill/>
+          <a:ln w="9525">
+            <a:noFill/>
+          </a:ln>
+        </p:spPr>
+        <p:txBody>
+          <a:bodyPr wrap="none">
+            <a:spAutoFit/>
+          </a:bodyPr>
+          <a:lstStyle>
+            <a:lvl1pPr marL="342900" indent="-342900" algn="l" rtl="0" eaLnBrk="0" fontAlgn="base" hangingPunct="0">
+              <a:spcBef>
+                <a:spcPct val="20000"/>
+              </a:spcBef>
+              <a:spcAft>
+                <a:spcPct val="0"/>
+              </a:spcAft>
+              <a:buFont typeface="Arial" panose="020B0604020202090204" pitchFamily="34" charset="0"/>
+              <a:buChar char="•"/>
+              <a:defRPr sz="2400" kern="1200">
+                <a:solidFill>
+                  <a:schemeClr val="tx1"/>
+                </a:solidFill>
+                <a:latin typeface="+mn-lt"/>
+                <a:ea typeface="+mn-ea"/>
+                <a:cs typeface="+mn-cs"/>
+              </a:defRPr>
+            </a:lvl1pPr>
+            <a:lvl2pPr marL="742950" indent="-285750" algn="l" rtl="0" eaLnBrk="0" fontAlgn="base" hangingPunct="0">
+              <a:spcBef>
+                <a:spcPct val="20000"/>
+              </a:spcBef>
+              <a:spcAft>
+                <a:spcPct val="0"/>
+              </a:spcAft>
+              <a:buFont typeface="Arial" panose="020B0604020202090204" pitchFamily="34" charset="0"/>
+              <a:buChar char="–"/>
+              <a:defRPr sz="2400" kern="1200">
+                <a:solidFill>
+                  <a:schemeClr val="tx1"/>
+                </a:solidFill>
+                <a:latin typeface="+mn-lt"/>
+                <a:ea typeface="+mn-ea"/>
+                <a:cs typeface="+mn-cs"/>
+              </a:defRPr>
+            </a:lvl2pPr>
+            <a:lvl3pPr marL="1143000" indent="-228600" algn="l" rtl="0" eaLnBrk="0" fontAlgn="base" hangingPunct="0">
+              <a:spcBef>
+                <a:spcPct val="20000"/>
+              </a:spcBef>
+              <a:spcAft>
+                <a:spcPct val="0"/>
+              </a:spcAft>
+              <a:buFont typeface="Arial" panose="020B0604020202090204" pitchFamily="34" charset="0"/>
+              <a:buChar char="•"/>
+              <a:defRPr sz="2400" kern="1200">
+                <a:solidFill>
+                  <a:schemeClr val="tx1"/>
+                </a:solidFill>
+                <a:latin typeface="+mn-lt"/>
+                <a:ea typeface="+mn-ea"/>
+                <a:cs typeface="+mn-cs"/>
+              </a:defRPr>
+            </a:lvl3pPr>
+            <a:lvl4pPr marL="1600200" indent="-228600" algn="l" rtl="0" eaLnBrk="0" fontAlgn="base" hangingPunct="0">
+              <a:spcBef>
+                <a:spcPct val="20000"/>
+              </a:spcBef>
+              <a:spcAft>
+                <a:spcPct val="0"/>
+              </a:spcAft>
+              <a:buFont typeface="Arial" panose="020B0604020202090204" pitchFamily="34" charset="0"/>
+              <a:buChar char="–"/>
+              <a:defRPr sz="2000" kern="1200">
+                <a:solidFill>
+                  <a:schemeClr val="tx1"/>
+                </a:solidFill>
+                <a:latin typeface="+mn-lt"/>
+                <a:ea typeface="+mn-ea"/>
+                <a:cs typeface="+mn-cs"/>
+              </a:defRPr>
+            </a:lvl4pPr>
+            <a:lvl5pPr marL="2057400" indent="-228600" algn="l" rtl="0" eaLnBrk="0" fontAlgn="base" hangingPunct="0">
+              <a:spcBef>
+                <a:spcPct val="20000"/>
+              </a:spcBef>
+              <a:spcAft>
+                <a:spcPct val="0"/>
+              </a:spcAft>
+              <a:buFont typeface="Arial" panose="020B0604020202090204" pitchFamily="34" charset="0"/>
+              <a:buChar char="»"/>
+              <a:defRPr sz="2000" kern="1200">
+                <a:solidFill>
+                  <a:schemeClr val="tx1"/>
+                </a:solidFill>
+                <a:latin typeface="+mn-lt"/>
+                <a:ea typeface="+mn-ea"/>
+                <a:cs typeface="+mn-cs"/>
+              </a:defRPr>
+            </a:lvl5pPr>
+          </a:lstStyle>
+          <a:p>
+            <a:pPr marL="285750" lvl="0" indent="-285750" eaLnBrk="1" hangingPunct="1">
+              <a:spcBef>
+                <a:spcPct val="0"/>
+              </a:spcBef>
+              <a:buFont typeface="Wingdings" panose="05000000000000000000" pitchFamily="2" charset="2"/>
+              <a:buChar char="l"/>
+            </a:pPr>
+            <a:endParaRPr lang="en-US" altLang="zh-CN" dirty="0">
+              <a:latin typeface="Arial" panose="020B0604020202090204" pitchFamily="34" charset="0"/>
+              <a:ea typeface="SimSun" pitchFamily="2" charset="-122"/>
+            </a:endParaRPr>
+          </a:p>
+          <a:p>
+            <a:pPr marL="285750" lvl="0" indent="-285750" eaLnBrk="1" hangingPunct="1">
+              <a:spcBef>
+                <a:spcPct val="0"/>
+              </a:spcBef>
+              <a:buFont typeface="Wingdings" panose="05000000000000000000" pitchFamily="2" charset="2"/>
+              <a:buChar char="l"/>
+            </a:pPr>
+            <a:endParaRPr lang="en-US" altLang="zh-CN" dirty="0">
+              <a:latin typeface="Arial" panose="020B0604020202090204" pitchFamily="34" charset="0"/>
+              <a:ea typeface="SimSun" pitchFamily="2" charset="-122"/>
+            </a:endParaRPr>
+          </a:p>
+          <a:p>
+            <a:pPr marL="285750" lvl="0" indent="-285750" eaLnBrk="1" hangingPunct="1">
+              <a:spcBef>
+                <a:spcPct val="0"/>
+              </a:spcBef>
+              <a:buFont typeface="Wingdings" panose="05000000000000000000" pitchFamily="2" charset="2"/>
+              <a:buChar char="l"/>
+            </a:pPr>
+            <a:endParaRPr lang="en-US" altLang="zh-CN" dirty="0">
+              <a:latin typeface="Arial" panose="020B0604020202090204" pitchFamily="34" charset="0"/>
+              <a:ea typeface="SimSun" pitchFamily="2" charset="-122"/>
+            </a:endParaRPr>
+          </a:p>
+        </p:txBody>
+      </p:sp>
+      <p:sp>
+        <p:nvSpPr>
+          <p:cNvPr id="39943" name="TextBox 3"/>
+          <p:cNvSpPr txBox="1"/>
+          <p:nvPr/>
+        </p:nvSpPr>
+        <p:spPr>
+          <a:xfrm>
+            <a:off x="614045" y="1397000"/>
+            <a:ext cx="4191871" cy="4938147"/>
+          </a:xfrm>
+          <a:prstGeom prst="rect">
+            <a:avLst/>
+          </a:prstGeom>
+          <a:noFill/>
+          <a:ln w="9525">
+            <a:noFill/>
+          </a:ln>
+        </p:spPr>
+        <p:txBody>
+          <a:bodyPr wrap="square">
+            <a:spAutoFit/>
+          </a:bodyPr>
+          <a:lstStyle>
+            <a:lvl1pPr marL="342900" indent="-342900" algn="l" rtl="0" eaLnBrk="0" fontAlgn="base" hangingPunct="0">
+              <a:spcBef>
+                <a:spcPct val="20000"/>
+              </a:spcBef>
+              <a:spcAft>
+                <a:spcPct val="0"/>
+              </a:spcAft>
+              <a:buFont typeface="Arial" panose="020B0604020202090204" pitchFamily="34" charset="0"/>
+              <a:buChar char="•"/>
+              <a:defRPr sz="2400" kern="1200">
+                <a:solidFill>
+                  <a:schemeClr val="tx1"/>
+                </a:solidFill>
+                <a:latin typeface="+mn-lt"/>
+                <a:ea typeface="+mn-ea"/>
+                <a:cs typeface="+mn-cs"/>
+              </a:defRPr>
+            </a:lvl1pPr>
+            <a:lvl2pPr marL="742950" indent="-285750" algn="l" rtl="0" eaLnBrk="0" fontAlgn="base" hangingPunct="0">
+              <a:spcBef>
+                <a:spcPct val="20000"/>
+              </a:spcBef>
+              <a:spcAft>
+                <a:spcPct val="0"/>
+              </a:spcAft>
+              <a:buFont typeface="Arial" panose="020B0604020202090204" pitchFamily="34" charset="0"/>
+              <a:buChar char="–"/>
+              <a:defRPr sz="2400" kern="1200">
+                <a:solidFill>
+                  <a:schemeClr val="tx1"/>
+                </a:solidFill>
+                <a:latin typeface="+mn-lt"/>
+                <a:ea typeface="+mn-ea"/>
+                <a:cs typeface="+mn-cs"/>
+              </a:defRPr>
+            </a:lvl2pPr>
+            <a:lvl3pPr marL="1143000" indent="-228600" algn="l" rtl="0" eaLnBrk="0" fontAlgn="base" hangingPunct="0">
+              <a:spcBef>
+                <a:spcPct val="20000"/>
+              </a:spcBef>
+              <a:spcAft>
+                <a:spcPct val="0"/>
+              </a:spcAft>
+              <a:buFont typeface="Arial" panose="020B0604020202090204" pitchFamily="34" charset="0"/>
+              <a:buChar char="•"/>
+              <a:defRPr sz="2400" kern="1200">
+                <a:solidFill>
+                  <a:schemeClr val="tx1"/>
+                </a:solidFill>
+                <a:latin typeface="+mn-lt"/>
+                <a:ea typeface="+mn-ea"/>
+                <a:cs typeface="+mn-cs"/>
+              </a:defRPr>
+            </a:lvl3pPr>
+            <a:lvl4pPr marL="1600200" indent="-228600" algn="l" rtl="0" eaLnBrk="0" fontAlgn="base" hangingPunct="0">
+              <a:spcBef>
+                <a:spcPct val="20000"/>
+              </a:spcBef>
+              <a:spcAft>
+                <a:spcPct val="0"/>
+              </a:spcAft>
+              <a:buFont typeface="Arial" panose="020B0604020202090204" pitchFamily="34" charset="0"/>
+              <a:buChar char="–"/>
+              <a:defRPr sz="2000" kern="1200">
+                <a:solidFill>
+                  <a:schemeClr val="tx1"/>
+                </a:solidFill>
+                <a:latin typeface="+mn-lt"/>
+                <a:ea typeface="+mn-ea"/>
+                <a:cs typeface="+mn-cs"/>
+              </a:defRPr>
+            </a:lvl4pPr>
+            <a:lvl5pPr marL="2057400" indent="-228600" algn="l" rtl="0" eaLnBrk="0" fontAlgn="base" hangingPunct="0">
+              <a:spcBef>
+                <a:spcPct val="20000"/>
+              </a:spcBef>
+              <a:spcAft>
+                <a:spcPct val="0"/>
+              </a:spcAft>
+              <a:buFont typeface="Arial" panose="020B0604020202090204" pitchFamily="34" charset="0"/>
+              <a:buChar char="»"/>
+              <a:defRPr sz="2000" kern="1200">
+                <a:solidFill>
+                  <a:schemeClr val="tx1"/>
+                </a:solidFill>
+                <a:latin typeface="+mn-lt"/>
+                <a:ea typeface="+mn-ea"/>
+                <a:cs typeface="+mn-cs"/>
+              </a:defRPr>
+            </a:lvl5pPr>
+          </a:lstStyle>
+          <a:p>
+            <a:pPr lvl="0" algn="l" eaLnBrk="1" hangingPunct="1">
+              <a:lnSpc>
+                <a:spcPct val="200000"/>
+              </a:lnSpc>
+              <a:spcBef>
+                <a:spcPct val="0"/>
+              </a:spcBef>
+              <a:buFont typeface="Arial" panose="020B0604020202090204" pitchFamily="34" charset="0"/>
+              <a:buChar char="•"/>
+            </a:pPr>
+            <a:r>
+              <a:rPr lang="en-US" altLang="zh-CN" sz="1600" i="1" dirty="0" smtClean="0">
+                <a:sym typeface="+mn-ea"/>
+              </a:rPr>
+              <a:t>World</a:t>
             </a:r>
             <a:r>
               <a:rPr lang="zh-CN" altLang="en-US" sz="1600" i="1" dirty="0" smtClean="0">
                 <a:sym typeface="+mn-ea"/>
               </a:rPr>
-              <a:t>一致性</a:t>
+              <a:t> </a:t>
+            </a:r>
+            <a:r>
+              <a:rPr lang="en-US" altLang="zh-CN" sz="1600" i="1" dirty="0" smtClean="0">
+                <a:sym typeface="+mn-ea"/>
+              </a:rPr>
+              <a:t>wide</a:t>
+            </a:r>
+            <a:r>
+              <a:rPr lang="zh-CN" altLang="en-US" sz="1600" i="1" dirty="0">
+                <a:sym typeface="+mn-ea"/>
+              </a:rPr>
+              <a:t> </a:t>
+            </a:r>
+            <a:r>
+              <a:rPr lang="zh-CN" altLang="en-US" sz="1600" i="1" dirty="0" smtClean="0">
+                <a:sym typeface="+mn-ea"/>
+              </a:rPr>
+              <a:t>数据库</a:t>
+            </a:r>
+            <a:r>
+              <a:rPr lang="en-US" sz="1600" i="1" dirty="0" smtClean="0">
+                <a:sym typeface="+mn-ea"/>
+              </a:rPr>
+              <a:t> </a:t>
+            </a:r>
+            <a:endParaRPr lang="en-US" sz="1600" i="1" dirty="0" smtClean="0">
+              <a:sym typeface="+mn-ea"/>
+            </a:endParaRPr>
+          </a:p>
+          <a:p>
+            <a:pPr lvl="0" algn="l" eaLnBrk="1" hangingPunct="1">
+              <a:lnSpc>
+                <a:spcPct val="200000"/>
+              </a:lnSpc>
+              <a:spcBef>
+                <a:spcPct val="0"/>
+              </a:spcBef>
+              <a:buFont typeface="Arial" panose="020B0604020202090204" pitchFamily="34" charset="0"/>
+              <a:buChar char="•"/>
+            </a:pPr>
+            <a:r>
+              <a:rPr lang="zh-CN" altLang="en-US" sz="1600" i="1" dirty="0" smtClean="0">
+                <a:sym typeface="+mn-ea"/>
+              </a:rPr>
+              <a:t>节点</a:t>
+            </a:r>
+            <a:endParaRPr lang="en-US" altLang="zh-CN" sz="1600" i="1" dirty="0">
+              <a:sym typeface="+mn-ea"/>
+            </a:endParaRPr>
+          </a:p>
+          <a:p>
+            <a:pPr lvl="1" eaLnBrk="1" hangingPunct="1">
+              <a:lnSpc>
+                <a:spcPct val="200000"/>
+              </a:lnSpc>
+              <a:spcBef>
+                <a:spcPct val="0"/>
+              </a:spcBef>
+              <a:buFont typeface="Arial" panose="020B0604020202090204" pitchFamily="34" charset="0"/>
+              <a:buChar char="•"/>
+            </a:pPr>
+            <a:r>
+              <a:rPr lang="zh-CN" altLang="en-US" sz="1600" i="1" dirty="0" smtClean="0">
+                <a:sym typeface="+mn-ea"/>
+              </a:rPr>
+              <a:t>之间通过</a:t>
+            </a:r>
+            <a:r>
+              <a:rPr lang="en-US" altLang="zh-CN" sz="1600" i="1" dirty="0" smtClean="0">
+                <a:sym typeface="+mn-ea"/>
+              </a:rPr>
+              <a:t>P2p</a:t>
+            </a:r>
+            <a:r>
+              <a:rPr lang="zh-CN" altLang="en-US" sz="1600" i="1" dirty="0">
+                <a:sym typeface="+mn-ea"/>
+              </a:rPr>
+              <a:t>网络</a:t>
+            </a:r>
+            <a:r>
+              <a:rPr lang="zh-CN" altLang="en-US" sz="1600" i="1" dirty="0" smtClean="0">
+                <a:sym typeface="+mn-ea"/>
+              </a:rPr>
+              <a:t>连接 </a:t>
+            </a:r>
+            <a:r>
+              <a:rPr lang="en-US" altLang="zh-CN" sz="1600" i="1" dirty="0" smtClean="0">
+                <a:sym typeface="+mn-ea"/>
+              </a:rPr>
+              <a:t>(gossip,</a:t>
+            </a:r>
+            <a:r>
+              <a:rPr lang="zh-CN" altLang="en-US" sz="1600" i="1" dirty="0" smtClean="0">
+                <a:sym typeface="+mn-ea"/>
+              </a:rPr>
+              <a:t> </a:t>
+            </a:r>
+            <a:r>
+              <a:rPr lang="en-US" altLang="zh-CN" sz="1600" i="1" dirty="0" err="1" smtClean="0">
+                <a:sym typeface="+mn-ea"/>
+              </a:rPr>
+              <a:t>kad</a:t>
+            </a:r>
+            <a:r>
+              <a:rPr lang="en-US" altLang="zh-CN" sz="1600" i="1" dirty="0" smtClean="0">
+                <a:sym typeface="+mn-ea"/>
+              </a:rPr>
+              <a:t>)</a:t>
+            </a:r>
+            <a:endParaRPr lang="en-US" altLang="zh-CN" sz="1600" i="1" dirty="0">
+              <a:sym typeface="+mn-ea"/>
+            </a:endParaRPr>
+          </a:p>
+          <a:p>
+            <a:pPr lvl="1" eaLnBrk="1" hangingPunct="1">
+              <a:lnSpc>
+                <a:spcPct val="200000"/>
+              </a:lnSpc>
+              <a:spcBef>
+                <a:spcPct val="0"/>
+              </a:spcBef>
+              <a:buFont typeface="Arial" panose="020B0604020202090204" pitchFamily="34" charset="0"/>
+              <a:buChar char="•"/>
+            </a:pPr>
+            <a:r>
+              <a:rPr lang="zh-CN" altLang="en-US" sz="1600" i="1" dirty="0" smtClean="0">
+                <a:sym typeface="+mn-ea"/>
+              </a:rPr>
+              <a:t>有完全一样状态</a:t>
+            </a:r>
+            <a:endParaRPr lang="en-US" altLang="zh-CN" sz="1600" i="1" dirty="0" smtClean="0">
+              <a:sym typeface="+mn-ea"/>
+            </a:endParaRPr>
+          </a:p>
+          <a:p>
+            <a:pPr lvl="1" eaLnBrk="1" hangingPunct="1">
+              <a:lnSpc>
+                <a:spcPct val="200000"/>
+              </a:lnSpc>
+              <a:spcBef>
+                <a:spcPct val="0"/>
+              </a:spcBef>
+              <a:buFont typeface="Arial" panose="020B0604020202090204" pitchFamily="34" charset="0"/>
+              <a:buChar char="•"/>
+            </a:pPr>
+            <a:r>
+              <a:rPr lang="zh-CN" altLang="en-US" sz="1600" i="1" dirty="0" smtClean="0">
+                <a:sym typeface="+mn-ea"/>
+              </a:rPr>
+              <a:t>执行完全一样</a:t>
+            </a:r>
+            <a:r>
+              <a:rPr lang="en-US" altLang="zh-CN" sz="1600" i="1" dirty="0" smtClean="0">
+                <a:sym typeface="+mn-ea"/>
+              </a:rPr>
+              <a:t>transactions(block)</a:t>
+            </a:r>
+            <a:endParaRPr lang="en-US" altLang="zh-CN" sz="1600" i="1" dirty="0" smtClean="0">
+              <a:sym typeface="+mn-ea"/>
+            </a:endParaRPr>
+          </a:p>
+          <a:p>
+            <a:pPr lvl="1" eaLnBrk="1" hangingPunct="1">
+              <a:lnSpc>
+                <a:spcPct val="200000"/>
+              </a:lnSpc>
+              <a:spcBef>
+                <a:spcPct val="0"/>
+              </a:spcBef>
+              <a:buFont typeface="Arial" panose="020B0604020202090204" pitchFamily="34" charset="0"/>
+              <a:buChar char="•"/>
+            </a:pPr>
+            <a:r>
+              <a:rPr lang="zh-CN" altLang="en-US" sz="1600" i="1" dirty="0">
+                <a:sym typeface="+mn-ea"/>
+              </a:rPr>
+              <a:t>过渡到下一个完全</a:t>
+            </a:r>
+            <a:r>
+              <a:rPr lang="zh-CN" altLang="en-US" sz="1600" i="1" dirty="0" smtClean="0">
+                <a:sym typeface="+mn-ea"/>
+              </a:rPr>
+              <a:t>一样的状态</a:t>
+            </a:r>
+            <a:endParaRPr lang="en-US" sz="1600" i="1" dirty="0">
+              <a:sym typeface="+mn-ea"/>
+            </a:endParaRPr>
+          </a:p>
+          <a:p>
+            <a:pPr lvl="0" algn="l" eaLnBrk="1" hangingPunct="1">
+              <a:lnSpc>
+                <a:spcPct val="200000"/>
+              </a:lnSpc>
+              <a:spcBef>
+                <a:spcPct val="0"/>
+              </a:spcBef>
+              <a:buFont typeface="Arial" panose="020B0604020202090204" pitchFamily="34" charset="0"/>
+              <a:buChar char="•"/>
+            </a:pPr>
+            <a:r>
+              <a:rPr lang="en-US" sz="1600" i="1" dirty="0" smtClean="0">
+                <a:sym typeface="+mn-ea"/>
+              </a:rPr>
+              <a:t>提高了储存的成本</a:t>
+            </a:r>
+            <a:r>
+              <a:rPr lang="en-US" sz="1600" i="1" dirty="0">
+                <a:sym typeface="+mn-ea"/>
+              </a:rPr>
+              <a:t>，</a:t>
+            </a:r>
+            <a:endParaRPr lang="en-US" sz="1600" i="1" dirty="0">
+              <a:sym typeface="+mn-ea"/>
+            </a:endParaRPr>
+          </a:p>
+          <a:p>
+            <a:pPr lvl="0" algn="l" eaLnBrk="1" hangingPunct="1">
+              <a:lnSpc>
+                <a:spcPct val="200000"/>
+              </a:lnSpc>
+              <a:spcBef>
+                <a:spcPct val="0"/>
+              </a:spcBef>
+              <a:buFont typeface="Arial" panose="020B0604020202090204" pitchFamily="34" charset="0"/>
+              <a:buChar char="•"/>
+            </a:pPr>
+            <a:r>
+              <a:rPr lang="en-US" sz="1600" i="1" dirty="0">
+                <a:sym typeface="+mn-ea"/>
+              </a:rPr>
+              <a:t>降低了记录的效率，</a:t>
+            </a:r>
+            <a:endParaRPr lang="en-US" sz="1600" i="1" dirty="0">
+              <a:sym typeface="+mn-ea"/>
+            </a:endParaRPr>
+          </a:p>
+          <a:p>
+            <a:pPr lvl="0" algn="l" eaLnBrk="1" hangingPunct="1">
+              <a:lnSpc>
+                <a:spcPct val="200000"/>
+              </a:lnSpc>
+              <a:spcBef>
+                <a:spcPct val="0"/>
+              </a:spcBef>
+              <a:buFont typeface="Arial" panose="020B0604020202090204" pitchFamily="34" charset="0"/>
+              <a:buChar char="•"/>
+            </a:pPr>
+            <a:r>
+              <a:rPr lang="zh-CN" altLang="en-US" sz="1600" i="1" dirty="0">
+                <a:sym typeface="+mn-ea"/>
+              </a:rPr>
+              <a:t>但是</a:t>
+            </a:r>
+            <a:r>
+              <a:rPr lang="en-US" sz="1600" i="1" dirty="0">
+                <a:sym typeface="+mn-ea"/>
+              </a:rPr>
+              <a:t>达到了</a:t>
+            </a:r>
+            <a:r>
+              <a:rPr lang="zh-CN" altLang="en-US" sz="1600" i="1" dirty="0">
+                <a:sym typeface="+mn-ea"/>
+              </a:rPr>
+              <a:t>一致性，从而</a:t>
+            </a:r>
+            <a:r>
+              <a:rPr lang="en-US" sz="1600" i="1" dirty="0">
+                <a:sym typeface="+mn-ea"/>
+              </a:rPr>
+              <a:t>保障网络信任的目的</a:t>
             </a:r>
             <a:endParaRPr lang="en-US" altLang="en-US" sz="1600" i="1" dirty="0">
               <a:latin typeface="Arial" panose="020B0604020202090204" pitchFamily="34" charset="0"/>
@@ -19550,7 +21501,7 @@
             <a:lstStyle/>
             <a:p>
               <a:r>
-                <a:rPr lang="mr-IN" altLang="zh-CN" smtClean="0"/>
+                <a:rPr lang="en-US" altLang="zh-CN" smtClean="0"/>
                 <a:t>…</a:t>
               </a:r>
               <a:endParaRPr lang="en-US" dirty="0"/>
@@ -19802,7 +21753,7 @@
             <a:lstStyle/>
             <a:p>
               <a:r>
-                <a:rPr lang="mr-IN" altLang="zh-CN" smtClean="0"/>
+                <a:rPr lang="en-US" altLang="zh-CN" smtClean="0"/>
                 <a:t>…</a:t>
               </a:r>
               <a:endParaRPr lang="en-US" dirty="0"/>
@@ -19811,1753 +21762,6 @@
         </p:sp>
       </p:grpSp>
     </p:spTree>
-    <p:extLst>
-      <p:ext uri="{BB962C8B-B14F-4D97-AF65-F5344CB8AC3E}">
-        <p14:creationId xmlns:p14="http://schemas.microsoft.com/office/powerpoint/2010/main" val="1093648535"/>
-      </p:ext>
-    </p:extLst>
-  </p:cSld>
-  <p:clrMapOvr>
-    <a:masterClrMapping/>
-  </p:clrMapOvr>
-</p:sld>
-</file>
-
-<file path=ppt/slides/slide5.xml><?xml version="1.0" encoding="utf-8"?>
-<p:sld xmlns:a="http://schemas.openxmlformats.org/drawingml/2006/main" xmlns:r="http://schemas.openxmlformats.org/officeDocument/2006/relationships" xmlns:p="http://schemas.openxmlformats.org/presentationml/2006/main">
-  <p:cSld>
-    <p:spTree>
-      <p:nvGrpSpPr>
-        <p:cNvPr id="1" name=""/>
-        <p:cNvGrpSpPr/>
-        <p:nvPr/>
-      </p:nvGrpSpPr>
-      <p:grpSpPr>
-        <a:xfrm>
-          <a:off x="0" y="0"/>
-          <a:ext cx="0" cy="0"/>
-          <a:chOff x="0" y="0"/>
-          <a:chExt cx="0" cy="0"/>
-        </a:xfrm>
-      </p:grpSpPr>
-      <p:pic>
-        <p:nvPicPr>
-          <p:cNvPr id="39938" name="Ink 1"/>
-          <p:cNvPicPr>
-            <a:picLocks noChangeAspect="1"/>
-          </p:cNvPicPr>
-          <p:nvPr/>
-        </p:nvPicPr>
-        <p:blipFill>
-          <a:blip r:embed="rId3"/>
-          <a:stretch>
-            <a:fillRect/>
-          </a:stretch>
-        </p:blipFill>
-        <p:spPr>
-          <a:xfrm>
-            <a:off x="2254251" y="711200"/>
-            <a:ext cx="25400" cy="25400"/>
-          </a:xfrm>
-          <a:prstGeom prst="rect">
-            <a:avLst/>
-          </a:prstGeom>
-          <a:noFill/>
-          <a:ln w="9525">
-            <a:noFill/>
-          </a:ln>
-        </p:spPr>
-      </p:pic>
-      <p:sp>
-        <p:nvSpPr>
-          <p:cNvPr id="9" name="Rectangle 8"/>
-          <p:cNvSpPr/>
-          <p:nvPr/>
-        </p:nvSpPr>
-        <p:spPr>
-          <a:xfrm>
-            <a:off x="0" y="0"/>
-            <a:ext cx="12192000" cy="889000"/>
-          </a:xfrm>
-          <a:prstGeom prst="rect">
-            <a:avLst/>
-          </a:prstGeom>
-          <a:ln>
-            <a:noFill/>
-          </a:ln>
-        </p:spPr>
-        <p:style>
-          <a:lnRef idx="1">
-            <a:schemeClr val="accent1"/>
-          </a:lnRef>
-          <a:fillRef idx="3">
-            <a:schemeClr val="accent1"/>
-          </a:fillRef>
-          <a:effectRef idx="2">
-            <a:schemeClr val="accent1"/>
-          </a:effectRef>
-          <a:fontRef idx="minor">
-            <a:schemeClr val="lt1"/>
-          </a:fontRef>
-        </p:style>
-        <p:txBody>
-          <a:bodyPr anchor="ctr"/>
-          <a:lstStyle/>
-          <a:p>
-            <a:pPr marL="285750" marR="0" lvl="0" indent="0" algn="l" defTabSz="914400" rtl="0" eaLnBrk="1" fontAlgn="base" latinLnBrk="0" hangingPunct="1">
-              <a:lnSpc>
-                <a:spcPct val="100000"/>
-              </a:lnSpc>
-              <a:spcBef>
-                <a:spcPct val="0"/>
-              </a:spcBef>
-              <a:spcAft>
-                <a:spcPct val="0"/>
-              </a:spcAft>
-              <a:buClrTx/>
-              <a:buSzTx/>
-              <a:buFontTx/>
-              <a:buNone/>
-              <a:defRPr/>
-            </a:pPr>
-            <a:r>
-              <a:rPr lang="zh-CN" altLang="en-US" sz="3735" noProof="0" dirty="0" smtClean="0"/>
-              <a:t>共识</a:t>
-            </a:r>
-            <a:endParaRPr kumimoji="0" lang="en-US" altLang="zh-CN" sz="3735" b="0" i="0" u="none" strike="noStrike" kern="1200" cap="none" spc="0" normalizeH="0" baseline="0" noProof="0" dirty="0">
-              <a:ln>
-                <a:noFill/>
-              </a:ln>
-              <a:solidFill>
-                <a:schemeClr val="lt1"/>
-              </a:solidFill>
-              <a:effectLst/>
-              <a:uLnTx/>
-              <a:uFillTx/>
-              <a:latin typeface="+mn-lt"/>
-              <a:ea typeface="+mn-ea"/>
-              <a:cs typeface="+mn-cs"/>
-            </a:endParaRPr>
-          </a:p>
-        </p:txBody>
-      </p:sp>
-      <p:sp>
-        <p:nvSpPr>
-          <p:cNvPr id="39940" name="AutoShape 2" descr="Micropayment Channel Example"/>
-          <p:cNvSpPr>
-            <a:spLocks noChangeAspect="1"/>
-          </p:cNvSpPr>
-          <p:nvPr/>
-        </p:nvSpPr>
-        <p:spPr>
-          <a:xfrm>
-            <a:off x="207433" y="-192616"/>
-            <a:ext cx="406400" cy="406400"/>
-          </a:xfrm>
-          <a:prstGeom prst="rect">
-            <a:avLst/>
-          </a:prstGeom>
-          <a:noFill/>
-          <a:ln w="9525">
-            <a:noFill/>
-          </a:ln>
-        </p:spPr>
-        <p:txBody>
-          <a:bodyPr/>
-          <a:lstStyle>
-            <a:lvl1pPr marL="342900" indent="-342900" algn="l" rtl="0" eaLnBrk="0" fontAlgn="base" hangingPunct="0">
-              <a:spcBef>
-                <a:spcPct val="20000"/>
-              </a:spcBef>
-              <a:spcAft>
-                <a:spcPct val="0"/>
-              </a:spcAft>
-              <a:buFont typeface="Arial" panose="020B0604020202090204" pitchFamily="34" charset="0"/>
-              <a:buChar char="•"/>
-              <a:defRPr sz="2400" kern="1200">
-                <a:solidFill>
-                  <a:schemeClr val="tx1"/>
-                </a:solidFill>
-                <a:latin typeface="+mn-lt"/>
-                <a:ea typeface="+mn-ea"/>
-                <a:cs typeface="+mn-cs"/>
-              </a:defRPr>
-            </a:lvl1pPr>
-            <a:lvl2pPr marL="742950" indent="-285750" algn="l" rtl="0" eaLnBrk="0" fontAlgn="base" hangingPunct="0">
-              <a:spcBef>
-                <a:spcPct val="20000"/>
-              </a:spcBef>
-              <a:spcAft>
-                <a:spcPct val="0"/>
-              </a:spcAft>
-              <a:buFont typeface="Arial" panose="020B0604020202090204" pitchFamily="34" charset="0"/>
-              <a:buChar char="–"/>
-              <a:defRPr sz="2400" kern="1200">
-                <a:solidFill>
-                  <a:schemeClr val="tx1"/>
-                </a:solidFill>
-                <a:latin typeface="+mn-lt"/>
-                <a:ea typeface="+mn-ea"/>
-                <a:cs typeface="+mn-cs"/>
-              </a:defRPr>
-            </a:lvl2pPr>
-            <a:lvl3pPr marL="1143000" indent="-228600" algn="l" rtl="0" eaLnBrk="0" fontAlgn="base" hangingPunct="0">
-              <a:spcBef>
-                <a:spcPct val="20000"/>
-              </a:spcBef>
-              <a:spcAft>
-                <a:spcPct val="0"/>
-              </a:spcAft>
-              <a:buFont typeface="Arial" panose="020B0604020202090204" pitchFamily="34" charset="0"/>
-              <a:buChar char="•"/>
-              <a:defRPr sz="2400" kern="1200">
-                <a:solidFill>
-                  <a:schemeClr val="tx1"/>
-                </a:solidFill>
-                <a:latin typeface="+mn-lt"/>
-                <a:ea typeface="+mn-ea"/>
-                <a:cs typeface="+mn-cs"/>
-              </a:defRPr>
-            </a:lvl3pPr>
-            <a:lvl4pPr marL="1600200" indent="-228600" algn="l" rtl="0" eaLnBrk="0" fontAlgn="base" hangingPunct="0">
-              <a:spcBef>
-                <a:spcPct val="20000"/>
-              </a:spcBef>
-              <a:spcAft>
-                <a:spcPct val="0"/>
-              </a:spcAft>
-              <a:buFont typeface="Arial" panose="020B0604020202090204" pitchFamily="34" charset="0"/>
-              <a:buChar char="–"/>
-              <a:defRPr sz="2000" kern="1200">
-                <a:solidFill>
-                  <a:schemeClr val="tx1"/>
-                </a:solidFill>
-                <a:latin typeface="+mn-lt"/>
-                <a:ea typeface="+mn-ea"/>
-                <a:cs typeface="+mn-cs"/>
-              </a:defRPr>
-            </a:lvl4pPr>
-            <a:lvl5pPr marL="2057400" indent="-228600" algn="l" rtl="0" eaLnBrk="0" fontAlgn="base" hangingPunct="0">
-              <a:spcBef>
-                <a:spcPct val="20000"/>
-              </a:spcBef>
-              <a:spcAft>
-                <a:spcPct val="0"/>
-              </a:spcAft>
-              <a:buFont typeface="Arial" panose="020B0604020202090204" pitchFamily="34" charset="0"/>
-              <a:buChar char="»"/>
-              <a:defRPr sz="2000" kern="1200">
-                <a:solidFill>
-                  <a:schemeClr val="tx1"/>
-                </a:solidFill>
-                <a:latin typeface="+mn-lt"/>
-                <a:ea typeface="+mn-ea"/>
-                <a:cs typeface="+mn-cs"/>
-              </a:defRPr>
-            </a:lvl5pPr>
-          </a:lstStyle>
-          <a:p>
-            <a:pPr marL="0" lvl="0" indent="0" eaLnBrk="1" hangingPunct="1">
-              <a:spcBef>
-                <a:spcPct val="0"/>
-              </a:spcBef>
-              <a:buNone/>
-            </a:pPr>
-            <a:endParaRPr lang="zh-CN" altLang="en-US" dirty="0">
-              <a:latin typeface="Arial" panose="020B0604020202090204" pitchFamily="34" charset="0"/>
-              <a:ea typeface="SimSun" pitchFamily="2" charset="-122"/>
-            </a:endParaRPr>
-          </a:p>
-        </p:txBody>
-      </p:sp>
-      <p:sp>
-        <p:nvSpPr>
-          <p:cNvPr id="39941" name="AutoShape 4" descr="Micropayment Channel Example"/>
-          <p:cNvSpPr>
-            <a:spLocks noChangeAspect="1"/>
-          </p:cNvSpPr>
-          <p:nvPr/>
-        </p:nvSpPr>
-        <p:spPr>
-          <a:xfrm>
-            <a:off x="410633" y="10584"/>
-            <a:ext cx="406400" cy="406400"/>
-          </a:xfrm>
-          <a:prstGeom prst="rect">
-            <a:avLst/>
-          </a:prstGeom>
-          <a:noFill/>
-          <a:ln w="9525">
-            <a:noFill/>
-          </a:ln>
-        </p:spPr>
-        <p:txBody>
-          <a:bodyPr/>
-          <a:lstStyle>
-            <a:lvl1pPr marL="342900" indent="-342900" algn="l" rtl="0" eaLnBrk="0" fontAlgn="base" hangingPunct="0">
-              <a:spcBef>
-                <a:spcPct val="20000"/>
-              </a:spcBef>
-              <a:spcAft>
-                <a:spcPct val="0"/>
-              </a:spcAft>
-              <a:buFont typeface="Arial" panose="020B0604020202090204" pitchFamily="34" charset="0"/>
-              <a:buChar char="•"/>
-              <a:defRPr sz="2400" kern="1200">
-                <a:solidFill>
-                  <a:schemeClr val="tx1"/>
-                </a:solidFill>
-                <a:latin typeface="+mn-lt"/>
-                <a:ea typeface="+mn-ea"/>
-                <a:cs typeface="+mn-cs"/>
-              </a:defRPr>
-            </a:lvl1pPr>
-            <a:lvl2pPr marL="742950" indent="-285750" algn="l" rtl="0" eaLnBrk="0" fontAlgn="base" hangingPunct="0">
-              <a:spcBef>
-                <a:spcPct val="20000"/>
-              </a:spcBef>
-              <a:spcAft>
-                <a:spcPct val="0"/>
-              </a:spcAft>
-              <a:buFont typeface="Arial" panose="020B0604020202090204" pitchFamily="34" charset="0"/>
-              <a:buChar char="–"/>
-              <a:defRPr sz="2400" kern="1200">
-                <a:solidFill>
-                  <a:schemeClr val="tx1"/>
-                </a:solidFill>
-                <a:latin typeface="+mn-lt"/>
-                <a:ea typeface="+mn-ea"/>
-                <a:cs typeface="+mn-cs"/>
-              </a:defRPr>
-            </a:lvl2pPr>
-            <a:lvl3pPr marL="1143000" indent="-228600" algn="l" rtl="0" eaLnBrk="0" fontAlgn="base" hangingPunct="0">
-              <a:spcBef>
-                <a:spcPct val="20000"/>
-              </a:spcBef>
-              <a:spcAft>
-                <a:spcPct val="0"/>
-              </a:spcAft>
-              <a:buFont typeface="Arial" panose="020B0604020202090204" pitchFamily="34" charset="0"/>
-              <a:buChar char="•"/>
-              <a:defRPr sz="2400" kern="1200">
-                <a:solidFill>
-                  <a:schemeClr val="tx1"/>
-                </a:solidFill>
-                <a:latin typeface="+mn-lt"/>
-                <a:ea typeface="+mn-ea"/>
-                <a:cs typeface="+mn-cs"/>
-              </a:defRPr>
-            </a:lvl3pPr>
-            <a:lvl4pPr marL="1600200" indent="-228600" algn="l" rtl="0" eaLnBrk="0" fontAlgn="base" hangingPunct="0">
-              <a:spcBef>
-                <a:spcPct val="20000"/>
-              </a:spcBef>
-              <a:spcAft>
-                <a:spcPct val="0"/>
-              </a:spcAft>
-              <a:buFont typeface="Arial" panose="020B0604020202090204" pitchFamily="34" charset="0"/>
-              <a:buChar char="–"/>
-              <a:defRPr sz="2000" kern="1200">
-                <a:solidFill>
-                  <a:schemeClr val="tx1"/>
-                </a:solidFill>
-                <a:latin typeface="+mn-lt"/>
-                <a:ea typeface="+mn-ea"/>
-                <a:cs typeface="+mn-cs"/>
-              </a:defRPr>
-            </a:lvl4pPr>
-            <a:lvl5pPr marL="2057400" indent="-228600" algn="l" rtl="0" eaLnBrk="0" fontAlgn="base" hangingPunct="0">
-              <a:spcBef>
-                <a:spcPct val="20000"/>
-              </a:spcBef>
-              <a:spcAft>
-                <a:spcPct val="0"/>
-              </a:spcAft>
-              <a:buFont typeface="Arial" panose="020B0604020202090204" pitchFamily="34" charset="0"/>
-              <a:buChar char="»"/>
-              <a:defRPr sz="2000" kern="1200">
-                <a:solidFill>
-                  <a:schemeClr val="tx1"/>
-                </a:solidFill>
-                <a:latin typeface="+mn-lt"/>
-                <a:ea typeface="+mn-ea"/>
-                <a:cs typeface="+mn-cs"/>
-              </a:defRPr>
-            </a:lvl5pPr>
-          </a:lstStyle>
-          <a:p>
-            <a:pPr marL="0" lvl="0" indent="0" eaLnBrk="1" hangingPunct="1">
-              <a:spcBef>
-                <a:spcPct val="0"/>
-              </a:spcBef>
-              <a:buNone/>
-            </a:pPr>
-            <a:endParaRPr lang="zh-CN" altLang="en-US" dirty="0">
-              <a:latin typeface="Arial" panose="020B0604020202090204" pitchFamily="34" charset="0"/>
-              <a:ea typeface="SimSun" pitchFamily="2" charset="-122"/>
-            </a:endParaRPr>
-          </a:p>
-        </p:txBody>
-      </p:sp>
-      <p:sp>
-        <p:nvSpPr>
-          <p:cNvPr id="39942" name="TextBox 1"/>
-          <p:cNvSpPr txBox="1"/>
-          <p:nvPr/>
-        </p:nvSpPr>
-        <p:spPr>
-          <a:xfrm>
-            <a:off x="450851" y="1397000"/>
-            <a:ext cx="468630" cy="1198880"/>
-          </a:xfrm>
-          <a:prstGeom prst="rect">
-            <a:avLst/>
-          </a:prstGeom>
-          <a:noFill/>
-          <a:ln w="9525">
-            <a:noFill/>
-          </a:ln>
-        </p:spPr>
-        <p:txBody>
-          <a:bodyPr wrap="none">
-            <a:spAutoFit/>
-          </a:bodyPr>
-          <a:lstStyle>
-            <a:lvl1pPr marL="342900" indent="-342900" algn="l" rtl="0" eaLnBrk="0" fontAlgn="base" hangingPunct="0">
-              <a:spcBef>
-                <a:spcPct val="20000"/>
-              </a:spcBef>
-              <a:spcAft>
-                <a:spcPct val="0"/>
-              </a:spcAft>
-              <a:buFont typeface="Arial" panose="020B0604020202090204" pitchFamily="34" charset="0"/>
-              <a:buChar char="•"/>
-              <a:defRPr sz="2400" kern="1200">
-                <a:solidFill>
-                  <a:schemeClr val="tx1"/>
-                </a:solidFill>
-                <a:latin typeface="+mn-lt"/>
-                <a:ea typeface="+mn-ea"/>
-                <a:cs typeface="+mn-cs"/>
-              </a:defRPr>
-            </a:lvl1pPr>
-            <a:lvl2pPr marL="742950" indent="-285750" algn="l" rtl="0" eaLnBrk="0" fontAlgn="base" hangingPunct="0">
-              <a:spcBef>
-                <a:spcPct val="20000"/>
-              </a:spcBef>
-              <a:spcAft>
-                <a:spcPct val="0"/>
-              </a:spcAft>
-              <a:buFont typeface="Arial" panose="020B0604020202090204" pitchFamily="34" charset="0"/>
-              <a:buChar char="–"/>
-              <a:defRPr sz="2400" kern="1200">
-                <a:solidFill>
-                  <a:schemeClr val="tx1"/>
-                </a:solidFill>
-                <a:latin typeface="+mn-lt"/>
-                <a:ea typeface="+mn-ea"/>
-                <a:cs typeface="+mn-cs"/>
-              </a:defRPr>
-            </a:lvl2pPr>
-            <a:lvl3pPr marL="1143000" indent="-228600" algn="l" rtl="0" eaLnBrk="0" fontAlgn="base" hangingPunct="0">
-              <a:spcBef>
-                <a:spcPct val="20000"/>
-              </a:spcBef>
-              <a:spcAft>
-                <a:spcPct val="0"/>
-              </a:spcAft>
-              <a:buFont typeface="Arial" panose="020B0604020202090204" pitchFamily="34" charset="0"/>
-              <a:buChar char="•"/>
-              <a:defRPr sz="2400" kern="1200">
-                <a:solidFill>
-                  <a:schemeClr val="tx1"/>
-                </a:solidFill>
-                <a:latin typeface="+mn-lt"/>
-                <a:ea typeface="+mn-ea"/>
-                <a:cs typeface="+mn-cs"/>
-              </a:defRPr>
-            </a:lvl3pPr>
-            <a:lvl4pPr marL="1600200" indent="-228600" algn="l" rtl="0" eaLnBrk="0" fontAlgn="base" hangingPunct="0">
-              <a:spcBef>
-                <a:spcPct val="20000"/>
-              </a:spcBef>
-              <a:spcAft>
-                <a:spcPct val="0"/>
-              </a:spcAft>
-              <a:buFont typeface="Arial" panose="020B0604020202090204" pitchFamily="34" charset="0"/>
-              <a:buChar char="–"/>
-              <a:defRPr sz="2000" kern="1200">
-                <a:solidFill>
-                  <a:schemeClr val="tx1"/>
-                </a:solidFill>
-                <a:latin typeface="+mn-lt"/>
-                <a:ea typeface="+mn-ea"/>
-                <a:cs typeface="+mn-cs"/>
-              </a:defRPr>
-            </a:lvl4pPr>
-            <a:lvl5pPr marL="2057400" indent="-228600" algn="l" rtl="0" eaLnBrk="0" fontAlgn="base" hangingPunct="0">
-              <a:spcBef>
-                <a:spcPct val="20000"/>
-              </a:spcBef>
-              <a:spcAft>
-                <a:spcPct val="0"/>
-              </a:spcAft>
-              <a:buFont typeface="Arial" panose="020B0604020202090204" pitchFamily="34" charset="0"/>
-              <a:buChar char="»"/>
-              <a:defRPr sz="2000" kern="1200">
-                <a:solidFill>
-                  <a:schemeClr val="tx1"/>
-                </a:solidFill>
-                <a:latin typeface="+mn-lt"/>
-                <a:ea typeface="+mn-ea"/>
-                <a:cs typeface="+mn-cs"/>
-              </a:defRPr>
-            </a:lvl5pPr>
-          </a:lstStyle>
-          <a:p>
-            <a:pPr marL="285750" lvl="0" indent="-285750" eaLnBrk="1" hangingPunct="1">
-              <a:spcBef>
-                <a:spcPct val="0"/>
-              </a:spcBef>
-              <a:buFont typeface="Wingdings" panose="05000000000000000000" pitchFamily="2" charset="2"/>
-              <a:buChar char="l"/>
-            </a:pPr>
-            <a:endParaRPr lang="en-US" altLang="zh-CN" dirty="0">
-              <a:latin typeface="Arial" panose="020B0604020202090204" pitchFamily="34" charset="0"/>
-              <a:ea typeface="SimSun" pitchFamily="2" charset="-122"/>
-            </a:endParaRPr>
-          </a:p>
-          <a:p>
-            <a:pPr marL="285750" lvl="0" indent="-285750" eaLnBrk="1" hangingPunct="1">
-              <a:spcBef>
-                <a:spcPct val="0"/>
-              </a:spcBef>
-              <a:buFont typeface="Wingdings" panose="05000000000000000000" pitchFamily="2" charset="2"/>
-              <a:buChar char="l"/>
-            </a:pPr>
-            <a:endParaRPr lang="en-US" altLang="zh-CN" dirty="0">
-              <a:latin typeface="Arial" panose="020B0604020202090204" pitchFamily="34" charset="0"/>
-              <a:ea typeface="SimSun" pitchFamily="2" charset="-122"/>
-            </a:endParaRPr>
-          </a:p>
-          <a:p>
-            <a:pPr marL="285750" lvl="0" indent="-285750" eaLnBrk="1" hangingPunct="1">
-              <a:spcBef>
-                <a:spcPct val="0"/>
-              </a:spcBef>
-              <a:buFont typeface="Wingdings" panose="05000000000000000000" pitchFamily="2" charset="2"/>
-              <a:buChar char="l"/>
-            </a:pPr>
-            <a:endParaRPr lang="en-US" altLang="zh-CN" dirty="0">
-              <a:latin typeface="Arial" panose="020B0604020202090204" pitchFamily="34" charset="0"/>
-              <a:ea typeface="SimSun" pitchFamily="2" charset="-122"/>
-            </a:endParaRPr>
-          </a:p>
-        </p:txBody>
-      </p:sp>
-      <p:sp>
-        <p:nvSpPr>
-          <p:cNvPr id="39943" name="TextBox 3"/>
-          <p:cNvSpPr txBox="1"/>
-          <p:nvPr/>
-        </p:nvSpPr>
-        <p:spPr>
-          <a:xfrm>
-            <a:off x="614045" y="1397000"/>
-            <a:ext cx="4191871" cy="4938147"/>
-          </a:xfrm>
-          <a:prstGeom prst="rect">
-            <a:avLst/>
-          </a:prstGeom>
-          <a:noFill/>
-          <a:ln w="9525">
-            <a:noFill/>
-          </a:ln>
-        </p:spPr>
-        <p:txBody>
-          <a:bodyPr wrap="square">
-            <a:spAutoFit/>
-          </a:bodyPr>
-          <a:lstStyle>
-            <a:lvl1pPr marL="342900" indent="-342900" algn="l" rtl="0" eaLnBrk="0" fontAlgn="base" hangingPunct="0">
-              <a:spcBef>
-                <a:spcPct val="20000"/>
-              </a:spcBef>
-              <a:spcAft>
-                <a:spcPct val="0"/>
-              </a:spcAft>
-              <a:buFont typeface="Arial" panose="020B0604020202090204" pitchFamily="34" charset="0"/>
-              <a:buChar char="•"/>
-              <a:defRPr sz="2400" kern="1200">
-                <a:solidFill>
-                  <a:schemeClr val="tx1"/>
-                </a:solidFill>
-                <a:latin typeface="+mn-lt"/>
-                <a:ea typeface="+mn-ea"/>
-                <a:cs typeface="+mn-cs"/>
-              </a:defRPr>
-            </a:lvl1pPr>
-            <a:lvl2pPr marL="742950" indent="-285750" algn="l" rtl="0" eaLnBrk="0" fontAlgn="base" hangingPunct="0">
-              <a:spcBef>
-                <a:spcPct val="20000"/>
-              </a:spcBef>
-              <a:spcAft>
-                <a:spcPct val="0"/>
-              </a:spcAft>
-              <a:buFont typeface="Arial" panose="020B0604020202090204" pitchFamily="34" charset="0"/>
-              <a:buChar char="–"/>
-              <a:defRPr sz="2400" kern="1200">
-                <a:solidFill>
-                  <a:schemeClr val="tx1"/>
-                </a:solidFill>
-                <a:latin typeface="+mn-lt"/>
-                <a:ea typeface="+mn-ea"/>
-                <a:cs typeface="+mn-cs"/>
-              </a:defRPr>
-            </a:lvl2pPr>
-            <a:lvl3pPr marL="1143000" indent="-228600" algn="l" rtl="0" eaLnBrk="0" fontAlgn="base" hangingPunct="0">
-              <a:spcBef>
-                <a:spcPct val="20000"/>
-              </a:spcBef>
-              <a:spcAft>
-                <a:spcPct val="0"/>
-              </a:spcAft>
-              <a:buFont typeface="Arial" panose="020B0604020202090204" pitchFamily="34" charset="0"/>
-              <a:buChar char="•"/>
-              <a:defRPr sz="2400" kern="1200">
-                <a:solidFill>
-                  <a:schemeClr val="tx1"/>
-                </a:solidFill>
-                <a:latin typeface="+mn-lt"/>
-                <a:ea typeface="+mn-ea"/>
-                <a:cs typeface="+mn-cs"/>
-              </a:defRPr>
-            </a:lvl3pPr>
-            <a:lvl4pPr marL="1600200" indent="-228600" algn="l" rtl="0" eaLnBrk="0" fontAlgn="base" hangingPunct="0">
-              <a:spcBef>
-                <a:spcPct val="20000"/>
-              </a:spcBef>
-              <a:spcAft>
-                <a:spcPct val="0"/>
-              </a:spcAft>
-              <a:buFont typeface="Arial" panose="020B0604020202090204" pitchFamily="34" charset="0"/>
-              <a:buChar char="–"/>
-              <a:defRPr sz="2000" kern="1200">
-                <a:solidFill>
-                  <a:schemeClr val="tx1"/>
-                </a:solidFill>
-                <a:latin typeface="+mn-lt"/>
-                <a:ea typeface="+mn-ea"/>
-                <a:cs typeface="+mn-cs"/>
-              </a:defRPr>
-            </a:lvl4pPr>
-            <a:lvl5pPr marL="2057400" indent="-228600" algn="l" rtl="0" eaLnBrk="0" fontAlgn="base" hangingPunct="0">
-              <a:spcBef>
-                <a:spcPct val="20000"/>
-              </a:spcBef>
-              <a:spcAft>
-                <a:spcPct val="0"/>
-              </a:spcAft>
-              <a:buFont typeface="Arial" panose="020B0604020202090204" pitchFamily="34" charset="0"/>
-              <a:buChar char="»"/>
-              <a:defRPr sz="2000" kern="1200">
-                <a:solidFill>
-                  <a:schemeClr val="tx1"/>
-                </a:solidFill>
-                <a:latin typeface="+mn-lt"/>
-                <a:ea typeface="+mn-ea"/>
-                <a:cs typeface="+mn-cs"/>
-              </a:defRPr>
-            </a:lvl5pPr>
-          </a:lstStyle>
-          <a:p>
-            <a:pPr lvl="0" algn="l" eaLnBrk="1" hangingPunct="1">
-              <a:lnSpc>
-                <a:spcPct val="200000"/>
-              </a:lnSpc>
-              <a:spcBef>
-                <a:spcPct val="0"/>
-              </a:spcBef>
-              <a:buFont typeface="Arial" panose="020B0604020202090204" pitchFamily="34" charset="0"/>
-              <a:buChar char="•"/>
-            </a:pPr>
-            <a:r>
-              <a:rPr lang="en-US" altLang="zh-CN" sz="1600" i="1" dirty="0" smtClean="0">
-                <a:sym typeface="+mn-ea"/>
-              </a:rPr>
-              <a:t>World</a:t>
-            </a:r>
-            <a:r>
-              <a:rPr lang="zh-CN" altLang="en-US" sz="1600" i="1" dirty="0" smtClean="0">
-                <a:sym typeface="+mn-ea"/>
-              </a:rPr>
-              <a:t> </a:t>
-            </a:r>
-            <a:r>
-              <a:rPr lang="en-US" altLang="zh-CN" sz="1600" i="1" dirty="0" smtClean="0">
-                <a:sym typeface="+mn-ea"/>
-              </a:rPr>
-              <a:t>wide</a:t>
-            </a:r>
-            <a:r>
-              <a:rPr lang="zh-CN" altLang="en-US" sz="1600" i="1" dirty="0">
-                <a:sym typeface="+mn-ea"/>
-              </a:rPr>
-              <a:t> </a:t>
-            </a:r>
-            <a:r>
-              <a:rPr lang="zh-CN" altLang="en-US" sz="1600" i="1" dirty="0" smtClean="0">
-                <a:sym typeface="+mn-ea"/>
-              </a:rPr>
-              <a:t>数据库</a:t>
-            </a:r>
-            <a:r>
-              <a:rPr lang="en-US" sz="1600" i="1" dirty="0" smtClean="0">
-                <a:sym typeface="+mn-ea"/>
-              </a:rPr>
-              <a:t> </a:t>
-            </a:r>
-          </a:p>
-          <a:p>
-            <a:pPr lvl="0" algn="l" eaLnBrk="1" hangingPunct="1">
-              <a:lnSpc>
-                <a:spcPct val="200000"/>
-              </a:lnSpc>
-              <a:spcBef>
-                <a:spcPct val="0"/>
-              </a:spcBef>
-              <a:buFont typeface="Arial" panose="020B0604020202090204" pitchFamily="34" charset="0"/>
-              <a:buChar char="•"/>
-            </a:pPr>
-            <a:r>
-              <a:rPr lang="zh-CN" altLang="en-US" sz="1600" i="1" dirty="0" smtClean="0">
-                <a:sym typeface="+mn-ea"/>
-              </a:rPr>
-              <a:t>节点</a:t>
-            </a:r>
-            <a:endParaRPr lang="en-US" altLang="zh-CN" sz="1600" i="1" dirty="0">
-              <a:sym typeface="+mn-ea"/>
-            </a:endParaRPr>
-          </a:p>
-          <a:p>
-            <a:pPr lvl="1" eaLnBrk="1" hangingPunct="1">
-              <a:lnSpc>
-                <a:spcPct val="200000"/>
-              </a:lnSpc>
-              <a:spcBef>
-                <a:spcPct val="0"/>
-              </a:spcBef>
-              <a:buFont typeface="Arial" panose="020B0604020202090204" pitchFamily="34" charset="0"/>
-              <a:buChar char="•"/>
-            </a:pPr>
-            <a:r>
-              <a:rPr lang="zh-CN" altLang="en-US" sz="1600" i="1" dirty="0" smtClean="0">
-                <a:sym typeface="+mn-ea"/>
-              </a:rPr>
-              <a:t>之间通过</a:t>
-            </a:r>
-            <a:r>
-              <a:rPr lang="en-US" altLang="zh-CN" sz="1600" i="1" dirty="0" smtClean="0">
-                <a:sym typeface="+mn-ea"/>
-              </a:rPr>
-              <a:t>P2p</a:t>
-            </a:r>
-            <a:r>
-              <a:rPr lang="zh-CN" altLang="en-US" sz="1600" i="1" dirty="0">
-                <a:sym typeface="+mn-ea"/>
-              </a:rPr>
-              <a:t>网络</a:t>
-            </a:r>
-            <a:r>
-              <a:rPr lang="zh-CN" altLang="en-US" sz="1600" i="1" dirty="0" smtClean="0">
-                <a:sym typeface="+mn-ea"/>
-              </a:rPr>
-              <a:t>连接 </a:t>
-            </a:r>
-            <a:r>
-              <a:rPr lang="en-US" altLang="zh-CN" sz="1600" i="1" dirty="0" smtClean="0">
-                <a:sym typeface="+mn-ea"/>
-              </a:rPr>
-              <a:t>(gossip,</a:t>
-            </a:r>
-            <a:r>
-              <a:rPr lang="zh-CN" altLang="en-US" sz="1600" i="1" dirty="0" smtClean="0">
-                <a:sym typeface="+mn-ea"/>
-              </a:rPr>
-              <a:t> </a:t>
-            </a:r>
-            <a:r>
-              <a:rPr lang="en-US" altLang="zh-CN" sz="1600" i="1" dirty="0" err="1" smtClean="0">
-                <a:sym typeface="+mn-ea"/>
-              </a:rPr>
-              <a:t>kad</a:t>
-            </a:r>
-            <a:r>
-              <a:rPr lang="en-US" altLang="zh-CN" sz="1600" i="1" dirty="0" smtClean="0">
-                <a:sym typeface="+mn-ea"/>
-              </a:rPr>
-              <a:t>)</a:t>
-            </a:r>
-            <a:endParaRPr lang="en-US" altLang="zh-CN" sz="1600" i="1" dirty="0">
-              <a:sym typeface="+mn-ea"/>
-            </a:endParaRPr>
-          </a:p>
-          <a:p>
-            <a:pPr lvl="1" eaLnBrk="1" hangingPunct="1">
-              <a:lnSpc>
-                <a:spcPct val="200000"/>
-              </a:lnSpc>
-              <a:spcBef>
-                <a:spcPct val="0"/>
-              </a:spcBef>
-              <a:buFont typeface="Arial" panose="020B0604020202090204" pitchFamily="34" charset="0"/>
-              <a:buChar char="•"/>
-            </a:pPr>
-            <a:r>
-              <a:rPr lang="zh-CN" altLang="en-US" sz="1600" i="1" dirty="0" smtClean="0">
-                <a:sym typeface="+mn-ea"/>
-              </a:rPr>
-              <a:t>有完全一样状态</a:t>
-            </a:r>
-            <a:endParaRPr lang="en-US" altLang="zh-CN" sz="1600" i="1" dirty="0" smtClean="0">
-              <a:sym typeface="+mn-ea"/>
-            </a:endParaRPr>
-          </a:p>
-          <a:p>
-            <a:pPr lvl="1" eaLnBrk="1" hangingPunct="1">
-              <a:lnSpc>
-                <a:spcPct val="200000"/>
-              </a:lnSpc>
-              <a:spcBef>
-                <a:spcPct val="0"/>
-              </a:spcBef>
-              <a:buFont typeface="Arial" panose="020B0604020202090204" pitchFamily="34" charset="0"/>
-              <a:buChar char="•"/>
-            </a:pPr>
-            <a:r>
-              <a:rPr lang="zh-CN" altLang="en-US" sz="1600" i="1" dirty="0" smtClean="0">
-                <a:sym typeface="+mn-ea"/>
-              </a:rPr>
-              <a:t>执行完全一样</a:t>
-            </a:r>
-            <a:r>
-              <a:rPr lang="en-US" altLang="zh-CN" sz="1600" i="1" dirty="0" smtClean="0">
-                <a:sym typeface="+mn-ea"/>
-              </a:rPr>
-              <a:t>transactions(block)</a:t>
-            </a:r>
-          </a:p>
-          <a:p>
-            <a:pPr lvl="1" eaLnBrk="1" hangingPunct="1">
-              <a:lnSpc>
-                <a:spcPct val="200000"/>
-              </a:lnSpc>
-              <a:spcBef>
-                <a:spcPct val="0"/>
-              </a:spcBef>
-              <a:buFont typeface="Arial" panose="020B0604020202090204" pitchFamily="34" charset="0"/>
-              <a:buChar char="•"/>
-            </a:pPr>
-            <a:r>
-              <a:rPr lang="zh-CN" altLang="en-US" sz="1600" i="1" dirty="0">
-                <a:sym typeface="+mn-ea"/>
-              </a:rPr>
-              <a:t>过渡到下一个完全</a:t>
-            </a:r>
-            <a:r>
-              <a:rPr lang="zh-CN" altLang="en-US" sz="1600" i="1" dirty="0" smtClean="0">
-                <a:sym typeface="+mn-ea"/>
-              </a:rPr>
-              <a:t>一样的状态</a:t>
-            </a:r>
-            <a:endParaRPr lang="en-US" sz="1600" i="1" dirty="0">
-              <a:sym typeface="+mn-ea"/>
-            </a:endParaRPr>
-          </a:p>
-          <a:p>
-            <a:pPr lvl="0" algn="l" eaLnBrk="1" hangingPunct="1">
-              <a:lnSpc>
-                <a:spcPct val="200000"/>
-              </a:lnSpc>
-              <a:spcBef>
-                <a:spcPct val="0"/>
-              </a:spcBef>
-              <a:buFont typeface="Arial" panose="020B0604020202090204" pitchFamily="34" charset="0"/>
-              <a:buChar char="•"/>
-            </a:pPr>
-            <a:r>
-              <a:rPr lang="en-US" sz="1600" i="1" dirty="0" smtClean="0">
-                <a:sym typeface="+mn-ea"/>
-              </a:rPr>
-              <a:t>提高了储存的成本</a:t>
-            </a:r>
-            <a:r>
-              <a:rPr lang="en-US" sz="1600" i="1" dirty="0">
-                <a:sym typeface="+mn-ea"/>
-              </a:rPr>
-              <a:t>，</a:t>
-            </a:r>
-          </a:p>
-          <a:p>
-            <a:pPr lvl="0" algn="l" eaLnBrk="1" hangingPunct="1">
-              <a:lnSpc>
-                <a:spcPct val="200000"/>
-              </a:lnSpc>
-              <a:spcBef>
-                <a:spcPct val="0"/>
-              </a:spcBef>
-              <a:buFont typeface="Arial" panose="020B0604020202090204" pitchFamily="34" charset="0"/>
-              <a:buChar char="•"/>
-            </a:pPr>
-            <a:r>
-              <a:rPr lang="en-US" sz="1600" i="1" dirty="0">
-                <a:sym typeface="+mn-ea"/>
-              </a:rPr>
-              <a:t>降低了记录的效率，</a:t>
-            </a:r>
-          </a:p>
-          <a:p>
-            <a:pPr lvl="0" algn="l" eaLnBrk="1" hangingPunct="1">
-              <a:lnSpc>
-                <a:spcPct val="200000"/>
-              </a:lnSpc>
-              <a:spcBef>
-                <a:spcPct val="0"/>
-              </a:spcBef>
-              <a:buFont typeface="Arial" panose="020B0604020202090204" pitchFamily="34" charset="0"/>
-              <a:buChar char="•"/>
-            </a:pPr>
-            <a:r>
-              <a:rPr lang="zh-CN" altLang="en-US" sz="1600" i="1" dirty="0">
-                <a:sym typeface="+mn-ea"/>
-              </a:rPr>
-              <a:t>但是</a:t>
-            </a:r>
-            <a:r>
-              <a:rPr lang="en-US" sz="1600" i="1" dirty="0">
-                <a:sym typeface="+mn-ea"/>
-              </a:rPr>
-              <a:t>达到了</a:t>
-            </a:r>
-            <a:r>
-              <a:rPr lang="zh-CN" altLang="en-US" sz="1600" i="1" dirty="0">
-                <a:sym typeface="+mn-ea"/>
-              </a:rPr>
-              <a:t>一致性，从而</a:t>
-            </a:r>
-            <a:r>
-              <a:rPr lang="en-US" sz="1600" i="1" dirty="0">
-                <a:sym typeface="+mn-ea"/>
-              </a:rPr>
-              <a:t>保障网络信任的目的</a:t>
-            </a:r>
-            <a:endParaRPr lang="en-US" altLang="en-US" sz="1600" i="1" dirty="0">
-              <a:latin typeface="Arial" panose="020B0604020202090204" pitchFamily="34" charset="0"/>
-              <a:ea typeface="SimSun" pitchFamily="2" charset="-122"/>
-              <a:sym typeface="+mn-ea"/>
-            </a:endParaRPr>
-          </a:p>
-        </p:txBody>
-      </p:sp>
-      <p:cxnSp>
-        <p:nvCxnSpPr>
-          <p:cNvPr id="14" name="Straight Arrow Connector 13"/>
-          <p:cNvCxnSpPr>
-            <a:endCxn id="23" idx="0"/>
-          </p:cNvCxnSpPr>
-          <p:nvPr/>
-        </p:nvCxnSpPr>
-        <p:spPr>
-          <a:xfrm>
-            <a:off x="9268784" y="3794742"/>
-            <a:ext cx="1697392" cy="913363"/>
-          </a:xfrm>
-          <a:prstGeom prst="straightConnector1">
-            <a:avLst/>
-          </a:prstGeom>
-          <a:ln>
-            <a:headEnd type="arrow"/>
-            <a:tailEnd type="arrow"/>
-          </a:ln>
-        </p:spPr>
-        <p:style>
-          <a:lnRef idx="1">
-            <a:schemeClr val="accent1"/>
-          </a:lnRef>
-          <a:fillRef idx="0">
-            <a:schemeClr val="accent1"/>
-          </a:fillRef>
-          <a:effectRef idx="0">
-            <a:schemeClr val="accent1"/>
-          </a:effectRef>
-          <a:fontRef idx="minor">
-            <a:schemeClr val="tx1"/>
-          </a:fontRef>
-        </p:style>
-      </p:cxnSp>
-      <p:cxnSp>
-        <p:nvCxnSpPr>
-          <p:cNvPr id="15" name="Straight Arrow Connector 14"/>
-          <p:cNvCxnSpPr>
-            <a:endCxn id="20" idx="0"/>
-          </p:cNvCxnSpPr>
-          <p:nvPr/>
-        </p:nvCxnSpPr>
-        <p:spPr>
-          <a:xfrm>
-            <a:off x="6436086" y="5449319"/>
-            <a:ext cx="1255395" cy="1080601"/>
-          </a:xfrm>
-          <a:prstGeom prst="straightConnector1">
-            <a:avLst/>
-          </a:prstGeom>
-          <a:ln>
-            <a:headEnd type="arrow"/>
-            <a:tailEnd type="arrow"/>
-          </a:ln>
-        </p:spPr>
-        <p:style>
-          <a:lnRef idx="1">
-            <a:schemeClr val="accent1"/>
-          </a:lnRef>
-          <a:fillRef idx="0">
-            <a:schemeClr val="accent1"/>
-          </a:fillRef>
-          <a:effectRef idx="0">
-            <a:schemeClr val="accent1"/>
-          </a:effectRef>
-          <a:fontRef idx="minor">
-            <a:schemeClr val="tx1"/>
-          </a:fontRef>
-        </p:style>
-      </p:cxnSp>
-      <p:cxnSp>
-        <p:nvCxnSpPr>
-          <p:cNvPr id="17" name="Straight Arrow Connector 16"/>
-          <p:cNvCxnSpPr>
-            <a:stCxn id="23" idx="2"/>
-          </p:cNvCxnSpPr>
-          <p:nvPr/>
-        </p:nvCxnSpPr>
-        <p:spPr>
-          <a:xfrm flipH="1">
-            <a:off x="9792696" y="5449319"/>
-            <a:ext cx="1173480" cy="1080601"/>
-          </a:xfrm>
-          <a:prstGeom prst="straightConnector1">
-            <a:avLst/>
-          </a:prstGeom>
-          <a:ln>
-            <a:headEnd type="arrow"/>
-            <a:tailEnd type="arrow"/>
-          </a:ln>
-        </p:spPr>
-        <p:style>
-          <a:lnRef idx="1">
-            <a:schemeClr val="accent1"/>
-          </a:lnRef>
-          <a:fillRef idx="0">
-            <a:schemeClr val="accent1"/>
-          </a:fillRef>
-          <a:effectRef idx="0">
-            <a:schemeClr val="accent1"/>
-          </a:effectRef>
-          <a:fontRef idx="minor">
-            <a:schemeClr val="tx1"/>
-          </a:fontRef>
-        </p:style>
-      </p:cxnSp>
-      <p:cxnSp>
-        <p:nvCxnSpPr>
-          <p:cNvPr id="19" name="Straight Arrow Connector 18"/>
-          <p:cNvCxnSpPr>
-            <a:stCxn id="23" idx="1"/>
-          </p:cNvCxnSpPr>
-          <p:nvPr/>
-        </p:nvCxnSpPr>
-        <p:spPr>
-          <a:xfrm flipH="1">
-            <a:off x="6935159" y="5078712"/>
-            <a:ext cx="3531943" cy="0"/>
-          </a:xfrm>
-          <a:prstGeom prst="straightConnector1">
-            <a:avLst/>
-          </a:prstGeom>
-          <a:ln>
-            <a:headEnd type="arrow"/>
-            <a:tailEnd type="arrow"/>
-          </a:ln>
-        </p:spPr>
-        <p:style>
-          <a:lnRef idx="1">
-            <a:schemeClr val="accent1"/>
-          </a:lnRef>
-          <a:fillRef idx="0">
-            <a:schemeClr val="accent1"/>
-          </a:fillRef>
-          <a:effectRef idx="0">
-            <a:schemeClr val="accent1"/>
-          </a:effectRef>
-          <a:fontRef idx="minor">
-            <a:schemeClr val="tx1"/>
-          </a:fontRef>
-        </p:style>
-      </p:cxnSp>
-      <p:cxnSp>
-        <p:nvCxnSpPr>
-          <p:cNvPr id="20" name="Straight Arrow Connector 19"/>
-          <p:cNvCxnSpPr>
-            <a:stCxn id="23" idx="1"/>
-            <a:endCxn id="20" idx="0"/>
-          </p:cNvCxnSpPr>
-          <p:nvPr/>
-        </p:nvCxnSpPr>
-        <p:spPr>
-          <a:xfrm flipH="1">
-            <a:off x="7691481" y="5078712"/>
-            <a:ext cx="2775621" cy="1451208"/>
-          </a:xfrm>
-          <a:prstGeom prst="straightConnector1">
-            <a:avLst/>
-          </a:prstGeom>
-          <a:ln>
-            <a:headEnd type="arrow"/>
-            <a:tailEnd type="arrow"/>
-          </a:ln>
-        </p:spPr>
-        <p:style>
-          <a:lnRef idx="1">
-            <a:schemeClr val="accent1"/>
-          </a:lnRef>
-          <a:fillRef idx="0">
-            <a:schemeClr val="accent1"/>
-          </a:fillRef>
-          <a:effectRef idx="0">
-            <a:schemeClr val="accent1"/>
-          </a:effectRef>
-          <a:fontRef idx="minor">
-            <a:schemeClr val="tx1"/>
-          </a:fontRef>
-        </p:style>
-      </p:cxnSp>
-      <p:cxnSp>
-        <p:nvCxnSpPr>
-          <p:cNvPr id="23" name="Straight Arrow Connector 22"/>
-          <p:cNvCxnSpPr/>
-          <p:nvPr/>
-        </p:nvCxnSpPr>
-        <p:spPr>
-          <a:xfrm>
-            <a:off x="6935159" y="5078712"/>
-            <a:ext cx="2857537" cy="1451208"/>
-          </a:xfrm>
-          <a:prstGeom prst="straightConnector1">
-            <a:avLst/>
-          </a:prstGeom>
-          <a:ln>
-            <a:headEnd type="arrow"/>
-            <a:tailEnd type="arrow"/>
-          </a:ln>
-        </p:spPr>
-        <p:style>
-          <a:lnRef idx="1">
-            <a:schemeClr val="accent1"/>
-          </a:lnRef>
-          <a:fillRef idx="0">
-            <a:schemeClr val="accent1"/>
-          </a:fillRef>
-          <a:effectRef idx="0">
-            <a:schemeClr val="accent1"/>
-          </a:effectRef>
-          <a:fontRef idx="minor">
-            <a:schemeClr val="tx1"/>
-          </a:fontRef>
-        </p:style>
-      </p:cxnSp>
-      <p:grpSp>
-        <p:nvGrpSpPr>
-          <p:cNvPr id="58" name="Group 57"/>
-          <p:cNvGrpSpPr/>
-          <p:nvPr/>
-        </p:nvGrpSpPr>
-        <p:grpSpPr>
-          <a:xfrm>
-            <a:off x="7501659" y="1272208"/>
-            <a:ext cx="1767125" cy="1323672"/>
-            <a:chOff x="4230903" y="984099"/>
-            <a:chExt cx="1767125" cy="1323672"/>
-          </a:xfrm>
-        </p:grpSpPr>
-        <p:sp>
-          <p:nvSpPr>
-            <p:cNvPr id="12" name="圆角矩形 10"/>
-            <p:cNvSpPr/>
-            <p:nvPr/>
-          </p:nvSpPr>
-          <p:spPr>
-            <a:xfrm>
-              <a:off x="4230903" y="984099"/>
-              <a:ext cx="1767125" cy="1323672"/>
-            </a:xfrm>
-            <a:prstGeom prst="roundRect">
-              <a:avLst/>
-            </a:prstGeom>
-            <a:solidFill>
-              <a:schemeClr val="accent1">
-                <a:lumMod val="20000"/>
-                <a:lumOff val="80000"/>
-              </a:schemeClr>
-            </a:solidFill>
-            <a:ln>
-              <a:noFill/>
-            </a:ln>
-          </p:spPr>
-          <p:style>
-            <a:lnRef idx="2">
-              <a:schemeClr val="accent1">
-                <a:shade val="50000"/>
-              </a:schemeClr>
-            </a:lnRef>
-            <a:fillRef idx="1">
-              <a:schemeClr val="accent1"/>
-            </a:fillRef>
-            <a:effectRef idx="0">
-              <a:schemeClr val="accent1"/>
-            </a:effectRef>
-            <a:fontRef idx="minor">
-              <a:schemeClr val="lt1"/>
-            </a:fontRef>
-          </p:style>
-          <p:txBody>
-            <a:bodyPr rtlCol="0" anchor="ctr"/>
-            <a:lstStyle/>
-            <a:p>
-              <a:pPr algn="ctr"/>
-              <a:endParaRPr kumimoji="1" lang="en-US" altLang="zh-CN" sz="1100" dirty="0">
-                <a:latin typeface="Microsoft YaHei" charset="-122"/>
-                <a:ea typeface="Microsoft YaHei" charset="-122"/>
-                <a:cs typeface="Microsoft YaHei" charset="-122"/>
-              </a:endParaRPr>
-            </a:p>
-          </p:txBody>
-        </p:sp>
-        <p:sp>
-          <p:nvSpPr>
-            <p:cNvPr id="51" name="圆角矩形 10"/>
-            <p:cNvSpPr/>
-            <p:nvPr/>
-          </p:nvSpPr>
-          <p:spPr>
-            <a:xfrm>
-              <a:off x="5159166" y="1898752"/>
-              <a:ext cx="721996" cy="233214"/>
-            </a:xfrm>
-            <a:prstGeom prst="roundRect">
-              <a:avLst/>
-            </a:prstGeom>
-            <a:solidFill>
-              <a:schemeClr val="accent1">
-                <a:lumMod val="60000"/>
-                <a:lumOff val="40000"/>
-              </a:schemeClr>
-            </a:solidFill>
-            <a:ln>
-              <a:noFill/>
-            </a:ln>
-          </p:spPr>
-          <p:style>
-            <a:lnRef idx="2">
-              <a:schemeClr val="accent1">
-                <a:shade val="50000"/>
-              </a:schemeClr>
-            </a:lnRef>
-            <a:fillRef idx="1">
-              <a:schemeClr val="accent1"/>
-            </a:fillRef>
-            <a:effectRef idx="0">
-              <a:schemeClr val="accent1"/>
-            </a:effectRef>
-            <a:fontRef idx="minor">
-              <a:schemeClr val="lt1"/>
-            </a:fontRef>
-          </p:style>
-          <p:txBody>
-            <a:bodyPr rtlCol="0" anchor="ctr"/>
-            <a:lstStyle/>
-            <a:p>
-              <a:pPr algn="ctr"/>
-              <a:r>
-                <a:rPr kumimoji="1" lang="en-US" altLang="zh-CN" sz="1200" dirty="0" smtClean="0">
-                  <a:latin typeface="Microsoft YaHei" charset="-122"/>
-                  <a:ea typeface="Microsoft YaHei" charset="-122"/>
-                  <a:cs typeface="Microsoft YaHei" charset="-122"/>
-                </a:rPr>
-                <a:t>State</a:t>
-              </a:r>
-              <a:r>
-                <a:rPr kumimoji="1" lang="zh-CN" altLang="en-US" sz="1200" dirty="0" smtClean="0">
-                  <a:latin typeface="Microsoft YaHei" charset="-122"/>
-                  <a:ea typeface="Microsoft YaHei" charset="-122"/>
-                  <a:cs typeface="Microsoft YaHei" charset="-122"/>
-                </a:rPr>
-                <a:t> </a:t>
-              </a:r>
-              <a:r>
-                <a:rPr kumimoji="1" lang="en-US" altLang="zh-CN" sz="1200" dirty="0" smtClean="0">
-                  <a:latin typeface="Microsoft YaHei" charset="-122"/>
-                  <a:ea typeface="Microsoft YaHei" charset="-122"/>
-                  <a:cs typeface="Microsoft YaHei" charset="-122"/>
-                </a:rPr>
-                <a:t>0</a:t>
-              </a:r>
-              <a:endParaRPr kumimoji="1" lang="en-US" altLang="zh-CN" sz="1200" dirty="0">
-                <a:latin typeface="Microsoft YaHei" charset="-122"/>
-                <a:ea typeface="Microsoft YaHei" charset="-122"/>
-                <a:cs typeface="Microsoft YaHei" charset="-122"/>
-              </a:endParaRPr>
-            </a:p>
-          </p:txBody>
-        </p:sp>
-        <p:sp>
-          <p:nvSpPr>
-            <p:cNvPr id="52" name="圆角矩形 10"/>
-            <p:cNvSpPr/>
-            <p:nvPr/>
-          </p:nvSpPr>
-          <p:spPr>
-            <a:xfrm>
-              <a:off x="5159514" y="1639409"/>
-              <a:ext cx="721996" cy="233214"/>
-            </a:xfrm>
-            <a:prstGeom prst="roundRect">
-              <a:avLst/>
-            </a:prstGeom>
-            <a:solidFill>
-              <a:schemeClr val="accent1">
-                <a:lumMod val="60000"/>
-                <a:lumOff val="40000"/>
-              </a:schemeClr>
-            </a:solidFill>
-            <a:ln>
-              <a:noFill/>
-            </a:ln>
-          </p:spPr>
-          <p:style>
-            <a:lnRef idx="2">
-              <a:schemeClr val="accent1">
-                <a:shade val="50000"/>
-              </a:schemeClr>
-            </a:lnRef>
-            <a:fillRef idx="1">
-              <a:schemeClr val="accent1"/>
-            </a:fillRef>
-            <a:effectRef idx="0">
-              <a:schemeClr val="accent1"/>
-            </a:effectRef>
-            <a:fontRef idx="minor">
-              <a:schemeClr val="lt1"/>
-            </a:fontRef>
-          </p:style>
-          <p:txBody>
-            <a:bodyPr rtlCol="0" anchor="ctr"/>
-            <a:lstStyle/>
-            <a:p>
-              <a:pPr algn="ctr"/>
-              <a:r>
-                <a:rPr kumimoji="1" lang="en-US" altLang="zh-CN" sz="1200" dirty="0" smtClean="0">
-                  <a:latin typeface="Microsoft YaHei" charset="-122"/>
-                  <a:ea typeface="Microsoft YaHei" charset="-122"/>
-                  <a:cs typeface="Microsoft YaHei" charset="-122"/>
-                </a:rPr>
-                <a:t>State</a:t>
-              </a:r>
-              <a:r>
-                <a:rPr kumimoji="1" lang="zh-CN" altLang="en-US" sz="1200" dirty="0" smtClean="0">
-                  <a:latin typeface="Microsoft YaHei" charset="-122"/>
-                  <a:ea typeface="Microsoft YaHei" charset="-122"/>
-                  <a:cs typeface="Microsoft YaHei" charset="-122"/>
-                </a:rPr>
-                <a:t> </a:t>
-              </a:r>
-              <a:r>
-                <a:rPr kumimoji="1" lang="en-US" altLang="zh-CN" sz="1200" dirty="0">
-                  <a:latin typeface="Microsoft YaHei" charset="-122"/>
-                  <a:ea typeface="Microsoft YaHei" charset="-122"/>
-                  <a:cs typeface="Microsoft YaHei" charset="-122"/>
-                </a:rPr>
-                <a:t>1</a:t>
-              </a:r>
-              <a:endParaRPr kumimoji="1" lang="en-US" altLang="zh-CN" sz="1200" dirty="0">
-                <a:latin typeface="Microsoft YaHei" charset="-122"/>
-                <a:ea typeface="Microsoft YaHei" charset="-122"/>
-                <a:cs typeface="Microsoft YaHei" charset="-122"/>
-              </a:endParaRPr>
-            </a:p>
-          </p:txBody>
-        </p:sp>
-        <p:sp>
-          <p:nvSpPr>
-            <p:cNvPr id="53" name="圆角矩形 10"/>
-            <p:cNvSpPr/>
-            <p:nvPr/>
-          </p:nvSpPr>
-          <p:spPr>
-            <a:xfrm>
-              <a:off x="5159166" y="1197405"/>
-              <a:ext cx="721996" cy="233214"/>
-            </a:xfrm>
-            <a:prstGeom prst="roundRect">
-              <a:avLst/>
-            </a:prstGeom>
-            <a:solidFill>
-              <a:srgbClr val="00B0F0"/>
-            </a:solidFill>
-            <a:ln>
-              <a:noFill/>
-            </a:ln>
-          </p:spPr>
-          <p:style>
-            <a:lnRef idx="2">
-              <a:schemeClr val="accent1">
-                <a:shade val="50000"/>
-              </a:schemeClr>
-            </a:lnRef>
-            <a:fillRef idx="1">
-              <a:schemeClr val="accent1"/>
-            </a:fillRef>
-            <a:effectRef idx="0">
-              <a:schemeClr val="accent1"/>
-            </a:effectRef>
-            <a:fontRef idx="minor">
-              <a:schemeClr val="lt1"/>
-            </a:fontRef>
-          </p:style>
-          <p:txBody>
-            <a:bodyPr rtlCol="0" anchor="ctr"/>
-            <a:lstStyle/>
-            <a:p>
-              <a:pPr algn="ctr"/>
-              <a:r>
-                <a:rPr kumimoji="1" lang="en-US" altLang="zh-CN" sz="1200" dirty="0" smtClean="0">
-                  <a:latin typeface="Microsoft YaHei" charset="-122"/>
-                  <a:ea typeface="Microsoft YaHei" charset="-122"/>
-                  <a:cs typeface="Microsoft YaHei" charset="-122"/>
-                </a:rPr>
-                <a:t>State</a:t>
-              </a:r>
-              <a:r>
-                <a:rPr kumimoji="1" lang="zh-CN" altLang="en-US" sz="1200" dirty="0" smtClean="0">
-                  <a:latin typeface="Microsoft YaHei" charset="-122"/>
-                  <a:ea typeface="Microsoft YaHei" charset="-122"/>
-                  <a:cs typeface="Microsoft YaHei" charset="-122"/>
-                </a:rPr>
-                <a:t> </a:t>
-              </a:r>
-              <a:r>
-                <a:rPr kumimoji="1" lang="en-US" altLang="zh-CN" sz="1200" dirty="0">
-                  <a:latin typeface="Microsoft YaHei" charset="-122"/>
-                  <a:ea typeface="Microsoft YaHei" charset="-122"/>
-                  <a:cs typeface="Microsoft YaHei" charset="-122"/>
-                </a:rPr>
-                <a:t>n</a:t>
-              </a:r>
-              <a:endParaRPr kumimoji="1" lang="en-US" altLang="zh-CN" sz="1200" dirty="0">
-                <a:latin typeface="Microsoft YaHei" charset="-122"/>
-                <a:ea typeface="Microsoft YaHei" charset="-122"/>
-                <a:cs typeface="Microsoft YaHei" charset="-122"/>
-              </a:endParaRPr>
-            </a:p>
-          </p:txBody>
-        </p:sp>
-        <p:sp>
-          <p:nvSpPr>
-            <p:cNvPr id="57" name="TextBox 56"/>
-            <p:cNvSpPr txBox="1"/>
-            <p:nvPr/>
-          </p:nvSpPr>
-          <p:spPr>
-            <a:xfrm>
-              <a:off x="5333999" y="1295398"/>
-              <a:ext cx="343364" cy="369332"/>
-            </a:xfrm>
-            <a:prstGeom prst="rect">
-              <a:avLst/>
-            </a:prstGeom>
-            <a:noFill/>
-          </p:spPr>
-          <p:txBody>
-            <a:bodyPr wrap="none" rtlCol="0">
-              <a:spAutoFit/>
-            </a:bodyPr>
-            <a:lstStyle/>
-            <a:p>
-              <a:r>
-                <a:rPr lang="mr-IN" altLang="zh-CN" smtClean="0"/>
-                <a:t>…</a:t>
-              </a:r>
-              <a:endParaRPr lang="en-US" dirty="0"/>
-            </a:p>
-          </p:txBody>
-        </p:sp>
-        <p:sp>
-          <p:nvSpPr>
-            <p:cNvPr id="64" name="圆角矩形 10"/>
-            <p:cNvSpPr/>
-            <p:nvPr/>
-          </p:nvSpPr>
-          <p:spPr>
-            <a:xfrm>
-              <a:off x="4380446" y="1898752"/>
-              <a:ext cx="721996" cy="233214"/>
-            </a:xfrm>
-            <a:prstGeom prst="roundRect">
-              <a:avLst/>
-            </a:prstGeom>
-            <a:solidFill>
-              <a:srgbClr val="00B0F0"/>
-            </a:solidFill>
-            <a:ln>
-              <a:noFill/>
-            </a:ln>
-          </p:spPr>
-          <p:style>
-            <a:lnRef idx="2">
-              <a:schemeClr val="accent1">
-                <a:shade val="50000"/>
-              </a:schemeClr>
-            </a:lnRef>
-            <a:fillRef idx="1">
-              <a:schemeClr val="accent1"/>
-            </a:fillRef>
-            <a:effectRef idx="0">
-              <a:schemeClr val="accent1"/>
-            </a:effectRef>
-            <a:fontRef idx="minor">
-              <a:schemeClr val="lt1"/>
-            </a:fontRef>
-          </p:style>
-          <p:txBody>
-            <a:bodyPr rtlCol="0" anchor="ctr"/>
-            <a:lstStyle/>
-            <a:p>
-              <a:pPr algn="ctr"/>
-              <a:r>
-                <a:rPr kumimoji="1" lang="en-US" altLang="zh-CN" sz="1100" dirty="0" smtClean="0">
-                  <a:latin typeface="Microsoft YaHei" charset="-122"/>
-                  <a:ea typeface="Microsoft YaHei" charset="-122"/>
-                  <a:cs typeface="Microsoft YaHei" charset="-122"/>
-                </a:rPr>
-                <a:t>Block</a:t>
-              </a:r>
-              <a:r>
-                <a:rPr kumimoji="1" lang="zh-CN" altLang="en-US" sz="1100" dirty="0" smtClean="0">
-                  <a:latin typeface="Microsoft YaHei" charset="-122"/>
-                  <a:ea typeface="Microsoft YaHei" charset="-122"/>
-                  <a:cs typeface="Microsoft YaHei" charset="-122"/>
-                </a:rPr>
-                <a:t> </a:t>
-              </a:r>
-              <a:r>
-                <a:rPr kumimoji="1" lang="en-US" altLang="zh-CN" sz="1100" dirty="0" smtClean="0">
-                  <a:latin typeface="Microsoft YaHei" charset="-122"/>
-                  <a:ea typeface="Microsoft YaHei" charset="-122"/>
-                  <a:cs typeface="Microsoft YaHei" charset="-122"/>
-                </a:rPr>
-                <a:t>0</a:t>
-              </a:r>
-              <a:endParaRPr kumimoji="1" lang="en-US" altLang="zh-CN" sz="1100" dirty="0">
-                <a:latin typeface="Microsoft YaHei" charset="-122"/>
-                <a:ea typeface="Microsoft YaHei" charset="-122"/>
-                <a:cs typeface="Microsoft YaHei" charset="-122"/>
-              </a:endParaRPr>
-            </a:p>
-          </p:txBody>
-        </p:sp>
-        <p:sp>
-          <p:nvSpPr>
-            <p:cNvPr id="65" name="圆角矩形 10"/>
-            <p:cNvSpPr/>
-            <p:nvPr/>
-          </p:nvSpPr>
-          <p:spPr>
-            <a:xfrm>
-              <a:off x="4380794" y="1639409"/>
-              <a:ext cx="721996" cy="233214"/>
-            </a:xfrm>
-            <a:prstGeom prst="roundRect">
-              <a:avLst/>
-            </a:prstGeom>
-            <a:solidFill>
-              <a:srgbClr val="00B0F0"/>
-            </a:solidFill>
-            <a:ln>
-              <a:noFill/>
-            </a:ln>
-          </p:spPr>
-          <p:style>
-            <a:lnRef idx="2">
-              <a:schemeClr val="accent1">
-                <a:shade val="50000"/>
-              </a:schemeClr>
-            </a:lnRef>
-            <a:fillRef idx="1">
-              <a:schemeClr val="accent1"/>
-            </a:fillRef>
-            <a:effectRef idx="0">
-              <a:schemeClr val="accent1"/>
-            </a:effectRef>
-            <a:fontRef idx="minor">
-              <a:schemeClr val="lt1"/>
-            </a:fontRef>
-          </p:style>
-          <p:txBody>
-            <a:bodyPr rtlCol="0" anchor="ctr"/>
-            <a:lstStyle/>
-            <a:p>
-              <a:pPr algn="ctr"/>
-              <a:r>
-                <a:rPr kumimoji="1" lang="en-US" altLang="zh-CN" sz="1100" dirty="0" smtClean="0">
-                  <a:latin typeface="Microsoft YaHei" charset="-122"/>
-                  <a:ea typeface="Microsoft YaHei" charset="-122"/>
-                  <a:cs typeface="Microsoft YaHei" charset="-122"/>
-                </a:rPr>
-                <a:t>Block</a:t>
-              </a:r>
-              <a:r>
-                <a:rPr kumimoji="1" lang="zh-CN" altLang="en-US" sz="1100" dirty="0" smtClean="0">
-                  <a:latin typeface="Microsoft YaHei" charset="-122"/>
-                  <a:ea typeface="Microsoft YaHei" charset="-122"/>
-                  <a:cs typeface="Microsoft YaHei" charset="-122"/>
-                </a:rPr>
-                <a:t> </a:t>
-              </a:r>
-              <a:r>
-                <a:rPr kumimoji="1" lang="en-US" altLang="zh-CN" sz="1100" dirty="0" smtClean="0">
-                  <a:latin typeface="Microsoft YaHei" charset="-122"/>
-                  <a:ea typeface="Microsoft YaHei" charset="-122"/>
-                  <a:cs typeface="Microsoft YaHei" charset="-122"/>
-                </a:rPr>
-                <a:t>1</a:t>
-              </a:r>
-              <a:endParaRPr kumimoji="1" lang="en-US" altLang="zh-CN" sz="1100" dirty="0">
-                <a:latin typeface="Microsoft YaHei" charset="-122"/>
-                <a:ea typeface="Microsoft YaHei" charset="-122"/>
-                <a:cs typeface="Microsoft YaHei" charset="-122"/>
-              </a:endParaRPr>
-            </a:p>
-          </p:txBody>
-        </p:sp>
-        <p:sp>
-          <p:nvSpPr>
-            <p:cNvPr id="66" name="圆角矩形 10"/>
-            <p:cNvSpPr/>
-            <p:nvPr/>
-          </p:nvSpPr>
-          <p:spPr>
-            <a:xfrm>
-              <a:off x="4380446" y="1197405"/>
-              <a:ext cx="721996" cy="233214"/>
-            </a:xfrm>
-            <a:prstGeom prst="roundRect">
-              <a:avLst/>
-            </a:prstGeom>
-            <a:solidFill>
-              <a:srgbClr val="00B0F0"/>
-            </a:solidFill>
-            <a:ln>
-              <a:noFill/>
-            </a:ln>
-          </p:spPr>
-          <p:style>
-            <a:lnRef idx="2">
-              <a:schemeClr val="accent1">
-                <a:shade val="50000"/>
-              </a:schemeClr>
-            </a:lnRef>
-            <a:fillRef idx="1">
-              <a:schemeClr val="accent1"/>
-            </a:fillRef>
-            <a:effectRef idx="0">
-              <a:schemeClr val="accent1"/>
-            </a:effectRef>
-            <a:fontRef idx="minor">
-              <a:schemeClr val="lt1"/>
-            </a:fontRef>
-          </p:style>
-          <p:txBody>
-            <a:bodyPr rtlCol="0" anchor="ctr"/>
-            <a:lstStyle/>
-            <a:p>
-              <a:pPr algn="ctr"/>
-              <a:r>
-                <a:rPr kumimoji="1" lang="en-US" altLang="zh-CN" sz="1100" dirty="0" smtClean="0">
-                  <a:latin typeface="Microsoft YaHei" charset="-122"/>
-                  <a:ea typeface="Microsoft YaHei" charset="-122"/>
-                  <a:cs typeface="Microsoft YaHei" charset="-122"/>
-                </a:rPr>
-                <a:t>Block</a:t>
-              </a:r>
-              <a:r>
-                <a:rPr kumimoji="1" lang="zh-CN" altLang="en-US" sz="1100" dirty="0" smtClean="0">
-                  <a:latin typeface="Microsoft YaHei" charset="-122"/>
-                  <a:ea typeface="Microsoft YaHei" charset="-122"/>
-                  <a:cs typeface="Microsoft YaHei" charset="-122"/>
-                </a:rPr>
-                <a:t> </a:t>
-              </a:r>
-              <a:r>
-                <a:rPr kumimoji="1" lang="en-US" altLang="zh-CN" sz="1100" dirty="0" smtClean="0">
-                  <a:latin typeface="Microsoft YaHei" charset="-122"/>
-                  <a:ea typeface="Microsoft YaHei" charset="-122"/>
-                  <a:cs typeface="Microsoft YaHei" charset="-122"/>
-                </a:rPr>
-                <a:t>n</a:t>
-              </a:r>
-              <a:endParaRPr kumimoji="1" lang="en-US" altLang="zh-CN" sz="1100" dirty="0">
-                <a:latin typeface="Microsoft YaHei" charset="-122"/>
-                <a:ea typeface="Microsoft YaHei" charset="-122"/>
-                <a:cs typeface="Microsoft YaHei" charset="-122"/>
-              </a:endParaRPr>
-            </a:p>
-          </p:txBody>
-        </p:sp>
-        <p:sp>
-          <p:nvSpPr>
-            <p:cNvPr id="67" name="TextBox 66"/>
-            <p:cNvSpPr txBox="1"/>
-            <p:nvPr/>
-          </p:nvSpPr>
-          <p:spPr>
-            <a:xfrm>
-              <a:off x="4555279" y="1295398"/>
-              <a:ext cx="343364" cy="369332"/>
-            </a:xfrm>
-            <a:prstGeom prst="rect">
-              <a:avLst/>
-            </a:prstGeom>
-            <a:noFill/>
-          </p:spPr>
-          <p:txBody>
-            <a:bodyPr wrap="none" rtlCol="0">
-              <a:spAutoFit/>
-            </a:bodyPr>
-            <a:lstStyle/>
-            <a:p>
-              <a:r>
-                <a:rPr lang="mr-IN" altLang="zh-CN" smtClean="0"/>
-                <a:t>…</a:t>
-              </a:r>
-              <a:endParaRPr lang="en-US" dirty="0"/>
-            </a:p>
-          </p:txBody>
-        </p:sp>
-      </p:grpSp>
-    </p:spTree>
-    <p:extLst>
-      <p:ext uri="{BB962C8B-B14F-4D97-AF65-F5344CB8AC3E}">
-        <p14:creationId xmlns:p14="http://schemas.microsoft.com/office/powerpoint/2010/main" val="903030471"/>
-      </p:ext>
-    </p:extLst>
   </p:cSld>
   <p:clrMapOvr>
     <a:masterClrMapping/>
@@ -21641,6 +21845,11 @@
               </a:rPr>
               <a:t>Node</a:t>
             </a:r>
+            <a:endParaRPr kumimoji="1" lang="en-US" altLang="zh-CN" sz="1100" dirty="0">
+              <a:latin typeface="Microsoft YaHei" charset="-122"/>
+              <a:ea typeface="Microsoft YaHei" charset="-122"/>
+              <a:cs typeface="Microsoft YaHei" charset="-122"/>
+            </a:endParaRPr>
           </a:p>
         </p:txBody>
       </p:sp>
@@ -21703,6 +21912,11 @@
               </a:rPr>
               <a:t>Node</a:t>
             </a:r>
+            <a:endParaRPr kumimoji="1" lang="en-US" altLang="zh-CN" sz="1100" dirty="0">
+              <a:latin typeface="Microsoft YaHei" charset="-122"/>
+              <a:ea typeface="Microsoft YaHei" charset="-122"/>
+              <a:cs typeface="Microsoft YaHei" charset="-122"/>
+            </a:endParaRPr>
           </a:p>
         </p:txBody>
       </p:sp>
@@ -21756,6 +21970,11 @@
               </a:rPr>
               <a:t>Validator Node</a:t>
             </a:r>
+            <a:endParaRPr kumimoji="1" lang="en-US" altLang="zh-CN" sz="1100" dirty="0">
+              <a:latin typeface="Microsoft YaHei" charset="-122"/>
+              <a:ea typeface="Microsoft YaHei" charset="-122"/>
+              <a:cs typeface="Microsoft YaHei" charset="-122"/>
+            </a:endParaRPr>
           </a:p>
         </p:txBody>
       </p:sp>
@@ -21818,6 +22037,11 @@
               </a:rPr>
               <a:t>Node</a:t>
             </a:r>
+            <a:endParaRPr kumimoji="1" lang="en-US" altLang="zh-CN" sz="1100" dirty="0">
+              <a:latin typeface="Microsoft YaHei" charset="-122"/>
+              <a:ea typeface="Microsoft YaHei" charset="-122"/>
+              <a:cs typeface="Microsoft YaHei" charset="-122"/>
+            </a:endParaRPr>
           </a:p>
         </p:txBody>
       </p:sp>
@@ -21880,6 +22104,11 @@
               </a:rPr>
               <a:t>Node</a:t>
             </a:r>
+            <a:endParaRPr kumimoji="1" lang="en-US" altLang="zh-CN" sz="1100" dirty="0">
+              <a:latin typeface="Microsoft YaHei" charset="-122"/>
+              <a:ea typeface="Microsoft YaHei" charset="-122"/>
+              <a:cs typeface="Microsoft YaHei" charset="-122"/>
+            </a:endParaRPr>
           </a:p>
         </p:txBody>
       </p:sp>
@@ -22295,6 +22524,11 @@
               </a:rPr>
               <a:t>Validator candidate</a:t>
             </a:r>
+            <a:endParaRPr kumimoji="1" lang="en-US" altLang="zh-CN" sz="900" dirty="0">
+              <a:latin typeface="Microsoft YaHei" charset="-122"/>
+              <a:ea typeface="Microsoft YaHei" charset="-122"/>
+              <a:cs typeface="Microsoft YaHei" charset="-122"/>
+            </a:endParaRPr>
           </a:p>
         </p:txBody>
       </p:sp>
@@ -22340,6 +22574,11 @@
               </a:rPr>
               <a:t>Validator candidate</a:t>
             </a:r>
+            <a:endParaRPr kumimoji="1" lang="en-US" altLang="zh-CN" sz="900" dirty="0">
+              <a:latin typeface="Microsoft YaHei" charset="-122"/>
+              <a:ea typeface="Microsoft YaHei" charset="-122"/>
+              <a:cs typeface="Microsoft YaHei" charset="-122"/>
+            </a:endParaRPr>
           </a:p>
         </p:txBody>
       </p:sp>
@@ -22385,6 +22624,11 @@
               </a:rPr>
               <a:t>Validator candidate</a:t>
             </a:r>
+            <a:endParaRPr kumimoji="1" lang="en-US" altLang="zh-CN" sz="900" dirty="0">
+              <a:latin typeface="Microsoft YaHei" charset="-122"/>
+              <a:ea typeface="Microsoft YaHei" charset="-122"/>
+              <a:cs typeface="Microsoft YaHei" charset="-122"/>
+            </a:endParaRPr>
           </a:p>
         </p:txBody>
       </p:sp>
@@ -22444,6 +22688,11 @@
                 </a:rPr>
                 <a:t>Delegator</a:t>
               </a:r>
+              <a:endParaRPr kumimoji="1" lang="en-US" altLang="zh-CN" sz="700" dirty="0">
+                <a:latin typeface="Microsoft YaHei" charset="-122"/>
+                <a:ea typeface="Microsoft YaHei" charset="-122"/>
+                <a:cs typeface="Microsoft YaHei" charset="-122"/>
+              </a:endParaRPr>
             </a:p>
           </p:txBody>
         </p:sp>
@@ -22489,6 +22738,11 @@
                 </a:rPr>
                 <a:t>Delegator</a:t>
               </a:r>
+              <a:endParaRPr kumimoji="1" lang="en-US" altLang="zh-CN" sz="700" dirty="0">
+                <a:latin typeface="Microsoft YaHei" charset="-122"/>
+                <a:ea typeface="Microsoft YaHei" charset="-122"/>
+                <a:cs typeface="Microsoft YaHei" charset="-122"/>
+              </a:endParaRPr>
             </a:p>
           </p:txBody>
         </p:sp>
@@ -22534,6 +22788,11 @@
                 </a:rPr>
                 <a:t>Delegator</a:t>
               </a:r>
+              <a:endParaRPr kumimoji="1" lang="en-US" altLang="zh-CN" sz="700" dirty="0">
+                <a:latin typeface="Microsoft YaHei" charset="-122"/>
+                <a:ea typeface="Microsoft YaHei" charset="-122"/>
+                <a:cs typeface="Microsoft YaHei" charset="-122"/>
+              </a:endParaRPr>
             </a:p>
           </p:txBody>
         </p:sp>
@@ -22631,6 +22890,11 @@
                 </a:rPr>
                 <a:t>Delegator</a:t>
               </a:r>
+              <a:endParaRPr kumimoji="1" lang="en-US" altLang="zh-CN" sz="700" dirty="0">
+                <a:latin typeface="Microsoft YaHei" charset="-122"/>
+                <a:ea typeface="Microsoft YaHei" charset="-122"/>
+                <a:cs typeface="Microsoft YaHei" charset="-122"/>
+              </a:endParaRPr>
             </a:p>
           </p:txBody>
         </p:sp>
@@ -22676,6 +22940,11 @@
                 </a:rPr>
                 <a:t>Delegator</a:t>
               </a:r>
+              <a:endParaRPr kumimoji="1" lang="en-US" altLang="zh-CN" sz="700" dirty="0">
+                <a:latin typeface="Microsoft YaHei" charset="-122"/>
+                <a:ea typeface="Microsoft YaHei" charset="-122"/>
+                <a:cs typeface="Microsoft YaHei" charset="-122"/>
+              </a:endParaRPr>
             </a:p>
           </p:txBody>
         </p:sp>
@@ -22721,6 +22990,11 @@
                 </a:rPr>
                 <a:t>Delegator</a:t>
               </a:r>
+              <a:endParaRPr kumimoji="1" lang="en-US" altLang="zh-CN" sz="700" dirty="0">
+                <a:latin typeface="Microsoft YaHei" charset="-122"/>
+                <a:ea typeface="Microsoft YaHei" charset="-122"/>
+                <a:cs typeface="Microsoft YaHei" charset="-122"/>
+              </a:endParaRPr>
             </a:p>
           </p:txBody>
         </p:sp>
@@ -22818,6 +23092,11 @@
                 </a:rPr>
                 <a:t>Delegator</a:t>
               </a:r>
+              <a:endParaRPr kumimoji="1" lang="en-US" altLang="zh-CN" sz="700" dirty="0">
+                <a:latin typeface="Microsoft YaHei" charset="-122"/>
+                <a:ea typeface="Microsoft YaHei" charset="-122"/>
+                <a:cs typeface="Microsoft YaHei" charset="-122"/>
+              </a:endParaRPr>
             </a:p>
           </p:txBody>
         </p:sp>
@@ -22863,6 +23142,11 @@
                 </a:rPr>
                 <a:t>Delegator</a:t>
               </a:r>
+              <a:endParaRPr kumimoji="1" lang="en-US" altLang="zh-CN" sz="700" dirty="0">
+                <a:latin typeface="Microsoft YaHei" charset="-122"/>
+                <a:ea typeface="Microsoft YaHei" charset="-122"/>
+                <a:cs typeface="Microsoft YaHei" charset="-122"/>
+              </a:endParaRPr>
             </a:p>
           </p:txBody>
         </p:sp>
@@ -22908,6 +23192,11 @@
                 </a:rPr>
                 <a:t>Delegator</a:t>
               </a:r>
+              <a:endParaRPr kumimoji="1" lang="en-US" altLang="zh-CN" sz="700" dirty="0">
+                <a:latin typeface="Microsoft YaHei" charset="-122"/>
+                <a:ea typeface="Microsoft YaHei" charset="-122"/>
+                <a:cs typeface="Microsoft YaHei" charset="-122"/>
+              </a:endParaRPr>
             </a:p>
           </p:txBody>
         </p:sp>
@@ -23005,6 +23294,11 @@
                 </a:rPr>
                 <a:t>Delegator</a:t>
               </a:r>
+              <a:endParaRPr kumimoji="1" lang="en-US" altLang="zh-CN" sz="700" dirty="0">
+                <a:latin typeface="Microsoft YaHei" charset="-122"/>
+                <a:ea typeface="Microsoft YaHei" charset="-122"/>
+                <a:cs typeface="Microsoft YaHei" charset="-122"/>
+              </a:endParaRPr>
             </a:p>
           </p:txBody>
         </p:sp>
@@ -23050,6 +23344,11 @@
                 </a:rPr>
                 <a:t>Delegator</a:t>
               </a:r>
+              <a:endParaRPr kumimoji="1" lang="en-US" altLang="zh-CN" sz="700" dirty="0">
+                <a:latin typeface="Microsoft YaHei" charset="-122"/>
+                <a:ea typeface="Microsoft YaHei" charset="-122"/>
+                <a:cs typeface="Microsoft YaHei" charset="-122"/>
+              </a:endParaRPr>
             </a:p>
           </p:txBody>
         </p:sp>
@@ -23095,6 +23394,11 @@
                 </a:rPr>
                 <a:t>Delegator</a:t>
               </a:r>
+              <a:endParaRPr kumimoji="1" lang="en-US" altLang="zh-CN" sz="700" dirty="0">
+                <a:latin typeface="Microsoft YaHei" charset="-122"/>
+                <a:ea typeface="Microsoft YaHei" charset="-122"/>
+                <a:cs typeface="Microsoft YaHei" charset="-122"/>
+              </a:endParaRPr>
             </a:p>
           </p:txBody>
         </p:sp>
@@ -23192,6 +23496,11 @@
                 </a:rPr>
                 <a:t>Delegator</a:t>
               </a:r>
+              <a:endParaRPr kumimoji="1" lang="en-US" altLang="zh-CN" sz="700" dirty="0">
+                <a:latin typeface="Microsoft YaHei" charset="-122"/>
+                <a:ea typeface="Microsoft YaHei" charset="-122"/>
+                <a:cs typeface="Microsoft YaHei" charset="-122"/>
+              </a:endParaRPr>
             </a:p>
           </p:txBody>
         </p:sp>
@@ -23237,6 +23546,11 @@
                 </a:rPr>
                 <a:t>Delegator</a:t>
               </a:r>
+              <a:endParaRPr kumimoji="1" lang="en-US" altLang="zh-CN" sz="700" dirty="0">
+                <a:latin typeface="Microsoft YaHei" charset="-122"/>
+                <a:ea typeface="Microsoft YaHei" charset="-122"/>
+                <a:cs typeface="Microsoft YaHei" charset="-122"/>
+              </a:endParaRPr>
             </a:p>
           </p:txBody>
         </p:sp>
@@ -23282,6 +23596,11 @@
                 </a:rPr>
                 <a:t>Delegator</a:t>
               </a:r>
+              <a:endParaRPr kumimoji="1" lang="en-US" altLang="zh-CN" sz="700" dirty="0">
+                <a:latin typeface="Microsoft YaHei" charset="-122"/>
+                <a:ea typeface="Microsoft YaHei" charset="-122"/>
+                <a:cs typeface="Microsoft YaHei" charset="-122"/>
+              </a:endParaRPr>
             </a:p>
           </p:txBody>
         </p:sp>
@@ -23379,6 +23698,11 @@
                 </a:rPr>
                 <a:t>Delegator</a:t>
               </a:r>
+              <a:endParaRPr kumimoji="1" lang="en-US" altLang="zh-CN" sz="700" dirty="0">
+                <a:latin typeface="Microsoft YaHei" charset="-122"/>
+                <a:ea typeface="Microsoft YaHei" charset="-122"/>
+                <a:cs typeface="Microsoft YaHei" charset="-122"/>
+              </a:endParaRPr>
             </a:p>
           </p:txBody>
         </p:sp>
@@ -23424,6 +23748,11 @@
                 </a:rPr>
                 <a:t>Delegator</a:t>
               </a:r>
+              <a:endParaRPr kumimoji="1" lang="en-US" altLang="zh-CN" sz="700" dirty="0">
+                <a:latin typeface="Microsoft YaHei" charset="-122"/>
+                <a:ea typeface="Microsoft YaHei" charset="-122"/>
+                <a:cs typeface="Microsoft YaHei" charset="-122"/>
+              </a:endParaRPr>
             </a:p>
           </p:txBody>
         </p:sp>
@@ -23469,6 +23798,11 @@
                 </a:rPr>
                 <a:t>Delegator</a:t>
               </a:r>
+              <a:endParaRPr kumimoji="1" lang="en-US" altLang="zh-CN" sz="700" dirty="0">
+                <a:latin typeface="Microsoft YaHei" charset="-122"/>
+                <a:ea typeface="Microsoft YaHei" charset="-122"/>
+                <a:cs typeface="Microsoft YaHei" charset="-122"/>
+              </a:endParaRPr>
             </a:p>
           </p:txBody>
         </p:sp>
@@ -23552,6 +23886,11 @@
               </a:rPr>
               <a:t>Delegator</a:t>
             </a:r>
+            <a:endParaRPr kumimoji="1" lang="en-US" altLang="zh-CN" sz="700" dirty="0">
+              <a:latin typeface="Microsoft YaHei" charset="-122"/>
+              <a:ea typeface="Microsoft YaHei" charset="-122"/>
+              <a:cs typeface="Microsoft YaHei" charset="-122"/>
+            </a:endParaRPr>
           </a:p>
         </p:txBody>
       </p:sp>
@@ -23916,15 +24255,15 @@
               </a:rPr>
               <a:t>Overview</a:t>
             </a:r>
+            <a:endParaRPr lang="en-US" altLang="zh-CN" sz="4000" dirty="0">
+              <a:solidFill>
+                <a:schemeClr val="bg1"/>
+              </a:solidFill>
+            </a:endParaRPr>
           </a:p>
         </p:txBody>
       </p:sp>
     </p:spTree>
-    <p:extLst>
-      <p:ext uri="{BB962C8B-B14F-4D97-AF65-F5344CB8AC3E}">
-        <p14:creationId xmlns:p14="http://schemas.microsoft.com/office/powerpoint/2010/main" val="1955677574"/>
-      </p:ext>
-    </p:extLst>
   </p:cSld>
   <p:clrMapOvr>
     <a:masterClrMapping/>
@@ -24117,6 +24456,11 @@
               </a:rPr>
               <a:t>Validator </a:t>
             </a:r>
+            <a:endParaRPr kumimoji="1" lang="en-US" altLang="zh-CN" sz="1050" dirty="0">
+              <a:latin typeface="Microsoft YaHei" charset="-122"/>
+              <a:ea typeface="Microsoft YaHei" charset="-122"/>
+              <a:cs typeface="Microsoft YaHei" charset="-122"/>
+            </a:endParaRPr>
           </a:p>
         </p:txBody>
       </p:sp>
@@ -24690,6 +25034,11 @@
               </a:rPr>
               <a:t>A</a:t>
             </a:r>
+            <a:endParaRPr kumimoji="1" lang="en-US" altLang="zh-CN" sz="700" dirty="0">
+              <a:latin typeface="Microsoft YaHei" charset="-122"/>
+              <a:ea typeface="Microsoft YaHei" charset="-122"/>
+              <a:cs typeface="Microsoft YaHei" charset="-122"/>
+            </a:endParaRPr>
           </a:p>
         </p:txBody>
       </p:sp>
@@ -25370,7 +25719,7 @@
           <a:p>
             <a:pPr algn="ctr"/>
             <a:r>
-              <a:rPr kumimoji="1" lang="mr-IN" altLang="zh-CN" sz="900" dirty="0" smtClean="0">
+              <a:rPr kumimoji="1" lang="en-US" altLang="zh-CN" sz="900" dirty="0" smtClean="0">
                 <a:latin typeface="Microsoft YaHei" charset="-122"/>
                 <a:ea typeface="Microsoft YaHei" charset="-122"/>
                 <a:cs typeface="Microsoft YaHei" charset="-122"/>
@@ -26835,6 +27184,11 @@
               </a:rPr>
               <a:t>node</a:t>
             </a:r>
+            <a:endParaRPr kumimoji="1" lang="en-US" altLang="zh-CN" sz="900" dirty="0" smtClean="0">
+              <a:latin typeface="Microsoft YaHei" charset="-122"/>
+              <a:ea typeface="Microsoft YaHei" charset="-122"/>
+              <a:cs typeface="Microsoft YaHei" charset="-122"/>
+            </a:endParaRPr>
           </a:p>
         </p:txBody>
       </p:sp>
@@ -28696,15 +29050,15 @@
               </a:rPr>
               <a:t>Overview</a:t>
             </a:r>
+            <a:endParaRPr lang="en-US" altLang="zh-CN" sz="4000" dirty="0">
+              <a:solidFill>
+                <a:schemeClr val="bg1"/>
+              </a:solidFill>
+            </a:endParaRPr>
           </a:p>
         </p:txBody>
       </p:sp>
     </p:spTree>
-    <p:extLst>
-      <p:ext uri="{BB962C8B-B14F-4D97-AF65-F5344CB8AC3E}">
-        <p14:creationId xmlns:p14="http://schemas.microsoft.com/office/powerpoint/2010/main" val="1835768883"/>
-      </p:ext>
-    </p:extLst>
   </p:cSld>
   <p:clrMapOvr>
     <a:masterClrMapping/>
@@ -28745,7 +29099,7 @@
           <p:nvPr/>
         </p:nvPicPr>
         <p:blipFill>
-          <a:blip r:embed="rId3"/>
+          <a:blip r:embed="rId1"/>
           <a:stretch>
             <a:fillRect/>
           </a:stretch>
@@ -28833,6 +29187,20 @@
               </a:rPr>
               <a:t>Privacy issue – CryptoNote </a:t>
             </a:r>
+            <a:endParaRPr kumimoji="0" lang="en-US" altLang="zh-CN" sz="3735" b="0" i="0" u="none" strike="noStrike" kern="1200" cap="none" spc="0" normalizeH="0" baseline="0" noProof="0" dirty="0">
+              <a:ln>
+                <a:noFill/>
+              </a:ln>
+              <a:solidFill>
+                <a:schemeClr val="lt1"/>
+              </a:solidFill>
+              <a:effectLst/>
+              <a:uLnTx/>
+              <a:uFillTx/>
+              <a:latin typeface="+mn-lt"/>
+              <a:ea typeface="+mn-ea"/>
+              <a:cs typeface="+mn-cs"/>
+            </a:endParaRPr>
           </a:p>
         </p:txBody>
       </p:sp>
@@ -29736,7 +30104,7 @@
           <p:nvPr/>
         </p:nvPicPr>
         <p:blipFill>
-          <a:blip r:embed="rId3"/>
+          <a:blip r:embed="rId1"/>
           <a:stretch>
             <a:fillRect/>
           </a:stretch>
@@ -30281,7 +30649,7 @@
           <p:nvPr/>
         </p:nvPicPr>
         <p:blipFill>
-          <a:blip r:embed="rId4"/>
+          <a:blip r:embed="rId2"/>
           <a:stretch>
             <a:fillRect/>
           </a:stretch>
@@ -30309,7 +30677,7 @@
           <p:nvPr/>
         </p:nvPicPr>
         <p:blipFill>
-          <a:blip r:embed="rId5"/>
+          <a:blip r:embed="rId3"/>
           <a:stretch>
             <a:fillRect/>
           </a:stretch>
@@ -30587,8 +30955,6 @@
       </a:bgFillStyleLst>
     </a:fmtScheme>
   </a:themeElements>
-  <a:objectDefaults/>
-  <a:extraClrSchemeLst/>
   <a:extLst>
     <a:ext uri="{05A4C25C-085E-4340-85A3-A5531E510DB2}">
       <thm15:themeFamily xmlns:thm15="http://schemas.microsoft.com/office/thememl/2012/main" name="Office Theme" id="{62F939B6-93AF-4DB8-9C6B-D6C7DFDC589F}" vid="{4A3C46E8-61CC-4603-A589-7422A47A8E4A}"/>
@@ -30848,8 +31214,6 @@
       </a:bgFillStyleLst>
     </a:fmtScheme>
   </a:themeElements>
-  <a:objectDefaults/>
-  <a:extraClrSchemeLst/>
   <a:extLst>
     <a:ext uri="{05A4C25C-085E-4340-85A3-A5531E510DB2}">
       <thm15:themeFamily xmlns:thm15="http://schemas.microsoft.com/office/thememl/2012/main" name="Office Theme" id="{62F939B6-93AF-4DB8-9C6B-D6C7DFDC589F}" vid="{4A3C46E8-61CC-4603-A589-7422A47A8E4A}"/>

--- a/ppt/blockchain-dex.pptx
+++ b/ppt/blockchain-dex.pptx
@@ -10380,7 +10380,7 @@
           <a:graphicData uri="http://schemas.openxmlformats.org/presentationml/2006/ole">
             <mc:AlternateContent xmlns:mc="http://schemas.openxmlformats.org/markup-compatibility/2006">
               <mc:Choice xmlns:v="urn:schemas-microsoft-com:vml" Requires="v">
-                <p:oleObj spid="_x0000_s1085" r:id="rId4" imgW="6502400" imgH="3657600" progId="Package">
+                <p:oleObj spid="_x0000_s1086" r:id="rId4" imgW="6502400" imgH="3657600" progId="Package">
                   <p:embed/>
                 </p:oleObj>
               </mc:Choice>
@@ -40082,7 +40082,7 @@
           <a:graphicData uri="http://schemas.openxmlformats.org/presentationml/2006/ole">
             <mc:AlternateContent xmlns:mc="http://schemas.openxmlformats.org/markup-compatibility/2006">
               <mc:Choice xmlns:v="urn:schemas-microsoft-com:vml" Requires="v">
-                <p:oleObj spid="_x0000_s5139" r:id="rId4" imgW="6502400" imgH="3657600" progId="Package">
+                <p:oleObj spid="_x0000_s5140" r:id="rId4" imgW="6502400" imgH="3657600" progId="Package">
                   <p:embed/>
                 </p:oleObj>
               </mc:Choice>
@@ -40563,7 +40563,7 @@
           <a:graphicData uri="http://schemas.openxmlformats.org/presentationml/2006/ole">
             <mc:AlternateContent xmlns:mc="http://schemas.openxmlformats.org/markup-compatibility/2006">
               <mc:Choice xmlns:v="urn:schemas-microsoft-com:vml" Requires="v">
-                <p:oleObj spid="_x0000_s2109" r:id="rId4" imgW="6502400" imgH="3657600" progId="Package">
+                <p:oleObj spid="_x0000_s2110" r:id="rId4" imgW="6502400" imgH="3657600" progId="Package">
                   <p:embed/>
                 </p:oleObj>
               </mc:Choice>
